--- a/documentation/presentation/Telnova-Trestle Hackathon.pptx
+++ b/documentation/presentation/Telnova-Trestle Hackathon.pptx
@@ -4,13 +4,20 @@
   <p:sldMasterIdLst>
     <p:sldMasterId id="2147483648" r:id="rId1"/>
   </p:sldMasterIdLst>
+  <p:notesMasterIdLst>
+    <p:notesMasterId r:id="rId12"/>
+  </p:notesMasterIdLst>
   <p:sldIdLst>
     <p:sldId id="256" r:id="rId2"/>
     <p:sldId id="257" r:id="rId3"/>
-    <p:sldId id="258" r:id="rId4"/>
-    <p:sldId id="259" r:id="rId5"/>
-    <p:sldId id="260" r:id="rId6"/>
-    <p:sldId id="261" r:id="rId7"/>
+    <p:sldId id="267" r:id="rId4"/>
+    <p:sldId id="265" r:id="rId5"/>
+    <p:sldId id="268" r:id="rId6"/>
+    <p:sldId id="269" r:id="rId7"/>
+    <p:sldId id="266" r:id="rId8"/>
+    <p:sldId id="270" r:id="rId9"/>
+    <p:sldId id="271" r:id="rId10"/>
+    <p:sldId id="262" r:id="rId11"/>
   </p:sldIdLst>
   <p:sldSz cx="12192000" cy="6858000"/>
   <p:notesSz cx="6858000" cy="9144000"/>
@@ -109,7 +116,1237 @@
       </a:defRPr>
     </a:lvl9pPr>
   </p:defaultTextStyle>
+  <p:extLst>
+    <p:ext uri="{EFAFB233-063F-42B5-8137-9DF3F51BA10A}">
+      <p15:sldGuideLst xmlns:p15="http://schemas.microsoft.com/office/powerpoint/2012/main"/>
+    </p:ext>
+  </p:extLst>
 </p:presentation>
+</file>
+
+<file path=ppt/notesMasters/notesMaster1.xml><?xml version="1.0" encoding="utf-8"?>
+<p:notesMaster xmlns:a="http://schemas.openxmlformats.org/drawingml/2006/main" xmlns:r="http://schemas.openxmlformats.org/officeDocument/2006/relationships" xmlns:p="http://schemas.openxmlformats.org/presentationml/2006/main">
+  <p:cSld>
+    <p:bg>
+      <p:bgRef idx="1001">
+        <a:schemeClr val="bg1"/>
+      </p:bgRef>
+    </p:bg>
+    <p:spTree>
+      <p:nvGrpSpPr>
+        <p:cNvPr id="1" name=""/>
+        <p:cNvGrpSpPr/>
+        <p:nvPr/>
+      </p:nvGrpSpPr>
+      <p:grpSpPr>
+        <a:xfrm>
+          <a:off x="0" y="0"/>
+          <a:ext cx="0" cy="0"/>
+          <a:chOff x="0" y="0"/>
+          <a:chExt cx="0" cy="0"/>
+        </a:xfrm>
+      </p:grpSpPr>
+      <p:sp>
+        <p:nvSpPr>
+          <p:cNvPr id="2" name="Header Placeholder 1"/>
+          <p:cNvSpPr>
+            <a:spLocks noGrp="1"/>
+          </p:cNvSpPr>
+          <p:nvPr>
+            <p:ph type="hdr" sz="quarter"/>
+          </p:nvPr>
+        </p:nvSpPr>
+        <p:spPr>
+          <a:xfrm>
+            <a:off x="0" y="0"/>
+            <a:ext cx="2971800" cy="458788"/>
+          </a:xfrm>
+          <a:prstGeom prst="rect">
+            <a:avLst/>
+          </a:prstGeom>
+        </p:spPr>
+        <p:txBody>
+          <a:bodyPr vert="horz" lIns="91440" tIns="45720" rIns="91440" bIns="45720" rtlCol="0"/>
+          <a:lstStyle>
+            <a:lvl1pPr algn="l">
+              <a:defRPr sz="1200"/>
+            </a:lvl1pPr>
+          </a:lstStyle>
+          <a:p>
+            <a:endParaRPr lang="en-US"/>
+          </a:p>
+        </p:txBody>
+      </p:sp>
+      <p:sp>
+        <p:nvSpPr>
+          <p:cNvPr id="3" name="Date Placeholder 2"/>
+          <p:cNvSpPr>
+            <a:spLocks noGrp="1"/>
+          </p:cNvSpPr>
+          <p:nvPr>
+            <p:ph type="dt" idx="1"/>
+          </p:nvPr>
+        </p:nvSpPr>
+        <p:spPr>
+          <a:xfrm>
+            <a:off x="3884613" y="0"/>
+            <a:ext cx="2971800" cy="458788"/>
+          </a:xfrm>
+          <a:prstGeom prst="rect">
+            <a:avLst/>
+          </a:prstGeom>
+        </p:spPr>
+        <p:txBody>
+          <a:bodyPr vert="horz" lIns="91440" tIns="45720" rIns="91440" bIns="45720" rtlCol="0"/>
+          <a:lstStyle>
+            <a:lvl1pPr algn="r">
+              <a:defRPr sz="1200"/>
+            </a:lvl1pPr>
+          </a:lstStyle>
+          <a:p>
+            <a:fld id="{5C6461C7-4469-43B1-BCFE-AC5862E93F01}" type="datetimeFigureOut">
+              <a:rPr lang="en-US" smtClean="0"/>
+              <a:t>6/24/2021</a:t>
+            </a:fld>
+            <a:endParaRPr lang="en-US"/>
+          </a:p>
+        </p:txBody>
+      </p:sp>
+      <p:sp>
+        <p:nvSpPr>
+          <p:cNvPr id="4" name="Slide Image Placeholder 3"/>
+          <p:cNvSpPr>
+            <a:spLocks noGrp="1" noRot="1" noChangeAspect="1"/>
+          </p:cNvSpPr>
+          <p:nvPr>
+            <p:ph type="sldImg" idx="2"/>
+          </p:nvPr>
+        </p:nvSpPr>
+        <p:spPr>
+          <a:xfrm>
+            <a:off x="685800" y="1143000"/>
+            <a:ext cx="5486400" cy="3086100"/>
+          </a:xfrm>
+          <a:prstGeom prst="rect">
+            <a:avLst/>
+          </a:prstGeom>
+          <a:noFill/>
+          <a:ln w="12700">
+            <a:solidFill>
+              <a:prstClr val="black"/>
+            </a:solidFill>
+          </a:ln>
+        </p:spPr>
+        <p:txBody>
+          <a:bodyPr vert="horz" lIns="91440" tIns="45720" rIns="91440" bIns="45720" rtlCol="0" anchor="ctr"/>
+          <a:lstStyle/>
+          <a:p>
+            <a:endParaRPr lang="en-US"/>
+          </a:p>
+        </p:txBody>
+      </p:sp>
+      <p:sp>
+        <p:nvSpPr>
+          <p:cNvPr id="5" name="Notes Placeholder 4"/>
+          <p:cNvSpPr>
+            <a:spLocks noGrp="1"/>
+          </p:cNvSpPr>
+          <p:nvPr>
+            <p:ph type="body" sz="quarter" idx="3"/>
+          </p:nvPr>
+        </p:nvSpPr>
+        <p:spPr>
+          <a:xfrm>
+            <a:off x="685800" y="4400550"/>
+            <a:ext cx="5486400" cy="3600450"/>
+          </a:xfrm>
+          <a:prstGeom prst="rect">
+            <a:avLst/>
+          </a:prstGeom>
+        </p:spPr>
+        <p:txBody>
+          <a:bodyPr vert="horz" lIns="91440" tIns="45720" rIns="91440" bIns="45720" rtlCol="0"/>
+          <a:lstStyle/>
+          <a:p>
+            <a:pPr lvl="0"/>
+            <a:r>
+              <a:rPr lang="en-US"/>
+              <a:t>Click to edit Master text styles</a:t>
+            </a:r>
+          </a:p>
+          <a:p>
+            <a:pPr lvl="1"/>
+            <a:r>
+              <a:rPr lang="en-US"/>
+              <a:t>Second level</a:t>
+            </a:r>
+          </a:p>
+          <a:p>
+            <a:pPr lvl="2"/>
+            <a:r>
+              <a:rPr lang="en-US"/>
+              <a:t>Third level</a:t>
+            </a:r>
+          </a:p>
+          <a:p>
+            <a:pPr lvl="3"/>
+            <a:r>
+              <a:rPr lang="en-US"/>
+              <a:t>Fourth level</a:t>
+            </a:r>
+          </a:p>
+          <a:p>
+            <a:pPr lvl="4"/>
+            <a:r>
+              <a:rPr lang="en-US"/>
+              <a:t>Fifth level</a:t>
+            </a:r>
+          </a:p>
+        </p:txBody>
+      </p:sp>
+      <p:sp>
+        <p:nvSpPr>
+          <p:cNvPr id="6" name="Footer Placeholder 5"/>
+          <p:cNvSpPr>
+            <a:spLocks noGrp="1"/>
+          </p:cNvSpPr>
+          <p:nvPr>
+            <p:ph type="ftr" sz="quarter" idx="4"/>
+          </p:nvPr>
+        </p:nvSpPr>
+        <p:spPr>
+          <a:xfrm>
+            <a:off x="0" y="8685213"/>
+            <a:ext cx="2971800" cy="458787"/>
+          </a:xfrm>
+          <a:prstGeom prst="rect">
+            <a:avLst/>
+          </a:prstGeom>
+        </p:spPr>
+        <p:txBody>
+          <a:bodyPr vert="horz" lIns="91440" tIns="45720" rIns="91440" bIns="45720" rtlCol="0" anchor="b"/>
+          <a:lstStyle>
+            <a:lvl1pPr algn="l">
+              <a:defRPr sz="1200"/>
+            </a:lvl1pPr>
+          </a:lstStyle>
+          <a:p>
+            <a:endParaRPr lang="en-US"/>
+          </a:p>
+        </p:txBody>
+      </p:sp>
+      <p:sp>
+        <p:nvSpPr>
+          <p:cNvPr id="7" name="Slide Number Placeholder 6"/>
+          <p:cNvSpPr>
+            <a:spLocks noGrp="1"/>
+          </p:cNvSpPr>
+          <p:nvPr>
+            <p:ph type="sldNum" sz="quarter" idx="5"/>
+          </p:nvPr>
+        </p:nvSpPr>
+        <p:spPr>
+          <a:xfrm>
+            <a:off x="3884613" y="8685213"/>
+            <a:ext cx="2971800" cy="458787"/>
+          </a:xfrm>
+          <a:prstGeom prst="rect">
+            <a:avLst/>
+          </a:prstGeom>
+        </p:spPr>
+        <p:txBody>
+          <a:bodyPr vert="horz" lIns="91440" tIns="45720" rIns="91440" bIns="45720" rtlCol="0" anchor="b"/>
+          <a:lstStyle>
+            <a:lvl1pPr algn="r">
+              <a:defRPr sz="1200"/>
+            </a:lvl1pPr>
+          </a:lstStyle>
+          <a:p>
+            <a:fld id="{4A82C65D-FD2A-4195-A451-A214A2960CED}" type="slidenum">
+              <a:rPr lang="en-US" smtClean="0"/>
+              <a:t>‹#›</a:t>
+            </a:fld>
+            <a:endParaRPr lang="en-US"/>
+          </a:p>
+        </p:txBody>
+      </p:sp>
+    </p:spTree>
+    <p:extLst>
+      <p:ext uri="{BB962C8B-B14F-4D97-AF65-F5344CB8AC3E}">
+        <p14:creationId xmlns:p14="http://schemas.microsoft.com/office/powerpoint/2010/main" val="2589224916"/>
+      </p:ext>
+    </p:extLst>
+  </p:cSld>
+  <p:clrMap bg1="lt1" tx1="dk1" bg2="lt2" tx2="dk2" accent1="accent1" accent2="accent2" accent3="accent3" accent4="accent4" accent5="accent5" accent6="accent6" hlink="hlink" folHlink="folHlink"/>
+  <p:notesStyle>
+    <a:lvl1pPr marL="0" algn="l" defTabSz="914400" rtl="0" eaLnBrk="1" latinLnBrk="0" hangingPunct="1">
+      <a:defRPr sz="1200" kern="1200">
+        <a:solidFill>
+          <a:schemeClr val="tx1"/>
+        </a:solidFill>
+        <a:latin typeface="+mn-lt"/>
+        <a:ea typeface="+mn-ea"/>
+        <a:cs typeface="+mn-cs"/>
+      </a:defRPr>
+    </a:lvl1pPr>
+    <a:lvl2pPr marL="457200" algn="l" defTabSz="914400" rtl="0" eaLnBrk="1" latinLnBrk="0" hangingPunct="1">
+      <a:defRPr sz="1200" kern="1200">
+        <a:solidFill>
+          <a:schemeClr val="tx1"/>
+        </a:solidFill>
+        <a:latin typeface="+mn-lt"/>
+        <a:ea typeface="+mn-ea"/>
+        <a:cs typeface="+mn-cs"/>
+      </a:defRPr>
+    </a:lvl2pPr>
+    <a:lvl3pPr marL="914400" algn="l" defTabSz="914400" rtl="0" eaLnBrk="1" latinLnBrk="0" hangingPunct="1">
+      <a:defRPr sz="1200" kern="1200">
+        <a:solidFill>
+          <a:schemeClr val="tx1"/>
+        </a:solidFill>
+        <a:latin typeface="+mn-lt"/>
+        <a:ea typeface="+mn-ea"/>
+        <a:cs typeface="+mn-cs"/>
+      </a:defRPr>
+    </a:lvl3pPr>
+    <a:lvl4pPr marL="1371600" algn="l" defTabSz="914400" rtl="0" eaLnBrk="1" latinLnBrk="0" hangingPunct="1">
+      <a:defRPr sz="1200" kern="1200">
+        <a:solidFill>
+          <a:schemeClr val="tx1"/>
+        </a:solidFill>
+        <a:latin typeface="+mn-lt"/>
+        <a:ea typeface="+mn-ea"/>
+        <a:cs typeface="+mn-cs"/>
+      </a:defRPr>
+    </a:lvl4pPr>
+    <a:lvl5pPr marL="1828800" algn="l" defTabSz="914400" rtl="0" eaLnBrk="1" latinLnBrk="0" hangingPunct="1">
+      <a:defRPr sz="1200" kern="1200">
+        <a:solidFill>
+          <a:schemeClr val="tx1"/>
+        </a:solidFill>
+        <a:latin typeface="+mn-lt"/>
+        <a:ea typeface="+mn-ea"/>
+        <a:cs typeface="+mn-cs"/>
+      </a:defRPr>
+    </a:lvl5pPr>
+    <a:lvl6pPr marL="2286000" algn="l" defTabSz="914400" rtl="0" eaLnBrk="1" latinLnBrk="0" hangingPunct="1">
+      <a:defRPr sz="1200" kern="1200">
+        <a:solidFill>
+          <a:schemeClr val="tx1"/>
+        </a:solidFill>
+        <a:latin typeface="+mn-lt"/>
+        <a:ea typeface="+mn-ea"/>
+        <a:cs typeface="+mn-cs"/>
+      </a:defRPr>
+    </a:lvl6pPr>
+    <a:lvl7pPr marL="2743200" algn="l" defTabSz="914400" rtl="0" eaLnBrk="1" latinLnBrk="0" hangingPunct="1">
+      <a:defRPr sz="1200" kern="1200">
+        <a:solidFill>
+          <a:schemeClr val="tx1"/>
+        </a:solidFill>
+        <a:latin typeface="+mn-lt"/>
+        <a:ea typeface="+mn-ea"/>
+        <a:cs typeface="+mn-cs"/>
+      </a:defRPr>
+    </a:lvl7pPr>
+    <a:lvl8pPr marL="3200400" algn="l" defTabSz="914400" rtl="0" eaLnBrk="1" latinLnBrk="0" hangingPunct="1">
+      <a:defRPr sz="1200" kern="1200">
+        <a:solidFill>
+          <a:schemeClr val="tx1"/>
+        </a:solidFill>
+        <a:latin typeface="+mn-lt"/>
+        <a:ea typeface="+mn-ea"/>
+        <a:cs typeface="+mn-cs"/>
+      </a:defRPr>
+    </a:lvl8pPr>
+    <a:lvl9pPr marL="3657600" algn="l" defTabSz="914400" rtl="0" eaLnBrk="1" latinLnBrk="0" hangingPunct="1">
+      <a:defRPr sz="1200" kern="1200">
+        <a:solidFill>
+          <a:schemeClr val="tx1"/>
+        </a:solidFill>
+        <a:latin typeface="+mn-lt"/>
+        <a:ea typeface="+mn-ea"/>
+        <a:cs typeface="+mn-cs"/>
+      </a:defRPr>
+    </a:lvl9pPr>
+  </p:notesStyle>
+</p:notesMaster>
+</file>
+
+<file path=ppt/notesSlides/notesSlide1.xml><?xml version="1.0" encoding="utf-8"?>
+<p:notes xmlns:a="http://schemas.openxmlformats.org/drawingml/2006/main" xmlns:r="http://schemas.openxmlformats.org/officeDocument/2006/relationships" xmlns:p="http://schemas.openxmlformats.org/presentationml/2006/main">
+  <p:cSld>
+    <p:spTree>
+      <p:nvGrpSpPr>
+        <p:cNvPr id="1" name=""/>
+        <p:cNvGrpSpPr/>
+        <p:nvPr/>
+      </p:nvGrpSpPr>
+      <p:grpSpPr>
+        <a:xfrm>
+          <a:off x="0" y="0"/>
+          <a:ext cx="0" cy="0"/>
+          <a:chOff x="0" y="0"/>
+          <a:chExt cx="0" cy="0"/>
+        </a:xfrm>
+      </p:grpSpPr>
+      <p:sp>
+        <p:nvSpPr>
+          <p:cNvPr id="2" name="Slide Image Placeholder 1"/>
+          <p:cNvSpPr>
+            <a:spLocks noGrp="1" noRot="1" noChangeAspect="1"/>
+          </p:cNvSpPr>
+          <p:nvPr>
+            <p:ph type="sldImg"/>
+          </p:nvPr>
+        </p:nvSpPr>
+        <p:spPr/>
+      </p:sp>
+      <p:sp>
+        <p:nvSpPr>
+          <p:cNvPr id="3" name="Notes Placeholder 2"/>
+          <p:cNvSpPr>
+            <a:spLocks noGrp="1"/>
+          </p:cNvSpPr>
+          <p:nvPr>
+            <p:ph type="body" idx="1"/>
+          </p:nvPr>
+        </p:nvSpPr>
+        <p:spPr/>
+        <p:txBody>
+          <a:bodyPr/>
+          <a:lstStyle/>
+          <a:p>
+            <a:endParaRPr lang="en-US" dirty="0"/>
+          </a:p>
+        </p:txBody>
+      </p:sp>
+      <p:sp>
+        <p:nvSpPr>
+          <p:cNvPr id="4" name="Slide Number Placeholder 3"/>
+          <p:cNvSpPr>
+            <a:spLocks noGrp="1"/>
+          </p:cNvSpPr>
+          <p:nvPr>
+            <p:ph type="sldNum" sz="quarter" idx="5"/>
+          </p:nvPr>
+        </p:nvSpPr>
+        <p:spPr/>
+        <p:txBody>
+          <a:bodyPr/>
+          <a:lstStyle/>
+          <a:p>
+            <a:fld id="{4A82C65D-FD2A-4195-A451-A214A2960CED}" type="slidenum">
+              <a:rPr lang="en-US" smtClean="0"/>
+              <a:t>1</a:t>
+            </a:fld>
+            <a:endParaRPr lang="en-US"/>
+          </a:p>
+        </p:txBody>
+      </p:sp>
+    </p:spTree>
+    <p:extLst>
+      <p:ext uri="{BB962C8B-B14F-4D97-AF65-F5344CB8AC3E}">
+        <p14:creationId xmlns:p14="http://schemas.microsoft.com/office/powerpoint/2010/main" val="3487013399"/>
+      </p:ext>
+    </p:extLst>
+  </p:cSld>
+  <p:clrMapOvr>
+    <a:masterClrMapping/>
+  </p:clrMapOvr>
+</p:notes>
+</file>
+
+<file path=ppt/notesSlides/notesSlide2.xml><?xml version="1.0" encoding="utf-8"?>
+<p:notes xmlns:a="http://schemas.openxmlformats.org/drawingml/2006/main" xmlns:r="http://schemas.openxmlformats.org/officeDocument/2006/relationships" xmlns:p="http://schemas.openxmlformats.org/presentationml/2006/main">
+  <p:cSld>
+    <p:spTree>
+      <p:nvGrpSpPr>
+        <p:cNvPr id="1" name=""/>
+        <p:cNvGrpSpPr/>
+        <p:nvPr/>
+      </p:nvGrpSpPr>
+      <p:grpSpPr>
+        <a:xfrm>
+          <a:off x="0" y="0"/>
+          <a:ext cx="0" cy="0"/>
+          <a:chOff x="0" y="0"/>
+          <a:chExt cx="0" cy="0"/>
+        </a:xfrm>
+      </p:grpSpPr>
+      <p:sp>
+        <p:nvSpPr>
+          <p:cNvPr id="2" name="Slide Image Placeholder 1"/>
+          <p:cNvSpPr>
+            <a:spLocks noGrp="1" noRot="1" noChangeAspect="1"/>
+          </p:cNvSpPr>
+          <p:nvPr>
+            <p:ph type="sldImg"/>
+          </p:nvPr>
+        </p:nvSpPr>
+        <p:spPr/>
+      </p:sp>
+      <p:sp>
+        <p:nvSpPr>
+          <p:cNvPr id="3" name="Notes Placeholder 2"/>
+          <p:cNvSpPr>
+            <a:spLocks noGrp="1"/>
+          </p:cNvSpPr>
+          <p:nvPr>
+            <p:ph type="body" idx="1"/>
+          </p:nvPr>
+        </p:nvSpPr>
+        <p:spPr/>
+        <p:txBody>
+          <a:bodyPr/>
+          <a:lstStyle/>
+          <a:p>
+            <a:r>
+              <a:rPr lang="en-US" dirty="0"/>
+              <a:t>Reasons for choice in solution:</a:t>
+            </a:r>
+          </a:p>
+          <a:p>
+            <a:pPr marL="228600" indent="-228600">
+              <a:buAutoNum type="arabicPeriod"/>
+            </a:pPr>
+            <a:r>
+              <a:rPr lang="en-US" dirty="0"/>
+              <a:t>To provide a centralized data collection point </a:t>
+            </a:r>
+          </a:p>
+          <a:p>
+            <a:pPr marL="228600" indent="-228600">
+              <a:buAutoNum type="arabicPeriod"/>
+            </a:pPr>
+            <a:r>
+              <a:rPr lang="en-US" dirty="0"/>
+              <a:t>To provide a common view space for all cameras</a:t>
+            </a:r>
+          </a:p>
+          <a:p>
+            <a:pPr marL="228600" indent="-228600">
+              <a:buAutoNum type="arabicPeriod"/>
+            </a:pPr>
+            <a:r>
+              <a:rPr lang="en-US" dirty="0"/>
+              <a:t>For easy setup</a:t>
+            </a:r>
+          </a:p>
+          <a:p>
+            <a:pPr marL="228600" indent="-228600">
+              <a:buAutoNum type="arabicPeriod"/>
+            </a:pPr>
+            <a:r>
+              <a:rPr lang="en-US" dirty="0"/>
+              <a:t>Provides a single medium of communication between the web server and the clients.</a:t>
+            </a:r>
+          </a:p>
+          <a:p>
+            <a:pPr marL="228600" indent="-228600">
+              <a:buAutoNum type="arabicPeriod"/>
+            </a:pPr>
+            <a:r>
+              <a:rPr lang="en-US" dirty="0"/>
+              <a:t>Allows for faster communication between the cameras and the apps since cameras are connected on a local network</a:t>
+            </a:r>
+          </a:p>
+        </p:txBody>
+      </p:sp>
+      <p:sp>
+        <p:nvSpPr>
+          <p:cNvPr id="4" name="Slide Number Placeholder 3"/>
+          <p:cNvSpPr>
+            <a:spLocks noGrp="1"/>
+          </p:cNvSpPr>
+          <p:nvPr>
+            <p:ph type="sldNum" sz="quarter" idx="5"/>
+          </p:nvPr>
+        </p:nvSpPr>
+        <p:spPr/>
+        <p:txBody>
+          <a:bodyPr/>
+          <a:lstStyle/>
+          <a:p>
+            <a:fld id="{4A82C65D-FD2A-4195-A451-A214A2960CED}" type="slidenum">
+              <a:rPr lang="en-US" smtClean="0"/>
+              <a:t>2</a:t>
+            </a:fld>
+            <a:endParaRPr lang="en-US"/>
+          </a:p>
+        </p:txBody>
+      </p:sp>
+    </p:spTree>
+    <p:extLst>
+      <p:ext uri="{BB962C8B-B14F-4D97-AF65-F5344CB8AC3E}">
+        <p14:creationId xmlns:p14="http://schemas.microsoft.com/office/powerpoint/2010/main" val="2201070553"/>
+      </p:ext>
+    </p:extLst>
+  </p:cSld>
+  <p:clrMapOvr>
+    <a:masterClrMapping/>
+  </p:clrMapOvr>
+</p:notes>
+</file>
+
+<file path=ppt/notesSlides/notesSlide3.xml><?xml version="1.0" encoding="utf-8"?>
+<p:notes xmlns:a="http://schemas.openxmlformats.org/drawingml/2006/main" xmlns:r="http://schemas.openxmlformats.org/officeDocument/2006/relationships" xmlns:p="http://schemas.openxmlformats.org/presentationml/2006/main">
+  <p:cSld>
+    <p:spTree>
+      <p:nvGrpSpPr>
+        <p:cNvPr id="1" name=""/>
+        <p:cNvGrpSpPr/>
+        <p:nvPr/>
+      </p:nvGrpSpPr>
+      <p:grpSpPr>
+        <a:xfrm>
+          <a:off x="0" y="0"/>
+          <a:ext cx="0" cy="0"/>
+          <a:chOff x="0" y="0"/>
+          <a:chExt cx="0" cy="0"/>
+        </a:xfrm>
+      </p:grpSpPr>
+      <p:sp>
+        <p:nvSpPr>
+          <p:cNvPr id="2" name="Slide Image Placeholder 1"/>
+          <p:cNvSpPr>
+            <a:spLocks noGrp="1" noRot="1" noChangeAspect="1"/>
+          </p:cNvSpPr>
+          <p:nvPr>
+            <p:ph type="sldImg"/>
+          </p:nvPr>
+        </p:nvSpPr>
+        <p:spPr/>
+      </p:sp>
+      <p:sp>
+        <p:nvSpPr>
+          <p:cNvPr id="3" name="Notes Placeholder 2"/>
+          <p:cNvSpPr>
+            <a:spLocks noGrp="1"/>
+          </p:cNvSpPr>
+          <p:nvPr>
+            <p:ph type="body" idx="1"/>
+          </p:nvPr>
+        </p:nvSpPr>
+        <p:spPr/>
+        <p:txBody>
+          <a:bodyPr/>
+          <a:lstStyle/>
+          <a:p>
+            <a:r>
+              <a:rPr lang="en-US" dirty="0"/>
+              <a:t>Reasons for choice in solution:</a:t>
+            </a:r>
+          </a:p>
+          <a:p>
+            <a:pPr marL="228600" indent="-228600">
+              <a:buAutoNum type="arabicPeriod"/>
+            </a:pPr>
+            <a:r>
+              <a:rPr lang="en-US" dirty="0"/>
+              <a:t>To provide a centralized data collection point </a:t>
+            </a:r>
+          </a:p>
+          <a:p>
+            <a:pPr marL="228600" indent="-228600">
+              <a:buAutoNum type="arabicPeriod"/>
+            </a:pPr>
+            <a:r>
+              <a:rPr lang="en-US" dirty="0"/>
+              <a:t>To provide a common view space for all cameras</a:t>
+            </a:r>
+          </a:p>
+          <a:p>
+            <a:pPr marL="228600" indent="-228600">
+              <a:buAutoNum type="arabicPeriod"/>
+            </a:pPr>
+            <a:r>
+              <a:rPr lang="en-US" dirty="0"/>
+              <a:t>For easy setup</a:t>
+            </a:r>
+          </a:p>
+          <a:p>
+            <a:pPr marL="228600" indent="-228600">
+              <a:buAutoNum type="arabicPeriod"/>
+            </a:pPr>
+            <a:r>
+              <a:rPr lang="en-US" dirty="0"/>
+              <a:t>Provides a single medium of communication between the web server and the clients.</a:t>
+            </a:r>
+          </a:p>
+          <a:p>
+            <a:pPr marL="228600" indent="-228600">
+              <a:buAutoNum type="arabicPeriod"/>
+            </a:pPr>
+            <a:r>
+              <a:rPr lang="en-US" dirty="0"/>
+              <a:t>Allows for faster communication between the cameras and the apps since cameras are connected on a local network</a:t>
+            </a:r>
+          </a:p>
+        </p:txBody>
+      </p:sp>
+      <p:sp>
+        <p:nvSpPr>
+          <p:cNvPr id="4" name="Slide Number Placeholder 3"/>
+          <p:cNvSpPr>
+            <a:spLocks noGrp="1"/>
+          </p:cNvSpPr>
+          <p:nvPr>
+            <p:ph type="sldNum" sz="quarter" idx="5"/>
+          </p:nvPr>
+        </p:nvSpPr>
+        <p:spPr/>
+        <p:txBody>
+          <a:bodyPr/>
+          <a:lstStyle/>
+          <a:p>
+            <a:fld id="{4A82C65D-FD2A-4195-A451-A214A2960CED}" type="slidenum">
+              <a:rPr lang="en-US" smtClean="0"/>
+              <a:t>3</a:t>
+            </a:fld>
+            <a:endParaRPr lang="en-US"/>
+          </a:p>
+        </p:txBody>
+      </p:sp>
+    </p:spTree>
+    <p:extLst>
+      <p:ext uri="{BB962C8B-B14F-4D97-AF65-F5344CB8AC3E}">
+        <p14:creationId xmlns:p14="http://schemas.microsoft.com/office/powerpoint/2010/main" val="2165416298"/>
+      </p:ext>
+    </p:extLst>
+  </p:cSld>
+  <p:clrMapOvr>
+    <a:masterClrMapping/>
+  </p:clrMapOvr>
+</p:notes>
+</file>
+
+<file path=ppt/notesSlides/notesSlide4.xml><?xml version="1.0" encoding="utf-8"?>
+<p:notes xmlns:a="http://schemas.openxmlformats.org/drawingml/2006/main" xmlns:r="http://schemas.openxmlformats.org/officeDocument/2006/relationships" xmlns:p="http://schemas.openxmlformats.org/presentationml/2006/main">
+  <p:cSld>
+    <p:spTree>
+      <p:nvGrpSpPr>
+        <p:cNvPr id="1" name=""/>
+        <p:cNvGrpSpPr/>
+        <p:nvPr/>
+      </p:nvGrpSpPr>
+      <p:grpSpPr>
+        <a:xfrm>
+          <a:off x="0" y="0"/>
+          <a:ext cx="0" cy="0"/>
+          <a:chOff x="0" y="0"/>
+          <a:chExt cx="0" cy="0"/>
+        </a:xfrm>
+      </p:grpSpPr>
+      <p:sp>
+        <p:nvSpPr>
+          <p:cNvPr id="2" name="Slide Image Placeholder 1"/>
+          <p:cNvSpPr>
+            <a:spLocks noGrp="1" noRot="1" noChangeAspect="1"/>
+          </p:cNvSpPr>
+          <p:nvPr>
+            <p:ph type="sldImg"/>
+          </p:nvPr>
+        </p:nvSpPr>
+        <p:spPr/>
+      </p:sp>
+      <p:sp>
+        <p:nvSpPr>
+          <p:cNvPr id="3" name="Notes Placeholder 2"/>
+          <p:cNvSpPr>
+            <a:spLocks noGrp="1"/>
+          </p:cNvSpPr>
+          <p:nvPr>
+            <p:ph type="body" idx="1"/>
+          </p:nvPr>
+        </p:nvSpPr>
+        <p:spPr/>
+        <p:txBody>
+          <a:bodyPr/>
+          <a:lstStyle/>
+          <a:p>
+            <a:r>
+              <a:rPr lang="en-US" dirty="0"/>
+              <a:t>Reasons for choice in solution:</a:t>
+            </a:r>
+          </a:p>
+          <a:p>
+            <a:pPr marL="228600" indent="-228600">
+              <a:buAutoNum type="arabicPeriod"/>
+            </a:pPr>
+            <a:r>
+              <a:rPr lang="en-US" dirty="0"/>
+              <a:t>To provide a centralized data collection point </a:t>
+            </a:r>
+          </a:p>
+          <a:p>
+            <a:pPr marL="228600" indent="-228600">
+              <a:buAutoNum type="arabicPeriod"/>
+            </a:pPr>
+            <a:r>
+              <a:rPr lang="en-US" dirty="0"/>
+              <a:t>To provide a common view space for all cameras</a:t>
+            </a:r>
+          </a:p>
+          <a:p>
+            <a:pPr marL="228600" indent="-228600">
+              <a:buAutoNum type="arabicPeriod"/>
+            </a:pPr>
+            <a:r>
+              <a:rPr lang="en-US" dirty="0"/>
+              <a:t>For easy setup</a:t>
+            </a:r>
+          </a:p>
+          <a:p>
+            <a:pPr marL="228600" indent="-228600">
+              <a:buAutoNum type="arabicPeriod"/>
+            </a:pPr>
+            <a:r>
+              <a:rPr lang="en-US" dirty="0"/>
+              <a:t>Provides a single medium of communication between the web server and the clients.</a:t>
+            </a:r>
+          </a:p>
+          <a:p>
+            <a:pPr marL="228600" indent="-228600">
+              <a:buAutoNum type="arabicPeriod"/>
+            </a:pPr>
+            <a:r>
+              <a:rPr lang="en-US" dirty="0"/>
+              <a:t>Allows for faster communication between the cameras and the apps since cameras are connected on a local network</a:t>
+            </a:r>
+          </a:p>
+        </p:txBody>
+      </p:sp>
+      <p:sp>
+        <p:nvSpPr>
+          <p:cNvPr id="4" name="Slide Number Placeholder 3"/>
+          <p:cNvSpPr>
+            <a:spLocks noGrp="1"/>
+          </p:cNvSpPr>
+          <p:nvPr>
+            <p:ph type="sldNum" sz="quarter" idx="5"/>
+          </p:nvPr>
+        </p:nvSpPr>
+        <p:spPr/>
+        <p:txBody>
+          <a:bodyPr/>
+          <a:lstStyle/>
+          <a:p>
+            <a:fld id="{4A82C65D-FD2A-4195-A451-A214A2960CED}" type="slidenum">
+              <a:rPr lang="en-US" smtClean="0"/>
+              <a:t>5</a:t>
+            </a:fld>
+            <a:endParaRPr lang="en-US"/>
+          </a:p>
+        </p:txBody>
+      </p:sp>
+    </p:spTree>
+    <p:extLst>
+      <p:ext uri="{BB962C8B-B14F-4D97-AF65-F5344CB8AC3E}">
+        <p14:creationId xmlns:p14="http://schemas.microsoft.com/office/powerpoint/2010/main" val="3058756579"/>
+      </p:ext>
+    </p:extLst>
+  </p:cSld>
+  <p:clrMapOvr>
+    <a:masterClrMapping/>
+  </p:clrMapOvr>
+</p:notes>
+</file>
+
+<file path=ppt/notesSlides/notesSlide5.xml><?xml version="1.0" encoding="utf-8"?>
+<p:notes xmlns:a="http://schemas.openxmlformats.org/drawingml/2006/main" xmlns:r="http://schemas.openxmlformats.org/officeDocument/2006/relationships" xmlns:p="http://schemas.openxmlformats.org/presentationml/2006/main">
+  <p:cSld>
+    <p:spTree>
+      <p:nvGrpSpPr>
+        <p:cNvPr id="1" name=""/>
+        <p:cNvGrpSpPr/>
+        <p:nvPr/>
+      </p:nvGrpSpPr>
+      <p:grpSpPr>
+        <a:xfrm>
+          <a:off x="0" y="0"/>
+          <a:ext cx="0" cy="0"/>
+          <a:chOff x="0" y="0"/>
+          <a:chExt cx="0" cy="0"/>
+        </a:xfrm>
+      </p:grpSpPr>
+      <p:sp>
+        <p:nvSpPr>
+          <p:cNvPr id="2" name="Slide Image Placeholder 1"/>
+          <p:cNvSpPr>
+            <a:spLocks noGrp="1" noRot="1" noChangeAspect="1"/>
+          </p:cNvSpPr>
+          <p:nvPr>
+            <p:ph type="sldImg"/>
+          </p:nvPr>
+        </p:nvSpPr>
+        <p:spPr/>
+      </p:sp>
+      <p:sp>
+        <p:nvSpPr>
+          <p:cNvPr id="3" name="Notes Placeholder 2"/>
+          <p:cNvSpPr>
+            <a:spLocks noGrp="1"/>
+          </p:cNvSpPr>
+          <p:nvPr>
+            <p:ph type="body" idx="1"/>
+          </p:nvPr>
+        </p:nvSpPr>
+        <p:spPr/>
+        <p:txBody>
+          <a:bodyPr/>
+          <a:lstStyle/>
+          <a:p>
+            <a:r>
+              <a:rPr lang="en-US" dirty="0"/>
+              <a:t>Reasons for choice in solution:</a:t>
+            </a:r>
+          </a:p>
+          <a:p>
+            <a:pPr marL="228600" indent="-228600">
+              <a:buAutoNum type="arabicPeriod"/>
+            </a:pPr>
+            <a:r>
+              <a:rPr lang="en-US" dirty="0"/>
+              <a:t>To provide a centralized data collection point </a:t>
+            </a:r>
+          </a:p>
+          <a:p>
+            <a:pPr marL="228600" indent="-228600">
+              <a:buAutoNum type="arabicPeriod"/>
+            </a:pPr>
+            <a:r>
+              <a:rPr lang="en-US" dirty="0"/>
+              <a:t>To provide a common view space for all cameras</a:t>
+            </a:r>
+          </a:p>
+          <a:p>
+            <a:pPr marL="228600" indent="-228600">
+              <a:buAutoNum type="arabicPeriod"/>
+            </a:pPr>
+            <a:r>
+              <a:rPr lang="en-US" dirty="0"/>
+              <a:t>For easy setup</a:t>
+            </a:r>
+          </a:p>
+          <a:p>
+            <a:pPr marL="228600" indent="-228600">
+              <a:buAutoNum type="arabicPeriod"/>
+            </a:pPr>
+            <a:r>
+              <a:rPr lang="en-US" dirty="0"/>
+              <a:t>Provides a single medium of communication between the web server and the clients.</a:t>
+            </a:r>
+          </a:p>
+          <a:p>
+            <a:pPr marL="228600" indent="-228600">
+              <a:buAutoNum type="arabicPeriod"/>
+            </a:pPr>
+            <a:r>
+              <a:rPr lang="en-US" dirty="0"/>
+              <a:t>Allows for faster communication between the cameras and the apps since cameras are connected on a local network</a:t>
+            </a:r>
+          </a:p>
+        </p:txBody>
+      </p:sp>
+      <p:sp>
+        <p:nvSpPr>
+          <p:cNvPr id="4" name="Slide Number Placeholder 3"/>
+          <p:cNvSpPr>
+            <a:spLocks noGrp="1"/>
+          </p:cNvSpPr>
+          <p:nvPr>
+            <p:ph type="sldNum" sz="quarter" idx="5"/>
+          </p:nvPr>
+        </p:nvSpPr>
+        <p:spPr/>
+        <p:txBody>
+          <a:bodyPr/>
+          <a:lstStyle/>
+          <a:p>
+            <a:fld id="{4A82C65D-FD2A-4195-A451-A214A2960CED}" type="slidenum">
+              <a:rPr lang="en-US" smtClean="0"/>
+              <a:t>6</a:t>
+            </a:fld>
+            <a:endParaRPr lang="en-US"/>
+          </a:p>
+        </p:txBody>
+      </p:sp>
+    </p:spTree>
+    <p:extLst>
+      <p:ext uri="{BB962C8B-B14F-4D97-AF65-F5344CB8AC3E}">
+        <p14:creationId xmlns:p14="http://schemas.microsoft.com/office/powerpoint/2010/main" val="4192848073"/>
+      </p:ext>
+    </p:extLst>
+  </p:cSld>
+  <p:clrMapOvr>
+    <a:masterClrMapping/>
+  </p:clrMapOvr>
+</p:notes>
+</file>
+
+<file path=ppt/notesSlides/notesSlide6.xml><?xml version="1.0" encoding="utf-8"?>
+<p:notes xmlns:a="http://schemas.openxmlformats.org/drawingml/2006/main" xmlns:r="http://schemas.openxmlformats.org/officeDocument/2006/relationships" xmlns:p="http://schemas.openxmlformats.org/presentationml/2006/main">
+  <p:cSld>
+    <p:spTree>
+      <p:nvGrpSpPr>
+        <p:cNvPr id="1" name=""/>
+        <p:cNvGrpSpPr/>
+        <p:nvPr/>
+      </p:nvGrpSpPr>
+      <p:grpSpPr>
+        <a:xfrm>
+          <a:off x="0" y="0"/>
+          <a:ext cx="0" cy="0"/>
+          <a:chOff x="0" y="0"/>
+          <a:chExt cx="0" cy="0"/>
+        </a:xfrm>
+      </p:grpSpPr>
+      <p:sp>
+        <p:nvSpPr>
+          <p:cNvPr id="2" name="Slide Image Placeholder 1"/>
+          <p:cNvSpPr>
+            <a:spLocks noGrp="1" noRot="1" noChangeAspect="1"/>
+          </p:cNvSpPr>
+          <p:nvPr>
+            <p:ph type="sldImg"/>
+          </p:nvPr>
+        </p:nvSpPr>
+        <p:spPr/>
+      </p:sp>
+      <p:sp>
+        <p:nvSpPr>
+          <p:cNvPr id="3" name="Notes Placeholder 2"/>
+          <p:cNvSpPr>
+            <a:spLocks noGrp="1"/>
+          </p:cNvSpPr>
+          <p:nvPr>
+            <p:ph type="body" idx="1"/>
+          </p:nvPr>
+        </p:nvSpPr>
+        <p:spPr/>
+        <p:txBody>
+          <a:bodyPr/>
+          <a:lstStyle/>
+          <a:p>
+            <a:r>
+              <a:rPr lang="en-US" dirty="0"/>
+              <a:t>Reasons for choice in solution:</a:t>
+            </a:r>
+          </a:p>
+          <a:p>
+            <a:pPr marL="228600" indent="-228600">
+              <a:buAutoNum type="arabicPeriod"/>
+            </a:pPr>
+            <a:r>
+              <a:rPr lang="en-US" dirty="0"/>
+              <a:t>To provide a centralized data collection point </a:t>
+            </a:r>
+          </a:p>
+          <a:p>
+            <a:pPr marL="228600" indent="-228600">
+              <a:buAutoNum type="arabicPeriod"/>
+            </a:pPr>
+            <a:r>
+              <a:rPr lang="en-US" dirty="0"/>
+              <a:t>To provide a common view space for all cameras</a:t>
+            </a:r>
+          </a:p>
+          <a:p>
+            <a:pPr marL="228600" indent="-228600">
+              <a:buAutoNum type="arabicPeriod"/>
+            </a:pPr>
+            <a:r>
+              <a:rPr lang="en-US" dirty="0"/>
+              <a:t>For easy setup</a:t>
+            </a:r>
+          </a:p>
+          <a:p>
+            <a:pPr marL="228600" indent="-228600">
+              <a:buAutoNum type="arabicPeriod"/>
+            </a:pPr>
+            <a:r>
+              <a:rPr lang="en-US" dirty="0"/>
+              <a:t>Provides a single medium of communication between the web server and the clients.</a:t>
+            </a:r>
+          </a:p>
+          <a:p>
+            <a:pPr marL="228600" indent="-228600">
+              <a:buAutoNum type="arabicPeriod"/>
+            </a:pPr>
+            <a:r>
+              <a:rPr lang="en-US" dirty="0"/>
+              <a:t>Allows for faster communication between the cameras and the apps since cameras are connected on a local network</a:t>
+            </a:r>
+          </a:p>
+        </p:txBody>
+      </p:sp>
+      <p:sp>
+        <p:nvSpPr>
+          <p:cNvPr id="4" name="Slide Number Placeholder 3"/>
+          <p:cNvSpPr>
+            <a:spLocks noGrp="1"/>
+          </p:cNvSpPr>
+          <p:nvPr>
+            <p:ph type="sldNum" sz="quarter" idx="5"/>
+          </p:nvPr>
+        </p:nvSpPr>
+        <p:spPr/>
+        <p:txBody>
+          <a:bodyPr/>
+          <a:lstStyle/>
+          <a:p>
+            <a:fld id="{4A82C65D-FD2A-4195-A451-A214A2960CED}" type="slidenum">
+              <a:rPr lang="en-US" smtClean="0"/>
+              <a:t>8</a:t>
+            </a:fld>
+            <a:endParaRPr lang="en-US"/>
+          </a:p>
+        </p:txBody>
+      </p:sp>
+    </p:spTree>
+    <p:extLst>
+      <p:ext uri="{BB962C8B-B14F-4D97-AF65-F5344CB8AC3E}">
+        <p14:creationId xmlns:p14="http://schemas.microsoft.com/office/powerpoint/2010/main" val="113660791"/>
+      </p:ext>
+    </p:extLst>
+  </p:cSld>
+  <p:clrMapOvr>
+    <a:masterClrMapping/>
+  </p:clrMapOvr>
+</p:notes>
+</file>
+
+<file path=ppt/notesSlides/notesSlide7.xml><?xml version="1.0" encoding="utf-8"?>
+<p:notes xmlns:a="http://schemas.openxmlformats.org/drawingml/2006/main" xmlns:r="http://schemas.openxmlformats.org/officeDocument/2006/relationships" xmlns:p="http://schemas.openxmlformats.org/presentationml/2006/main">
+  <p:cSld>
+    <p:spTree>
+      <p:nvGrpSpPr>
+        <p:cNvPr id="1" name=""/>
+        <p:cNvGrpSpPr/>
+        <p:nvPr/>
+      </p:nvGrpSpPr>
+      <p:grpSpPr>
+        <a:xfrm>
+          <a:off x="0" y="0"/>
+          <a:ext cx="0" cy="0"/>
+          <a:chOff x="0" y="0"/>
+          <a:chExt cx="0" cy="0"/>
+        </a:xfrm>
+      </p:grpSpPr>
+      <p:sp>
+        <p:nvSpPr>
+          <p:cNvPr id="2" name="Slide Image Placeholder 1"/>
+          <p:cNvSpPr>
+            <a:spLocks noGrp="1" noRot="1" noChangeAspect="1"/>
+          </p:cNvSpPr>
+          <p:nvPr>
+            <p:ph type="sldImg"/>
+          </p:nvPr>
+        </p:nvSpPr>
+        <p:spPr/>
+      </p:sp>
+      <p:sp>
+        <p:nvSpPr>
+          <p:cNvPr id="3" name="Notes Placeholder 2"/>
+          <p:cNvSpPr>
+            <a:spLocks noGrp="1"/>
+          </p:cNvSpPr>
+          <p:nvPr>
+            <p:ph type="body" idx="1"/>
+          </p:nvPr>
+        </p:nvSpPr>
+        <p:spPr/>
+        <p:txBody>
+          <a:bodyPr/>
+          <a:lstStyle/>
+          <a:p>
+            <a:r>
+              <a:rPr lang="en-US" dirty="0"/>
+              <a:t>Reasons for choice in solution:</a:t>
+            </a:r>
+          </a:p>
+          <a:p>
+            <a:pPr marL="228600" indent="-228600">
+              <a:buAutoNum type="arabicPeriod"/>
+            </a:pPr>
+            <a:r>
+              <a:rPr lang="en-US" dirty="0"/>
+              <a:t>To provide a centralized data collection point </a:t>
+            </a:r>
+          </a:p>
+          <a:p>
+            <a:pPr marL="228600" indent="-228600">
+              <a:buAutoNum type="arabicPeriod"/>
+            </a:pPr>
+            <a:r>
+              <a:rPr lang="en-US" dirty="0"/>
+              <a:t>To provide a common view space for all cameras</a:t>
+            </a:r>
+          </a:p>
+          <a:p>
+            <a:pPr marL="228600" indent="-228600">
+              <a:buAutoNum type="arabicPeriod"/>
+            </a:pPr>
+            <a:r>
+              <a:rPr lang="en-US" dirty="0"/>
+              <a:t>For easy setup</a:t>
+            </a:r>
+          </a:p>
+          <a:p>
+            <a:pPr marL="228600" indent="-228600">
+              <a:buAutoNum type="arabicPeriod"/>
+            </a:pPr>
+            <a:r>
+              <a:rPr lang="en-US" dirty="0"/>
+              <a:t>Provides a single medium of communication between the web server and the clients.</a:t>
+            </a:r>
+          </a:p>
+          <a:p>
+            <a:pPr marL="228600" indent="-228600">
+              <a:buAutoNum type="arabicPeriod"/>
+            </a:pPr>
+            <a:r>
+              <a:rPr lang="en-US" dirty="0"/>
+              <a:t>Allows for faster communication between the cameras and the apps since cameras are connected on a local network</a:t>
+            </a:r>
+          </a:p>
+        </p:txBody>
+      </p:sp>
+      <p:sp>
+        <p:nvSpPr>
+          <p:cNvPr id="4" name="Slide Number Placeholder 3"/>
+          <p:cNvSpPr>
+            <a:spLocks noGrp="1"/>
+          </p:cNvSpPr>
+          <p:nvPr>
+            <p:ph type="sldNum" sz="quarter" idx="5"/>
+          </p:nvPr>
+        </p:nvSpPr>
+        <p:spPr/>
+        <p:txBody>
+          <a:bodyPr/>
+          <a:lstStyle/>
+          <a:p>
+            <a:fld id="{4A82C65D-FD2A-4195-A451-A214A2960CED}" type="slidenum">
+              <a:rPr lang="en-US" smtClean="0"/>
+              <a:t>9</a:t>
+            </a:fld>
+            <a:endParaRPr lang="en-US"/>
+          </a:p>
+        </p:txBody>
+      </p:sp>
+    </p:spTree>
+    <p:extLst>
+      <p:ext uri="{BB962C8B-B14F-4D97-AF65-F5344CB8AC3E}">
+        <p14:creationId xmlns:p14="http://schemas.microsoft.com/office/powerpoint/2010/main" val="3391593146"/>
+      </p:ext>
+    </p:extLst>
+  </p:cSld>
+  <p:clrMapOvr>
+    <a:masterClrMapping/>
+  </p:clrMapOvr>
+</p:notes>
 </file>
 
 <file path=ppt/slideLayouts/slideLayout1.xml><?xml version="1.0" encoding="utf-8"?>
@@ -257,9 +1494,9 @@
           <a:bodyPr/>
           <a:lstStyle/>
           <a:p>
-            <a:fld id="{3A302DC7-01F7-4D82-BEA7-535326F55F32}" type="datetimeFigureOut">
+            <a:fld id="{7C5EA7E5-FE93-436F-9E60-589D80340847}" type="datetime1">
               <a:rPr lang="en-US" smtClean="0"/>
-              <a:t>6/23/2021</a:t>
+              <a:t>6/24/2021</a:t>
             </a:fld>
             <a:endParaRPr lang="en-US"/>
           </a:p>
@@ -455,9 +1692,9 @@
           <a:bodyPr/>
           <a:lstStyle/>
           <a:p>
-            <a:fld id="{3A302DC7-01F7-4D82-BEA7-535326F55F32}" type="datetimeFigureOut">
+            <a:fld id="{084EB8CE-141D-4DDE-853D-730C300C9693}" type="datetime1">
               <a:rPr lang="en-US" smtClean="0"/>
-              <a:t>6/23/2021</a:t>
+              <a:t>6/24/2021</a:t>
             </a:fld>
             <a:endParaRPr lang="en-US"/>
           </a:p>
@@ -663,9 +1900,9 @@
           <a:bodyPr/>
           <a:lstStyle/>
           <a:p>
-            <a:fld id="{3A302DC7-01F7-4D82-BEA7-535326F55F32}" type="datetimeFigureOut">
+            <a:fld id="{59A6765C-D76B-4881-8D81-677C51CB1645}" type="datetime1">
               <a:rPr lang="en-US" smtClean="0"/>
-              <a:t>6/23/2021</a:t>
+              <a:t>6/24/2021</a:t>
             </a:fld>
             <a:endParaRPr lang="en-US"/>
           </a:p>
@@ -861,9 +2098,9 @@
           <a:bodyPr/>
           <a:lstStyle/>
           <a:p>
-            <a:fld id="{3A302DC7-01F7-4D82-BEA7-535326F55F32}" type="datetimeFigureOut">
+            <a:fld id="{4C23C895-C4BF-422F-ACCF-730CED50ED61}" type="datetime1">
               <a:rPr lang="en-US" smtClean="0"/>
-              <a:t>6/23/2021</a:t>
+              <a:t>6/24/2021</a:t>
             </a:fld>
             <a:endParaRPr lang="en-US"/>
           </a:p>
@@ -1136,9 +2373,9 @@
           <a:bodyPr/>
           <a:lstStyle/>
           <a:p>
-            <a:fld id="{3A302DC7-01F7-4D82-BEA7-535326F55F32}" type="datetimeFigureOut">
+            <a:fld id="{11F6733F-80D6-4019-AD23-6E2AD0D777BC}" type="datetime1">
               <a:rPr lang="en-US" smtClean="0"/>
-              <a:t>6/23/2021</a:t>
+              <a:t>6/24/2021</a:t>
             </a:fld>
             <a:endParaRPr lang="en-US"/>
           </a:p>
@@ -1401,9 +2638,9 @@
           <a:bodyPr/>
           <a:lstStyle/>
           <a:p>
-            <a:fld id="{3A302DC7-01F7-4D82-BEA7-535326F55F32}" type="datetimeFigureOut">
+            <a:fld id="{427499B4-A80E-428A-B3B3-B5F150D4A737}" type="datetime1">
               <a:rPr lang="en-US" smtClean="0"/>
-              <a:t>6/23/2021</a:t>
+              <a:t>6/24/2021</a:t>
             </a:fld>
             <a:endParaRPr lang="en-US"/>
           </a:p>
@@ -1813,9 +3050,9 @@
           <a:bodyPr/>
           <a:lstStyle/>
           <a:p>
-            <a:fld id="{3A302DC7-01F7-4D82-BEA7-535326F55F32}" type="datetimeFigureOut">
+            <a:fld id="{CCEFE10A-3FD9-4C35-8A3F-5E6A1D3BE6C3}" type="datetime1">
               <a:rPr lang="en-US" smtClean="0"/>
-              <a:t>6/23/2021</a:t>
+              <a:t>6/24/2021</a:t>
             </a:fld>
             <a:endParaRPr lang="en-US"/>
           </a:p>
@@ -1954,9 +3191,9 @@
           <a:bodyPr/>
           <a:lstStyle/>
           <a:p>
-            <a:fld id="{3A302DC7-01F7-4D82-BEA7-535326F55F32}" type="datetimeFigureOut">
+            <a:fld id="{4DD8F47A-506C-452B-A9A4-104AD0D42ACD}" type="datetime1">
               <a:rPr lang="en-US" smtClean="0"/>
-              <a:t>6/23/2021</a:t>
+              <a:t>6/24/2021</a:t>
             </a:fld>
             <a:endParaRPr lang="en-US"/>
           </a:p>
@@ -2067,9 +3304,9 @@
           <a:bodyPr/>
           <a:lstStyle/>
           <a:p>
-            <a:fld id="{3A302DC7-01F7-4D82-BEA7-535326F55F32}" type="datetimeFigureOut">
+            <a:fld id="{F0348679-4C82-4C0A-A055-4E4907F586CC}" type="datetime1">
               <a:rPr lang="en-US" smtClean="0"/>
-              <a:t>6/23/2021</a:t>
+              <a:t>6/24/2021</a:t>
             </a:fld>
             <a:endParaRPr lang="en-US"/>
           </a:p>
@@ -2378,9 +3615,9 @@
           <a:bodyPr/>
           <a:lstStyle/>
           <a:p>
-            <a:fld id="{3A302DC7-01F7-4D82-BEA7-535326F55F32}" type="datetimeFigureOut">
+            <a:fld id="{110A6E10-1969-4DD7-A484-7BF2C8760A22}" type="datetime1">
               <a:rPr lang="en-US" smtClean="0"/>
-              <a:t>6/23/2021</a:t>
+              <a:t>6/24/2021</a:t>
             </a:fld>
             <a:endParaRPr lang="en-US"/>
           </a:p>
@@ -2666,9 +3903,9 @@
           <a:bodyPr/>
           <a:lstStyle/>
           <a:p>
-            <a:fld id="{3A302DC7-01F7-4D82-BEA7-535326F55F32}" type="datetimeFigureOut">
+            <a:fld id="{A513C869-9F86-49C3-9D77-D5F6053A4926}" type="datetime1">
               <a:rPr lang="en-US" smtClean="0"/>
-              <a:t>6/23/2021</a:t>
+              <a:t>6/24/2021</a:t>
             </a:fld>
             <a:endParaRPr lang="en-US"/>
           </a:p>
@@ -2907,9 +4144,9 @@
             </a:lvl1pPr>
           </a:lstStyle>
           <a:p>
-            <a:fld id="{3A302DC7-01F7-4D82-BEA7-535326F55F32}" type="datetimeFigureOut">
+            <a:fld id="{4780E574-E809-45A5-AC77-758D6EDE9956}" type="datetime1">
               <a:rPr lang="en-US" smtClean="0"/>
-              <a:t>6/23/2021</a:t>
+              <a:t>6/24/2021</a:t>
             </a:fld>
             <a:endParaRPr lang="en-US"/>
           </a:p>
@@ -3026,6 +4263,7 @@
     <p:sldLayoutId id="2147483658" r:id="rId10"/>
     <p:sldLayoutId id="2147483659" r:id="rId11"/>
   </p:sldLayoutIdLst>
+  <p:hf sldNum="0" hdr="0" dt="0"/>
   <p:txStyles>
     <p:titleStyle>
       <a:lvl1pPr algn="l" defTabSz="914400" rtl="0" eaLnBrk="1" latinLnBrk="0" hangingPunct="1">
@@ -3326,67 +4564,110 @@
           <a:chExt cx="0" cy="0"/>
         </a:xfrm>
       </p:grpSpPr>
-      <p:sp>
-        <p:nvSpPr>
-          <p:cNvPr id="2" name="Title 1">
-            <a:extLst>
-              <a:ext uri="{FF2B5EF4-FFF2-40B4-BE49-F238E27FC236}">
-                <a16:creationId xmlns:a16="http://schemas.microsoft.com/office/drawing/2014/main" id="{D32088AC-DEE9-440B-BFF5-F17D885176BA}"/>
-              </a:ext>
-            </a:extLst>
-          </p:cNvPr>
-          <p:cNvSpPr>
-            <a:spLocks noGrp="1"/>
-          </p:cNvSpPr>
-          <p:nvPr>
-            <p:ph type="ctrTitle"/>
-          </p:nvPr>
-        </p:nvSpPr>
-        <p:spPr/>
-        <p:txBody>
-          <a:bodyPr/>
-          <a:lstStyle/>
-          <a:p>
-            <a:r>
-              <a:rPr lang="en-US" dirty="0"/>
-              <a:t>Trestle Hackathon</a:t>
-            </a:r>
-          </a:p>
-        </p:txBody>
-      </p:sp>
-      <p:sp>
-        <p:nvSpPr>
-          <p:cNvPr id="3" name="Subtitle 2">
-            <a:extLst>
-              <a:ext uri="{FF2B5EF4-FFF2-40B4-BE49-F238E27FC236}">
-                <a16:creationId xmlns:a16="http://schemas.microsoft.com/office/drawing/2014/main" id="{D8870E6D-3478-407D-BEDD-A08846AA1C73}"/>
-              </a:ext>
-            </a:extLst>
-          </p:cNvPr>
-          <p:cNvSpPr>
-            <a:spLocks noGrp="1"/>
-          </p:cNvSpPr>
-          <p:nvPr>
-            <p:ph type="subTitle" idx="1"/>
-          </p:nvPr>
-        </p:nvSpPr>
-        <p:spPr/>
-        <p:txBody>
-          <a:bodyPr/>
-          <a:lstStyle/>
-          <a:p>
-            <a:r>
-              <a:rPr lang="en-US" dirty="0" err="1"/>
-              <a:t>Telnova</a:t>
-            </a:r>
-            <a:endParaRPr lang="en-US" dirty="0"/>
-          </a:p>
-        </p:txBody>
-      </p:sp>
+      <p:pic>
+        <p:nvPicPr>
+          <p:cNvPr id="8" name="Picture 7">
+            <a:extLst>
+              <a:ext uri="{FF2B5EF4-FFF2-40B4-BE49-F238E27FC236}">
+                <a16:creationId xmlns:a16="http://schemas.microsoft.com/office/drawing/2014/main" id="{ED7B239F-63FD-463B-A216-ADD5DC3BD6D3}"/>
+              </a:ext>
+            </a:extLst>
+          </p:cNvPr>
+          <p:cNvPicPr>
+            <a:picLocks noChangeAspect="1"/>
+          </p:cNvPicPr>
+          <p:nvPr/>
+        </p:nvPicPr>
+        <p:blipFill rotWithShape="1">
+          <a:blip r:embed="rId3">
+            <a:extLst>
+              <a:ext uri="{28A0092B-C50C-407E-A947-70E740481C1C}">
+                <a14:useLocalDpi xmlns:a14="http://schemas.microsoft.com/office/drawing/2010/main" val="0"/>
+              </a:ext>
+            </a:extLst>
+          </a:blip>
+          <a:srcRect l="-1" t="1237" r="-1" b="9117"/>
+          <a:stretch/>
+        </p:blipFill>
+        <p:spPr>
+          <a:xfrm>
+            <a:off x="0" y="0"/>
+            <a:ext cx="12192000" cy="7726680"/>
+          </a:xfrm>
+          <a:prstGeom prst="rect">
+            <a:avLst/>
+          </a:prstGeom>
+        </p:spPr>
+      </p:pic>
     </p:spTree>
     <p:extLst>
       <p:ext uri="{BB962C8B-B14F-4D97-AF65-F5344CB8AC3E}">
         <p14:creationId xmlns:p14="http://schemas.microsoft.com/office/powerpoint/2010/main" val="3332615101"/>
+      </p:ext>
+    </p:extLst>
+  </p:cSld>
+  <p:clrMapOvr>
+    <a:masterClrMapping/>
+  </p:clrMapOvr>
+</p:sld>
+</file>
+
+<file path=ppt/slides/slide10.xml><?xml version="1.0" encoding="utf-8"?>
+<p:sld xmlns:a="http://schemas.openxmlformats.org/drawingml/2006/main" xmlns:r="http://schemas.openxmlformats.org/officeDocument/2006/relationships" xmlns:p="http://schemas.openxmlformats.org/presentationml/2006/main">
+  <p:cSld>
+    <p:spTree>
+      <p:nvGrpSpPr>
+        <p:cNvPr id="1" name=""/>
+        <p:cNvGrpSpPr/>
+        <p:nvPr/>
+      </p:nvGrpSpPr>
+      <p:grpSpPr>
+        <a:xfrm>
+          <a:off x="0" y="0"/>
+          <a:ext cx="0" cy="0"/>
+          <a:chOff x="0" y="0"/>
+          <a:chExt cx="0" cy="0"/>
+        </a:xfrm>
+      </p:grpSpPr>
+      <p:pic>
+        <p:nvPicPr>
+          <p:cNvPr id="8" name="Picture 7">
+            <a:extLst>
+              <a:ext uri="{FF2B5EF4-FFF2-40B4-BE49-F238E27FC236}">
+                <a16:creationId xmlns:a16="http://schemas.microsoft.com/office/drawing/2014/main" id="{346EB6E1-2332-45A4-8CEE-436F2123BD50}"/>
+              </a:ext>
+            </a:extLst>
+          </p:cNvPr>
+          <p:cNvPicPr>
+            <a:picLocks noChangeAspect="1"/>
+          </p:cNvPicPr>
+          <p:nvPr/>
+        </p:nvPicPr>
+        <p:blipFill>
+          <a:blip r:embed="rId2">
+            <a:extLst>
+              <a:ext uri="{28A0092B-C50C-407E-A947-70E740481C1C}">
+                <a14:useLocalDpi xmlns:a14="http://schemas.microsoft.com/office/drawing/2010/main" val="0"/>
+              </a:ext>
+            </a:extLst>
+          </a:blip>
+          <a:srcRect/>
+          <a:stretch/>
+        </p:blipFill>
+        <p:spPr>
+          <a:xfrm>
+            <a:off x="-533400" y="-303039"/>
+            <a:ext cx="13258800" cy="7532721"/>
+          </a:xfrm>
+          <a:prstGeom prst="rect">
+            <a:avLst/>
+          </a:prstGeom>
+        </p:spPr>
+      </p:pic>
+    </p:spTree>
+    <p:extLst>
+      <p:ext uri="{BB962C8B-B14F-4D97-AF65-F5344CB8AC3E}">
+        <p14:creationId xmlns:p14="http://schemas.microsoft.com/office/powerpoint/2010/main" val="2082274607"/>
       </p:ext>
     </p:extLst>
   </p:cSld>
@@ -3429,40 +4710,379 @@
             <p:ph type="title"/>
           </p:nvPr>
         </p:nvSpPr>
-        <p:spPr/>
-        <p:txBody>
-          <a:bodyPr/>
+        <p:spPr>
+          <a:xfrm>
+            <a:off x="838200" y="365125"/>
+            <a:ext cx="7284720" cy="2698115"/>
+          </a:xfrm>
+        </p:spPr>
+        <p:txBody>
+          <a:bodyPr>
+            <a:noAutofit/>
+          </a:bodyPr>
           <a:lstStyle/>
           <a:p>
             <a:r>
-              <a:rPr lang="en-US" dirty="0"/>
-              <a:t>SYSTEM ARCHITECTURE</a:t>
-            </a:r>
-          </a:p>
-        </p:txBody>
-      </p:sp>
-      <p:sp>
-        <p:nvSpPr>
-          <p:cNvPr id="3" name="Content Placeholder 2">
-            <a:extLst>
-              <a:ext uri="{FF2B5EF4-FFF2-40B4-BE49-F238E27FC236}">
-                <a16:creationId xmlns:a16="http://schemas.microsoft.com/office/drawing/2014/main" id="{4411C1EA-2EFA-4A04-9E0A-1BEEE5441D18}"/>
-              </a:ext>
-            </a:extLst>
-          </p:cNvPr>
-          <p:cNvSpPr>
-            <a:spLocks noGrp="1"/>
-          </p:cNvSpPr>
-          <p:nvPr>
-            <p:ph idx="1"/>
-          </p:nvPr>
-        </p:nvSpPr>
-        <p:spPr/>
-        <p:txBody>
-          <a:bodyPr/>
+              <a:rPr lang="en-US" sz="6000" b="1" dirty="0">
+                <a:solidFill>
+                  <a:srgbClr val="0070C0"/>
+                </a:solidFill>
+                <a:latin typeface="SF Pro Display" panose="00000500000000000000" pitchFamily="2" charset="0"/>
+                <a:ea typeface="SF Pro Display" panose="00000500000000000000" pitchFamily="2" charset="0"/>
+              </a:rPr>
+              <a:t>System </a:t>
+            </a:r>
+            <a:br>
+              <a:rPr lang="en-US" sz="6000" b="1" dirty="0">
+                <a:solidFill>
+                  <a:srgbClr val="0070C0"/>
+                </a:solidFill>
+                <a:latin typeface="SF Pro Display" panose="00000500000000000000" pitchFamily="2" charset="0"/>
+                <a:ea typeface="SF Pro Display" panose="00000500000000000000" pitchFamily="2" charset="0"/>
+              </a:rPr>
+            </a:br>
+            <a:r>
+              <a:rPr lang="en-US" sz="6000" b="1" dirty="0">
+                <a:solidFill>
+                  <a:srgbClr val="0070C0"/>
+                </a:solidFill>
+                <a:latin typeface="SF Pro Display" panose="00000500000000000000" pitchFamily="2" charset="0"/>
+                <a:ea typeface="SF Pro Display" panose="00000500000000000000" pitchFamily="2" charset="0"/>
+              </a:rPr>
+              <a:t>Architecture</a:t>
+            </a:r>
+          </a:p>
+        </p:txBody>
+      </p:sp>
+      <p:pic>
+        <p:nvPicPr>
+          <p:cNvPr id="5" name="Picture 4">
+            <a:extLst>
+              <a:ext uri="{FF2B5EF4-FFF2-40B4-BE49-F238E27FC236}">
+                <a16:creationId xmlns:a16="http://schemas.microsoft.com/office/drawing/2014/main" id="{BB041AF5-5FEB-40BD-801E-5548E0DBC5B3}"/>
+              </a:ext>
+            </a:extLst>
+          </p:cNvPr>
+          <p:cNvPicPr>
+            <a:picLocks noChangeAspect="1"/>
+          </p:cNvPicPr>
+          <p:nvPr/>
+        </p:nvPicPr>
+        <p:blipFill>
+          <a:blip r:embed="rId3">
+            <a:extLst>
+              <a:ext uri="{28A0092B-C50C-407E-A947-70E740481C1C}">
+                <a14:useLocalDpi xmlns:a14="http://schemas.microsoft.com/office/drawing/2010/main" val="0"/>
+              </a:ext>
+            </a:extLst>
+          </a:blip>
+          <a:stretch>
+            <a:fillRect/>
+          </a:stretch>
+        </p:blipFill>
+        <p:spPr>
+          <a:xfrm>
+            <a:off x="3406720" y="4014422"/>
+            <a:ext cx="944575" cy="944575"/>
+          </a:xfrm>
+          <a:prstGeom prst="rect">
+            <a:avLst/>
+          </a:prstGeom>
+        </p:spPr>
+      </p:pic>
+      <p:pic>
+        <p:nvPicPr>
+          <p:cNvPr id="7" name="Picture 6">
+            <a:extLst>
+              <a:ext uri="{FF2B5EF4-FFF2-40B4-BE49-F238E27FC236}">
+                <a16:creationId xmlns:a16="http://schemas.microsoft.com/office/drawing/2014/main" id="{9F2B5A52-DD00-4749-A181-AD9DA14BE4C3}"/>
+              </a:ext>
+            </a:extLst>
+          </p:cNvPr>
+          <p:cNvPicPr>
+            <a:picLocks noChangeAspect="1"/>
+          </p:cNvPicPr>
+          <p:nvPr/>
+        </p:nvPicPr>
+        <p:blipFill>
+          <a:blip r:embed="rId4">
+            <a:extLst>
+              <a:ext uri="{28A0092B-C50C-407E-A947-70E740481C1C}">
+                <a14:useLocalDpi xmlns:a14="http://schemas.microsoft.com/office/drawing/2010/main" val="0"/>
+              </a:ext>
+            </a:extLst>
+          </a:blip>
+          <a:stretch>
+            <a:fillRect/>
+          </a:stretch>
+        </p:blipFill>
+        <p:spPr>
+          <a:xfrm>
+            <a:off x="5482880" y="4014422"/>
+            <a:ext cx="1101953" cy="1101953"/>
+          </a:xfrm>
+          <a:prstGeom prst="rect">
+            <a:avLst/>
+          </a:prstGeom>
+        </p:spPr>
+      </p:pic>
+      <p:pic>
+        <p:nvPicPr>
+          <p:cNvPr id="9" name="Picture 8">
+            <a:extLst>
+              <a:ext uri="{FF2B5EF4-FFF2-40B4-BE49-F238E27FC236}">
+                <a16:creationId xmlns:a16="http://schemas.microsoft.com/office/drawing/2014/main" id="{071525E5-FE5D-4631-8AAA-454ABBD10C28}"/>
+              </a:ext>
+            </a:extLst>
+          </p:cNvPr>
+          <p:cNvPicPr>
+            <a:picLocks noChangeAspect="1"/>
+          </p:cNvPicPr>
+          <p:nvPr/>
+        </p:nvPicPr>
+        <p:blipFill>
+          <a:blip r:embed="rId5">
+            <a:extLst>
+              <a:ext uri="{28A0092B-C50C-407E-A947-70E740481C1C}">
+                <a14:useLocalDpi xmlns:a14="http://schemas.microsoft.com/office/drawing/2010/main" val="0"/>
+              </a:ext>
+            </a:extLst>
+          </a:blip>
+          <a:stretch>
+            <a:fillRect/>
+          </a:stretch>
+        </p:blipFill>
+        <p:spPr>
+          <a:xfrm>
+            <a:off x="7716418" y="3961417"/>
+            <a:ext cx="997580" cy="997580"/>
+          </a:xfrm>
+          <a:prstGeom prst="rect">
+            <a:avLst/>
+          </a:prstGeom>
+        </p:spPr>
+      </p:pic>
+      <p:sp>
+        <p:nvSpPr>
+          <p:cNvPr id="10" name="TextBox 9">
+            <a:extLst>
+              <a:ext uri="{FF2B5EF4-FFF2-40B4-BE49-F238E27FC236}">
+                <a16:creationId xmlns:a16="http://schemas.microsoft.com/office/drawing/2014/main" id="{B4BF6F8F-C497-4C6D-8847-981587259D60}"/>
+              </a:ext>
+            </a:extLst>
+          </p:cNvPr>
+          <p:cNvSpPr txBox="1"/>
+          <p:nvPr/>
+        </p:nvSpPr>
+        <p:spPr>
+          <a:xfrm>
+            <a:off x="3187174" y="5362413"/>
+            <a:ext cx="1444626" cy="369332"/>
+          </a:xfrm>
+          <a:prstGeom prst="rect">
+            <a:avLst/>
+          </a:prstGeom>
+          <a:noFill/>
+        </p:spPr>
+        <p:txBody>
+          <a:bodyPr wrap="square" rtlCol="0">
+            <a:spAutoFit/>
+          </a:bodyPr>
           <a:lstStyle/>
           <a:p>
-            <a:endParaRPr lang="en-US"/>
+            <a:r>
+              <a:rPr lang="en-US" dirty="0">
+                <a:solidFill>
+                  <a:schemeClr val="accent5">
+                    <a:lumMod val="75000"/>
+                  </a:schemeClr>
+                </a:solidFill>
+                <a:latin typeface="SF Pro Display" panose="00000500000000000000" pitchFamily="2" charset="0"/>
+                <a:ea typeface="SF Pro Display" panose="00000500000000000000" pitchFamily="2" charset="0"/>
+              </a:rPr>
+              <a:t>Desktop App</a:t>
+            </a:r>
+          </a:p>
+        </p:txBody>
+      </p:sp>
+      <p:sp>
+        <p:nvSpPr>
+          <p:cNvPr id="11" name="TextBox 10">
+            <a:extLst>
+              <a:ext uri="{FF2B5EF4-FFF2-40B4-BE49-F238E27FC236}">
+                <a16:creationId xmlns:a16="http://schemas.microsoft.com/office/drawing/2014/main" id="{2AF57034-0EFE-4E17-A075-33E711F0C3F3}"/>
+              </a:ext>
+            </a:extLst>
+          </p:cNvPr>
+          <p:cNvSpPr txBox="1"/>
+          <p:nvPr/>
+        </p:nvSpPr>
+        <p:spPr>
+          <a:xfrm>
+            <a:off x="5467835" y="5408133"/>
+            <a:ext cx="1132041" cy="369332"/>
+          </a:xfrm>
+          <a:prstGeom prst="rect">
+            <a:avLst/>
+          </a:prstGeom>
+          <a:noFill/>
+        </p:spPr>
+        <p:txBody>
+          <a:bodyPr wrap="square" rtlCol="0">
+            <a:spAutoFit/>
+          </a:bodyPr>
+          <a:lstStyle/>
+          <a:p>
+            <a:r>
+              <a:rPr lang="en-US" dirty="0">
+                <a:solidFill>
+                  <a:schemeClr val="accent5">
+                    <a:lumMod val="75000"/>
+                  </a:schemeClr>
+                </a:solidFill>
+                <a:latin typeface="SF Pro Display" panose="00000500000000000000" pitchFamily="2" charset="0"/>
+                <a:ea typeface="SF Pro Display" panose="00000500000000000000" pitchFamily="2" charset="0"/>
+              </a:rPr>
+              <a:t>Webpage</a:t>
+            </a:r>
+          </a:p>
+        </p:txBody>
+      </p:sp>
+      <p:sp>
+        <p:nvSpPr>
+          <p:cNvPr id="12" name="TextBox 11">
+            <a:extLst>
+              <a:ext uri="{FF2B5EF4-FFF2-40B4-BE49-F238E27FC236}">
+                <a16:creationId xmlns:a16="http://schemas.microsoft.com/office/drawing/2014/main" id="{A155C031-02B4-4D99-8A3E-1297E85A0DF2}"/>
+              </a:ext>
+            </a:extLst>
+          </p:cNvPr>
+          <p:cNvSpPr txBox="1"/>
+          <p:nvPr/>
+        </p:nvSpPr>
+        <p:spPr>
+          <a:xfrm>
+            <a:off x="7649187" y="5408133"/>
+            <a:ext cx="1321196" cy="369332"/>
+          </a:xfrm>
+          <a:prstGeom prst="rect">
+            <a:avLst/>
+          </a:prstGeom>
+          <a:noFill/>
+        </p:spPr>
+        <p:txBody>
+          <a:bodyPr wrap="square" rtlCol="0">
+            <a:spAutoFit/>
+          </a:bodyPr>
+          <a:lstStyle/>
+          <a:p>
+            <a:r>
+              <a:rPr lang="en-US" dirty="0">
+                <a:solidFill>
+                  <a:schemeClr val="accent5">
+                    <a:lumMod val="75000"/>
+                  </a:schemeClr>
+                </a:solidFill>
+                <a:latin typeface="SF Pro Display" panose="00000500000000000000" pitchFamily="2" charset="0"/>
+                <a:ea typeface="SF Pro Display" panose="00000500000000000000" pitchFamily="2" charset="0"/>
+              </a:rPr>
+              <a:t>Web Server</a:t>
+            </a:r>
+          </a:p>
+        </p:txBody>
+      </p:sp>
+      <p:pic>
+        <p:nvPicPr>
+          <p:cNvPr id="15" name="Picture 14">
+            <a:extLst>
+              <a:ext uri="{FF2B5EF4-FFF2-40B4-BE49-F238E27FC236}">
+                <a16:creationId xmlns:a16="http://schemas.microsoft.com/office/drawing/2014/main" id="{0B1BD527-8400-47AC-8483-A0BD9DD7A579}"/>
+              </a:ext>
+            </a:extLst>
+          </p:cNvPr>
+          <p:cNvPicPr>
+            <a:picLocks noChangeAspect="1"/>
+          </p:cNvPicPr>
+          <p:nvPr/>
+        </p:nvPicPr>
+        <p:blipFill>
+          <a:blip r:embed="rId6">
+            <a:extLst>
+              <a:ext uri="{28A0092B-C50C-407E-A947-70E740481C1C}">
+                <a14:useLocalDpi xmlns:a14="http://schemas.microsoft.com/office/drawing/2010/main" val="0"/>
+              </a:ext>
+            </a:extLst>
+          </a:blip>
+          <a:stretch>
+            <a:fillRect/>
+          </a:stretch>
+        </p:blipFill>
+        <p:spPr>
+          <a:xfrm>
+            <a:off x="0" y="6858000"/>
+            <a:ext cx="12192000" cy="41706"/>
+          </a:xfrm>
+          <a:prstGeom prst="rect">
+            <a:avLst/>
+          </a:prstGeom>
+        </p:spPr>
+      </p:pic>
+      <p:sp>
+        <p:nvSpPr>
+          <p:cNvPr id="16" name="TextBox 15">
+            <a:extLst>
+              <a:ext uri="{FF2B5EF4-FFF2-40B4-BE49-F238E27FC236}">
+                <a16:creationId xmlns:a16="http://schemas.microsoft.com/office/drawing/2014/main" id="{5ACDF232-D93B-4C5C-95DE-37B391318A72}"/>
+              </a:ext>
+            </a:extLst>
+          </p:cNvPr>
+          <p:cNvSpPr txBox="1"/>
+          <p:nvPr/>
+        </p:nvSpPr>
+        <p:spPr>
+          <a:xfrm>
+            <a:off x="834680" y="2820866"/>
+            <a:ext cx="4648200" cy="424732"/>
+          </a:xfrm>
+          <a:prstGeom prst="rect">
+            <a:avLst/>
+          </a:prstGeom>
+          <a:noFill/>
+        </p:spPr>
+        <p:txBody>
+          <a:bodyPr wrap="square" rtlCol="0">
+            <a:spAutoFit/>
+          </a:bodyPr>
+          <a:lstStyle/>
+          <a:p>
+            <a:pPr algn="l" rtl="0" eaLnBrk="1" latinLnBrk="0" hangingPunct="1">
+              <a:lnSpc>
+                <a:spcPct val="90000"/>
+              </a:lnSpc>
+              <a:spcBef>
+                <a:spcPts val="1000"/>
+              </a:spcBef>
+              <a:spcAft>
+                <a:spcPts val="0"/>
+              </a:spcAft>
+              <a:buClrTx/>
+              <a:buSzPts val="2800"/>
+            </a:pPr>
+            <a:r>
+              <a:rPr lang="en-US" sz="2400" kern="1200" dirty="0">
+                <a:solidFill>
+                  <a:srgbClr val="000000"/>
+                </a:solidFill>
+                <a:effectLst/>
+                <a:latin typeface="SF Pro Display" panose="00000500000000000000" pitchFamily="2" charset="0"/>
+                <a:ea typeface="SF Pro Display" panose="00000500000000000000" pitchFamily="2" charset="0"/>
+                <a:cs typeface="+mn-cs"/>
+              </a:rPr>
+              <a:t>The system has three parts: </a:t>
+            </a:r>
+            <a:endParaRPr lang="en-US" sz="2400" dirty="0">
+              <a:effectLst/>
+            </a:endParaRPr>
           </a:p>
         </p:txBody>
       </p:sp>
@@ -3476,6 +5096,359 @@
   <p:clrMapOvr>
     <a:masterClrMapping/>
   </p:clrMapOvr>
+  <p:timing>
+    <p:tnLst>
+      <p:par>
+        <p:cTn id="1" dur="indefinite" restart="never" nodeType="tmRoot">
+          <p:childTnLst>
+            <p:seq concurrent="1" nextAc="seek">
+              <p:cTn id="2" dur="indefinite" nodeType="mainSeq">
+                <p:childTnLst>
+                  <p:par>
+                    <p:cTn id="3" fill="hold">
+                      <p:stCondLst>
+                        <p:cond delay="indefinite"/>
+                      </p:stCondLst>
+                      <p:childTnLst>
+                        <p:par>
+                          <p:cTn id="4" fill="hold">
+                            <p:stCondLst>
+                              <p:cond delay="0"/>
+                            </p:stCondLst>
+                            <p:childTnLst>
+                              <p:par>
+                                <p:cTn id="5" presetID="10" presetClass="entr" presetSubtype="0" fill="hold" grpId="0" nodeType="clickEffect">
+                                  <p:stCondLst>
+                                    <p:cond delay="0"/>
+                                  </p:stCondLst>
+                                  <p:childTnLst>
+                                    <p:set>
+                                      <p:cBhvr>
+                                        <p:cTn id="6" dur="1" fill="hold">
+                                          <p:stCondLst>
+                                            <p:cond delay="0"/>
+                                          </p:stCondLst>
+                                        </p:cTn>
+                                        <p:tgtEl>
+                                          <p:spTgt spid="16"/>
+                                        </p:tgtEl>
+                                        <p:attrNameLst>
+                                          <p:attrName>style.visibility</p:attrName>
+                                        </p:attrNameLst>
+                                      </p:cBhvr>
+                                      <p:to>
+                                        <p:strVal val="visible"/>
+                                      </p:to>
+                                    </p:set>
+                                    <p:animEffect transition="in" filter="fade">
+                                      <p:cBhvr>
+                                        <p:cTn id="7" dur="500"/>
+                                        <p:tgtEl>
+                                          <p:spTgt spid="16"/>
+                                        </p:tgtEl>
+                                      </p:cBhvr>
+                                    </p:animEffect>
+                                  </p:childTnLst>
+                                </p:cTn>
+                              </p:par>
+                            </p:childTnLst>
+                          </p:cTn>
+                        </p:par>
+                      </p:childTnLst>
+                    </p:cTn>
+                  </p:par>
+                  <p:par>
+                    <p:cTn id="8" fill="hold">
+                      <p:stCondLst>
+                        <p:cond delay="indefinite"/>
+                      </p:stCondLst>
+                      <p:childTnLst>
+                        <p:par>
+                          <p:cTn id="9" fill="hold">
+                            <p:stCondLst>
+                              <p:cond delay="0"/>
+                            </p:stCondLst>
+                            <p:childTnLst>
+                              <p:par>
+                                <p:cTn id="10" presetID="10" presetClass="entr" presetSubtype="0" fill="hold" nodeType="clickEffect">
+                                  <p:stCondLst>
+                                    <p:cond delay="0"/>
+                                  </p:stCondLst>
+                                  <p:childTnLst>
+                                    <p:set>
+                                      <p:cBhvr>
+                                        <p:cTn id="11" dur="1" fill="hold">
+                                          <p:stCondLst>
+                                            <p:cond delay="0"/>
+                                          </p:stCondLst>
+                                        </p:cTn>
+                                        <p:tgtEl>
+                                          <p:spTgt spid="5"/>
+                                        </p:tgtEl>
+                                        <p:attrNameLst>
+                                          <p:attrName>style.visibility</p:attrName>
+                                        </p:attrNameLst>
+                                      </p:cBhvr>
+                                      <p:to>
+                                        <p:strVal val="visible"/>
+                                      </p:to>
+                                    </p:set>
+                                    <p:animEffect transition="in" filter="fade">
+                                      <p:cBhvr>
+                                        <p:cTn id="12" dur="500"/>
+                                        <p:tgtEl>
+                                          <p:spTgt spid="5"/>
+                                        </p:tgtEl>
+                                      </p:cBhvr>
+                                    </p:animEffect>
+                                  </p:childTnLst>
+                                </p:cTn>
+                              </p:par>
+                              <p:par>
+                                <p:cTn id="13" presetID="10" presetClass="entr" presetSubtype="0" fill="hold" grpId="0" nodeType="withEffect">
+                                  <p:stCondLst>
+                                    <p:cond delay="0"/>
+                                  </p:stCondLst>
+                                  <p:childTnLst>
+                                    <p:set>
+                                      <p:cBhvr>
+                                        <p:cTn id="14" dur="1" fill="hold">
+                                          <p:stCondLst>
+                                            <p:cond delay="0"/>
+                                          </p:stCondLst>
+                                        </p:cTn>
+                                        <p:tgtEl>
+                                          <p:spTgt spid="10"/>
+                                        </p:tgtEl>
+                                        <p:attrNameLst>
+                                          <p:attrName>style.visibility</p:attrName>
+                                        </p:attrNameLst>
+                                      </p:cBhvr>
+                                      <p:to>
+                                        <p:strVal val="visible"/>
+                                      </p:to>
+                                    </p:set>
+                                    <p:animEffect transition="in" filter="fade">
+                                      <p:cBhvr>
+                                        <p:cTn id="15" dur="500"/>
+                                        <p:tgtEl>
+                                          <p:spTgt spid="10"/>
+                                        </p:tgtEl>
+                                      </p:cBhvr>
+                                    </p:animEffect>
+                                  </p:childTnLst>
+                                </p:cTn>
+                              </p:par>
+                            </p:childTnLst>
+                          </p:cTn>
+                        </p:par>
+                      </p:childTnLst>
+                    </p:cTn>
+                  </p:par>
+                  <p:par>
+                    <p:cTn id="16" fill="hold">
+                      <p:stCondLst>
+                        <p:cond delay="indefinite"/>
+                      </p:stCondLst>
+                      <p:childTnLst>
+                        <p:par>
+                          <p:cTn id="17" fill="hold">
+                            <p:stCondLst>
+                              <p:cond delay="0"/>
+                            </p:stCondLst>
+                            <p:childTnLst>
+                              <p:par>
+                                <p:cTn id="18" presetID="10" presetClass="entr" presetSubtype="0" fill="hold" grpId="0" nodeType="clickEffect">
+                                  <p:stCondLst>
+                                    <p:cond delay="0"/>
+                                  </p:stCondLst>
+                                  <p:childTnLst>
+                                    <p:set>
+                                      <p:cBhvr>
+                                        <p:cTn id="19" dur="1" fill="hold">
+                                          <p:stCondLst>
+                                            <p:cond delay="0"/>
+                                          </p:stCondLst>
+                                        </p:cTn>
+                                        <p:tgtEl>
+                                          <p:spTgt spid="11"/>
+                                        </p:tgtEl>
+                                        <p:attrNameLst>
+                                          <p:attrName>style.visibility</p:attrName>
+                                        </p:attrNameLst>
+                                      </p:cBhvr>
+                                      <p:to>
+                                        <p:strVal val="visible"/>
+                                      </p:to>
+                                    </p:set>
+                                    <p:animEffect transition="in" filter="fade">
+                                      <p:cBhvr>
+                                        <p:cTn id="20" dur="500"/>
+                                        <p:tgtEl>
+                                          <p:spTgt spid="11"/>
+                                        </p:tgtEl>
+                                      </p:cBhvr>
+                                    </p:animEffect>
+                                  </p:childTnLst>
+                                </p:cTn>
+                              </p:par>
+                              <p:par>
+                                <p:cTn id="21" presetID="10" presetClass="entr" presetSubtype="0" fill="hold" nodeType="withEffect">
+                                  <p:stCondLst>
+                                    <p:cond delay="0"/>
+                                  </p:stCondLst>
+                                  <p:childTnLst>
+                                    <p:set>
+                                      <p:cBhvr>
+                                        <p:cTn id="22" dur="1" fill="hold">
+                                          <p:stCondLst>
+                                            <p:cond delay="0"/>
+                                          </p:stCondLst>
+                                        </p:cTn>
+                                        <p:tgtEl>
+                                          <p:spTgt spid="7"/>
+                                        </p:tgtEl>
+                                        <p:attrNameLst>
+                                          <p:attrName>style.visibility</p:attrName>
+                                        </p:attrNameLst>
+                                      </p:cBhvr>
+                                      <p:to>
+                                        <p:strVal val="visible"/>
+                                      </p:to>
+                                    </p:set>
+                                    <p:animEffect transition="in" filter="fade">
+                                      <p:cBhvr>
+                                        <p:cTn id="23" dur="500"/>
+                                        <p:tgtEl>
+                                          <p:spTgt spid="7"/>
+                                        </p:tgtEl>
+                                      </p:cBhvr>
+                                    </p:animEffect>
+                                  </p:childTnLst>
+                                </p:cTn>
+                              </p:par>
+                            </p:childTnLst>
+                          </p:cTn>
+                        </p:par>
+                      </p:childTnLst>
+                    </p:cTn>
+                  </p:par>
+                  <p:par>
+                    <p:cTn id="24" fill="hold">
+                      <p:stCondLst>
+                        <p:cond delay="indefinite"/>
+                      </p:stCondLst>
+                      <p:childTnLst>
+                        <p:par>
+                          <p:cTn id="25" fill="hold">
+                            <p:stCondLst>
+                              <p:cond delay="0"/>
+                            </p:stCondLst>
+                            <p:childTnLst>
+                              <p:par>
+                                <p:cTn id="26" presetID="10" presetClass="entr" presetSubtype="0" fill="hold" nodeType="clickEffect">
+                                  <p:stCondLst>
+                                    <p:cond delay="0"/>
+                                  </p:stCondLst>
+                                  <p:childTnLst>
+                                    <p:set>
+                                      <p:cBhvr>
+                                        <p:cTn id="27" dur="1" fill="hold">
+                                          <p:stCondLst>
+                                            <p:cond delay="0"/>
+                                          </p:stCondLst>
+                                        </p:cTn>
+                                        <p:tgtEl>
+                                          <p:spTgt spid="9"/>
+                                        </p:tgtEl>
+                                        <p:attrNameLst>
+                                          <p:attrName>style.visibility</p:attrName>
+                                        </p:attrNameLst>
+                                      </p:cBhvr>
+                                      <p:to>
+                                        <p:strVal val="visible"/>
+                                      </p:to>
+                                    </p:set>
+                                    <p:animEffect transition="in" filter="fade">
+                                      <p:cBhvr>
+                                        <p:cTn id="28" dur="500"/>
+                                        <p:tgtEl>
+                                          <p:spTgt spid="9"/>
+                                        </p:tgtEl>
+                                      </p:cBhvr>
+                                    </p:animEffect>
+                                  </p:childTnLst>
+                                </p:cTn>
+                              </p:par>
+                              <p:par>
+                                <p:cTn id="29" presetID="10" presetClass="entr" presetSubtype="0" fill="hold" grpId="0" nodeType="withEffect">
+                                  <p:stCondLst>
+                                    <p:cond delay="0"/>
+                                  </p:stCondLst>
+                                  <p:childTnLst>
+                                    <p:set>
+                                      <p:cBhvr>
+                                        <p:cTn id="30" dur="1" fill="hold">
+                                          <p:stCondLst>
+                                            <p:cond delay="0"/>
+                                          </p:stCondLst>
+                                        </p:cTn>
+                                        <p:tgtEl>
+                                          <p:spTgt spid="12"/>
+                                        </p:tgtEl>
+                                        <p:attrNameLst>
+                                          <p:attrName>style.visibility</p:attrName>
+                                        </p:attrNameLst>
+                                      </p:cBhvr>
+                                      <p:to>
+                                        <p:strVal val="visible"/>
+                                      </p:to>
+                                    </p:set>
+                                    <p:animEffect transition="in" filter="fade">
+                                      <p:cBhvr>
+                                        <p:cTn id="31" dur="500"/>
+                                        <p:tgtEl>
+                                          <p:spTgt spid="12"/>
+                                        </p:tgtEl>
+                                      </p:cBhvr>
+                                    </p:animEffect>
+                                  </p:childTnLst>
+                                </p:cTn>
+                              </p:par>
+                            </p:childTnLst>
+                          </p:cTn>
+                        </p:par>
+                      </p:childTnLst>
+                    </p:cTn>
+                  </p:par>
+                </p:childTnLst>
+              </p:cTn>
+              <p:prevCondLst>
+                <p:cond evt="onPrev" delay="0">
+                  <p:tgtEl>
+                    <p:sldTgt/>
+                  </p:tgtEl>
+                </p:cond>
+              </p:prevCondLst>
+              <p:nextCondLst>
+                <p:cond evt="onNext" delay="0">
+                  <p:tgtEl>
+                    <p:sldTgt/>
+                  </p:tgtEl>
+                </p:cond>
+              </p:nextCondLst>
+            </p:seq>
+          </p:childTnLst>
+        </p:cTn>
+      </p:par>
+    </p:tnLst>
+    <p:bldLst>
+      <p:bldP spid="10" grpId="0"/>
+      <p:bldP spid="11" grpId="0"/>
+      <p:bldP spid="12" grpId="0"/>
+      <p:bldP spid="16" grpId="0"/>
+    </p:bldLst>
+  </p:timing>
 </p:sld>
 </file>
 
@@ -3501,7 +5474,7 @@
           <p:cNvPr id="2" name="Title 1">
             <a:extLst>
               <a:ext uri="{FF2B5EF4-FFF2-40B4-BE49-F238E27FC236}">
-                <a16:creationId xmlns:a16="http://schemas.microsoft.com/office/drawing/2014/main" id="{5723FFD0-5F48-46B0-8DEB-C45F9D57A550}"/>
+                <a16:creationId xmlns:a16="http://schemas.microsoft.com/office/drawing/2014/main" id="{C09199DA-4845-415D-83C9-EC534ECF60EA}"/>
               </a:ext>
             </a:extLst>
           </p:cNvPr>
@@ -3512,53 +5485,446 @@
             <p:ph type="title"/>
           </p:nvPr>
         </p:nvSpPr>
-        <p:spPr/>
-        <p:txBody>
-          <a:bodyPr/>
+        <p:spPr>
+          <a:xfrm>
+            <a:off x="838200" y="895936"/>
+            <a:ext cx="7284720" cy="1720549"/>
+          </a:xfrm>
+        </p:spPr>
+        <p:txBody>
+          <a:bodyPr>
+            <a:noAutofit/>
+          </a:bodyPr>
           <a:lstStyle/>
           <a:p>
             <a:r>
-              <a:rPr lang="en-US" dirty="0"/>
-              <a:t>DESKTOP APP</a:t>
-            </a:r>
-          </a:p>
-        </p:txBody>
-      </p:sp>
-      <p:sp>
-        <p:nvSpPr>
-          <p:cNvPr id="3" name="Content Placeholder 2">
-            <a:extLst>
-              <a:ext uri="{FF2B5EF4-FFF2-40B4-BE49-F238E27FC236}">
-                <a16:creationId xmlns:a16="http://schemas.microsoft.com/office/drawing/2014/main" id="{6A27BCA5-758E-48A5-AB49-187BD74E37DB}"/>
-              </a:ext>
-            </a:extLst>
-          </p:cNvPr>
-          <p:cNvSpPr>
-            <a:spLocks noGrp="1"/>
-          </p:cNvSpPr>
-          <p:nvPr>
-            <p:ph idx="1"/>
-          </p:nvPr>
-        </p:nvSpPr>
-        <p:spPr/>
-        <p:txBody>
-          <a:bodyPr/>
+              <a:rPr lang="en-US" sz="6000" b="1" dirty="0">
+                <a:solidFill>
+                  <a:srgbClr val="0070C0"/>
+                </a:solidFill>
+                <a:latin typeface="SF Pro Display" panose="00000500000000000000" pitchFamily="2" charset="0"/>
+                <a:ea typeface="SF Pro Display" panose="00000500000000000000" pitchFamily="2" charset="0"/>
+              </a:rPr>
+              <a:t>Desktop App</a:t>
+            </a:r>
+          </a:p>
+        </p:txBody>
+      </p:sp>
+      <p:sp>
+        <p:nvSpPr>
+          <p:cNvPr id="10" name="TextBox 9">
+            <a:extLst>
+              <a:ext uri="{FF2B5EF4-FFF2-40B4-BE49-F238E27FC236}">
+                <a16:creationId xmlns:a16="http://schemas.microsoft.com/office/drawing/2014/main" id="{B4BF6F8F-C497-4C6D-8847-981587259D60}"/>
+              </a:ext>
+            </a:extLst>
+          </p:cNvPr>
+          <p:cNvSpPr txBox="1"/>
+          <p:nvPr/>
+        </p:nvSpPr>
+        <p:spPr>
+          <a:xfrm>
+            <a:off x="2765710" y="4421202"/>
+            <a:ext cx="2574763" cy="1200329"/>
+          </a:xfrm>
+          <a:prstGeom prst="rect">
+            <a:avLst/>
+          </a:prstGeom>
+          <a:noFill/>
+        </p:spPr>
+        <p:txBody>
+          <a:bodyPr wrap="square" rtlCol="0">
+            <a:spAutoFit/>
+          </a:bodyPr>
           <a:lstStyle/>
           <a:p>
-            <a:endParaRPr lang="en-US"/>
-          </a:p>
-        </p:txBody>
-      </p:sp>
+            <a:pPr algn="ctr"/>
+            <a:r>
+              <a:rPr lang="en-US" sz="2400" dirty="0">
+                <a:solidFill>
+                  <a:schemeClr val="accent5">
+                    <a:lumMod val="75000"/>
+                  </a:schemeClr>
+                </a:solidFill>
+                <a:latin typeface="SF Pro Display" panose="00000500000000000000" pitchFamily="2" charset="0"/>
+                <a:ea typeface="SF Pro Display" panose="00000500000000000000" pitchFamily="2" charset="0"/>
+              </a:rPr>
+              <a:t>Compatible with wired and wireless cameras</a:t>
+            </a:r>
+          </a:p>
+        </p:txBody>
+      </p:sp>
+      <p:pic>
+        <p:nvPicPr>
+          <p:cNvPr id="15" name="Picture 14">
+            <a:extLst>
+              <a:ext uri="{FF2B5EF4-FFF2-40B4-BE49-F238E27FC236}">
+                <a16:creationId xmlns:a16="http://schemas.microsoft.com/office/drawing/2014/main" id="{0B1BD527-8400-47AC-8483-A0BD9DD7A579}"/>
+              </a:ext>
+            </a:extLst>
+          </p:cNvPr>
+          <p:cNvPicPr>
+            <a:picLocks noChangeAspect="1"/>
+          </p:cNvPicPr>
+          <p:nvPr/>
+        </p:nvPicPr>
+        <p:blipFill>
+          <a:blip r:embed="rId3">
+            <a:extLst>
+              <a:ext uri="{28A0092B-C50C-407E-A947-70E740481C1C}">
+                <a14:useLocalDpi xmlns:a14="http://schemas.microsoft.com/office/drawing/2010/main" val="0"/>
+              </a:ext>
+            </a:extLst>
+          </a:blip>
+          <a:stretch>
+            <a:fillRect/>
+          </a:stretch>
+        </p:blipFill>
+        <p:spPr>
+          <a:xfrm>
+            <a:off x="0" y="6858000"/>
+            <a:ext cx="12192000" cy="41706"/>
+          </a:xfrm>
+          <a:prstGeom prst="rect">
+            <a:avLst/>
+          </a:prstGeom>
+        </p:spPr>
+      </p:pic>
+      <p:pic>
+        <p:nvPicPr>
+          <p:cNvPr id="4" name="Picture 3">
+            <a:extLst>
+              <a:ext uri="{FF2B5EF4-FFF2-40B4-BE49-F238E27FC236}">
+                <a16:creationId xmlns:a16="http://schemas.microsoft.com/office/drawing/2014/main" id="{42B28C5E-F141-4851-AC9D-05211DB5CE04}"/>
+              </a:ext>
+            </a:extLst>
+          </p:cNvPr>
+          <p:cNvPicPr>
+            <a:picLocks noChangeAspect="1"/>
+          </p:cNvPicPr>
+          <p:nvPr/>
+        </p:nvPicPr>
+        <p:blipFill>
+          <a:blip r:embed="rId4">
+            <a:extLst>
+              <a:ext uri="{28A0092B-C50C-407E-A947-70E740481C1C}">
+                <a14:useLocalDpi xmlns:a14="http://schemas.microsoft.com/office/drawing/2010/main" val="0"/>
+              </a:ext>
+            </a:extLst>
+          </a:blip>
+          <a:stretch>
+            <a:fillRect/>
+          </a:stretch>
+        </p:blipFill>
+        <p:spPr>
+          <a:xfrm>
+            <a:off x="3392494" y="3070486"/>
+            <a:ext cx="1321196" cy="1321196"/>
+          </a:xfrm>
+          <a:prstGeom prst="rect">
+            <a:avLst/>
+          </a:prstGeom>
+        </p:spPr>
+      </p:pic>
+      <p:sp>
+        <p:nvSpPr>
+          <p:cNvPr id="13" name="TextBox 12">
+            <a:extLst>
+              <a:ext uri="{FF2B5EF4-FFF2-40B4-BE49-F238E27FC236}">
+                <a16:creationId xmlns:a16="http://schemas.microsoft.com/office/drawing/2014/main" id="{C94C73B9-BE22-4AE6-8292-221A38540488}"/>
+              </a:ext>
+            </a:extLst>
+          </p:cNvPr>
+          <p:cNvSpPr txBox="1"/>
+          <p:nvPr/>
+        </p:nvSpPr>
+        <p:spPr>
+          <a:xfrm>
+            <a:off x="6438550" y="4421202"/>
+            <a:ext cx="2796890" cy="830997"/>
+          </a:xfrm>
+          <a:prstGeom prst="rect">
+            <a:avLst/>
+          </a:prstGeom>
+          <a:noFill/>
+        </p:spPr>
+        <p:txBody>
+          <a:bodyPr wrap="square" rtlCol="0">
+            <a:spAutoFit/>
+          </a:bodyPr>
+          <a:lstStyle/>
+          <a:p>
+            <a:pPr algn="ctr"/>
+            <a:r>
+              <a:rPr lang="en-US" sz="2400" dirty="0">
+                <a:solidFill>
+                  <a:schemeClr val="accent5">
+                    <a:lumMod val="75000"/>
+                  </a:schemeClr>
+                </a:solidFill>
+                <a:latin typeface="SF Pro Display" panose="00000500000000000000" pitchFamily="2" charset="0"/>
+                <a:ea typeface="SF Pro Display" panose="00000500000000000000" pitchFamily="2" charset="0"/>
+              </a:rPr>
+              <a:t>Supports HTTPS and RTSP protocols</a:t>
+            </a:r>
+          </a:p>
+        </p:txBody>
+      </p:sp>
+      <p:pic>
+        <p:nvPicPr>
+          <p:cNvPr id="14" name="Picture 13">
+            <a:extLst>
+              <a:ext uri="{FF2B5EF4-FFF2-40B4-BE49-F238E27FC236}">
+                <a16:creationId xmlns:a16="http://schemas.microsoft.com/office/drawing/2014/main" id="{60A7D778-2592-4549-B710-37F692E8939B}"/>
+              </a:ext>
+            </a:extLst>
+          </p:cNvPr>
+          <p:cNvPicPr>
+            <a:picLocks noChangeAspect="1"/>
+          </p:cNvPicPr>
+          <p:nvPr/>
+        </p:nvPicPr>
+        <p:blipFill>
+          <a:blip r:embed="rId5">
+            <a:extLst>
+              <a:ext uri="{28A0092B-C50C-407E-A947-70E740481C1C}">
+                <a14:useLocalDpi xmlns:a14="http://schemas.microsoft.com/office/drawing/2010/main" val="0"/>
+              </a:ext>
+            </a:extLst>
+          </a:blip>
+          <a:srcRect/>
+          <a:stretch/>
+        </p:blipFill>
+        <p:spPr>
+          <a:xfrm>
+            <a:off x="7428320" y="3261360"/>
+            <a:ext cx="960926" cy="960926"/>
+          </a:xfrm>
+          <a:prstGeom prst="rect">
+            <a:avLst/>
+          </a:prstGeom>
+        </p:spPr>
+      </p:pic>
     </p:spTree>
     <p:extLst>
       <p:ext uri="{BB962C8B-B14F-4D97-AF65-F5344CB8AC3E}">
-        <p14:creationId xmlns:p14="http://schemas.microsoft.com/office/powerpoint/2010/main" val="2624513734"/>
+        <p14:creationId xmlns:p14="http://schemas.microsoft.com/office/powerpoint/2010/main" val="1691960483"/>
       </p:ext>
     </p:extLst>
   </p:cSld>
   <p:clrMapOvr>
     <a:masterClrMapping/>
   </p:clrMapOvr>
+  <p:timing>
+    <p:tnLst>
+      <p:par>
+        <p:cTn id="1" dur="indefinite" restart="never" nodeType="tmRoot">
+          <p:childTnLst>
+            <p:seq concurrent="1" nextAc="seek">
+              <p:cTn id="2" dur="indefinite" nodeType="mainSeq">
+                <p:childTnLst>
+                  <p:par>
+                    <p:cTn id="3" fill="hold">
+                      <p:stCondLst>
+                        <p:cond delay="indefinite"/>
+                      </p:stCondLst>
+                      <p:childTnLst>
+                        <p:par>
+                          <p:cTn id="4" fill="hold">
+                            <p:stCondLst>
+                              <p:cond delay="0"/>
+                            </p:stCondLst>
+                            <p:childTnLst>
+                              <p:par>
+                                <p:cTn id="5" presetID="10" presetClass="entr" presetSubtype="0" fill="hold" nodeType="clickEffect">
+                                  <p:stCondLst>
+                                    <p:cond delay="0"/>
+                                  </p:stCondLst>
+                                  <p:childTnLst>
+                                    <p:set>
+                                      <p:cBhvr>
+                                        <p:cTn id="6" dur="1" fill="hold">
+                                          <p:stCondLst>
+                                            <p:cond delay="0"/>
+                                          </p:stCondLst>
+                                        </p:cTn>
+                                        <p:tgtEl>
+                                          <p:spTgt spid="4"/>
+                                        </p:tgtEl>
+                                        <p:attrNameLst>
+                                          <p:attrName>style.visibility</p:attrName>
+                                        </p:attrNameLst>
+                                      </p:cBhvr>
+                                      <p:to>
+                                        <p:strVal val="visible"/>
+                                      </p:to>
+                                    </p:set>
+                                    <p:animEffect transition="in" filter="fade">
+                                      <p:cBhvr>
+                                        <p:cTn id="7" dur="500"/>
+                                        <p:tgtEl>
+                                          <p:spTgt spid="4"/>
+                                        </p:tgtEl>
+                                      </p:cBhvr>
+                                    </p:animEffect>
+                                  </p:childTnLst>
+                                </p:cTn>
+                              </p:par>
+                              <p:par>
+                                <p:cTn id="8" presetID="10" presetClass="entr" presetSubtype="0" fill="hold" grpId="0" nodeType="withEffect">
+                                  <p:stCondLst>
+                                    <p:cond delay="0"/>
+                                  </p:stCondLst>
+                                  <p:childTnLst>
+                                    <p:set>
+                                      <p:cBhvr>
+                                        <p:cTn id="9" dur="1" fill="hold">
+                                          <p:stCondLst>
+                                            <p:cond delay="0"/>
+                                          </p:stCondLst>
+                                        </p:cTn>
+                                        <p:tgtEl>
+                                          <p:spTgt spid="10"/>
+                                        </p:tgtEl>
+                                        <p:attrNameLst>
+                                          <p:attrName>style.visibility</p:attrName>
+                                        </p:attrNameLst>
+                                      </p:cBhvr>
+                                      <p:to>
+                                        <p:strVal val="visible"/>
+                                      </p:to>
+                                    </p:set>
+                                    <p:animEffect transition="in" filter="fade">
+                                      <p:cBhvr>
+                                        <p:cTn id="10" dur="500"/>
+                                        <p:tgtEl>
+                                          <p:spTgt spid="10"/>
+                                        </p:tgtEl>
+                                      </p:cBhvr>
+                                    </p:animEffect>
+                                  </p:childTnLst>
+                                </p:cTn>
+                              </p:par>
+                            </p:childTnLst>
+                          </p:cTn>
+                        </p:par>
+                      </p:childTnLst>
+                    </p:cTn>
+                  </p:par>
+                  <p:par>
+                    <p:cTn id="11" fill="hold">
+                      <p:stCondLst>
+                        <p:cond delay="indefinite"/>
+                      </p:stCondLst>
+                      <p:childTnLst>
+                        <p:par>
+                          <p:cTn id="12" fill="hold">
+                            <p:stCondLst>
+                              <p:cond delay="0"/>
+                            </p:stCondLst>
+                            <p:childTnLst>
+                              <p:par>
+                                <p:cTn id="13" presetID="10" presetClass="entr" presetSubtype="0" fill="hold" nodeType="clickEffect">
+                                  <p:stCondLst>
+                                    <p:cond delay="0"/>
+                                  </p:stCondLst>
+                                  <p:childTnLst>
+                                    <p:set>
+                                      <p:cBhvr>
+                                        <p:cTn id="14" dur="1" fill="hold">
+                                          <p:stCondLst>
+                                            <p:cond delay="0"/>
+                                          </p:stCondLst>
+                                        </p:cTn>
+                                        <p:tgtEl>
+                                          <p:spTgt spid="14"/>
+                                        </p:tgtEl>
+                                        <p:attrNameLst>
+                                          <p:attrName>style.visibility</p:attrName>
+                                        </p:attrNameLst>
+                                      </p:cBhvr>
+                                      <p:to>
+                                        <p:strVal val="visible"/>
+                                      </p:to>
+                                    </p:set>
+                                    <p:animEffect transition="in" filter="fade">
+                                      <p:cBhvr>
+                                        <p:cTn id="15" dur="500"/>
+                                        <p:tgtEl>
+                                          <p:spTgt spid="14"/>
+                                        </p:tgtEl>
+                                      </p:cBhvr>
+                                    </p:animEffect>
+                                  </p:childTnLst>
+                                </p:cTn>
+                              </p:par>
+                              <p:par>
+                                <p:cTn id="16" presetID="10" presetClass="entr" presetSubtype="0" fill="hold" grpId="0" nodeType="withEffect">
+                                  <p:stCondLst>
+                                    <p:cond delay="0"/>
+                                  </p:stCondLst>
+                                  <p:childTnLst>
+                                    <p:set>
+                                      <p:cBhvr>
+                                        <p:cTn id="17" dur="1" fill="hold">
+                                          <p:stCondLst>
+                                            <p:cond delay="0"/>
+                                          </p:stCondLst>
+                                        </p:cTn>
+                                        <p:tgtEl>
+                                          <p:spTgt spid="13"/>
+                                        </p:tgtEl>
+                                        <p:attrNameLst>
+                                          <p:attrName>style.visibility</p:attrName>
+                                        </p:attrNameLst>
+                                      </p:cBhvr>
+                                      <p:to>
+                                        <p:strVal val="visible"/>
+                                      </p:to>
+                                    </p:set>
+                                    <p:animEffect transition="in" filter="fade">
+                                      <p:cBhvr>
+                                        <p:cTn id="18" dur="500"/>
+                                        <p:tgtEl>
+                                          <p:spTgt spid="13"/>
+                                        </p:tgtEl>
+                                      </p:cBhvr>
+                                    </p:animEffect>
+                                  </p:childTnLst>
+                                </p:cTn>
+                              </p:par>
+                            </p:childTnLst>
+                          </p:cTn>
+                        </p:par>
+                      </p:childTnLst>
+                    </p:cTn>
+                  </p:par>
+                </p:childTnLst>
+              </p:cTn>
+              <p:prevCondLst>
+                <p:cond evt="onPrev" delay="0">
+                  <p:tgtEl>
+                    <p:sldTgt/>
+                  </p:tgtEl>
+                </p:cond>
+              </p:prevCondLst>
+              <p:nextCondLst>
+                <p:cond evt="onNext" delay="0">
+                  <p:tgtEl>
+                    <p:sldTgt/>
+                  </p:tgtEl>
+                </p:cond>
+              </p:nextCondLst>
+            </p:seq>
+          </p:childTnLst>
+        </p:cTn>
+      </p:par>
+    </p:tnLst>
+    <p:bldLst>
+      <p:bldP spid="10" grpId="0"/>
+      <p:bldP spid="13" grpId="0"/>
+    </p:bldLst>
+  </p:timing>
 </p:sld>
 </file>
 
@@ -3579,63 +5945,112 @@
           <a:chExt cx="0" cy="0"/>
         </a:xfrm>
       </p:grpSpPr>
-      <p:sp>
-        <p:nvSpPr>
-          <p:cNvPr id="2" name="Title 1">
-            <a:extLst>
-              <a:ext uri="{FF2B5EF4-FFF2-40B4-BE49-F238E27FC236}">
-                <a16:creationId xmlns:a16="http://schemas.microsoft.com/office/drawing/2014/main" id="{5723FFD0-5F48-46B0-8DEB-C45F9D57A550}"/>
-              </a:ext>
-            </a:extLst>
-          </p:cNvPr>
-          <p:cNvSpPr>
-            <a:spLocks noGrp="1"/>
-          </p:cNvSpPr>
-          <p:nvPr>
-            <p:ph type="title"/>
-          </p:nvPr>
-        </p:nvSpPr>
-        <p:spPr/>
-        <p:txBody>
-          <a:bodyPr/>
+      <p:pic>
+        <p:nvPicPr>
+          <p:cNvPr id="5" name="Picture 4">
+            <a:extLst>
+              <a:ext uri="{FF2B5EF4-FFF2-40B4-BE49-F238E27FC236}">
+                <a16:creationId xmlns:a16="http://schemas.microsoft.com/office/drawing/2014/main" id="{CED0AC3B-7797-4C66-BFA9-B156A5E2BB71}"/>
+              </a:ext>
+            </a:extLst>
+          </p:cNvPr>
+          <p:cNvPicPr>
+            <a:picLocks noChangeAspect="1"/>
+          </p:cNvPicPr>
+          <p:nvPr/>
+        </p:nvPicPr>
+        <p:blipFill>
+          <a:blip r:embed="rId2">
+            <a:extLst>
+              <a:ext uri="{28A0092B-C50C-407E-A947-70E740481C1C}">
+                <a14:useLocalDpi xmlns:a14="http://schemas.microsoft.com/office/drawing/2010/main" val="0"/>
+              </a:ext>
+            </a:extLst>
+          </a:blip>
+          <a:stretch>
+            <a:fillRect/>
+          </a:stretch>
+        </p:blipFill>
+        <p:spPr>
+          <a:xfrm>
+            <a:off x="0" y="-169069"/>
+            <a:ext cx="9906000" cy="7027069"/>
+          </a:xfrm>
+          <a:prstGeom prst="rect">
+            <a:avLst/>
+          </a:prstGeom>
+        </p:spPr>
+      </p:pic>
+      <p:sp>
+        <p:nvSpPr>
+          <p:cNvPr id="3" name="TextBox 2">
+            <a:extLst>
+              <a:ext uri="{FF2B5EF4-FFF2-40B4-BE49-F238E27FC236}">
+                <a16:creationId xmlns:a16="http://schemas.microsoft.com/office/drawing/2014/main" id="{34F11E8E-5582-42CB-AA96-D297581F6D7B}"/>
+              </a:ext>
+            </a:extLst>
+          </p:cNvPr>
+          <p:cNvSpPr txBox="1"/>
+          <p:nvPr/>
+        </p:nvSpPr>
+        <p:spPr>
+          <a:xfrm>
+            <a:off x="10058400" y="5334000"/>
+            <a:ext cx="2987040" cy="1323439"/>
+          </a:xfrm>
+          <a:prstGeom prst="rect">
+            <a:avLst/>
+          </a:prstGeom>
+          <a:noFill/>
+        </p:spPr>
+        <p:txBody>
+          <a:bodyPr wrap="square" rtlCol="0">
+            <a:spAutoFit/>
+          </a:bodyPr>
           <a:lstStyle/>
           <a:p>
             <a:r>
-              <a:rPr lang="en-US" dirty="0"/>
-              <a:t>WEB SERVER</a:t>
-            </a:r>
-          </a:p>
-        </p:txBody>
-      </p:sp>
-      <p:sp>
-        <p:nvSpPr>
-          <p:cNvPr id="3" name="Content Placeholder 2">
-            <a:extLst>
-              <a:ext uri="{FF2B5EF4-FFF2-40B4-BE49-F238E27FC236}">
-                <a16:creationId xmlns:a16="http://schemas.microsoft.com/office/drawing/2014/main" id="{6A27BCA5-758E-48A5-AB49-187BD74E37DB}"/>
-              </a:ext>
-            </a:extLst>
-          </p:cNvPr>
-          <p:cNvSpPr>
-            <a:spLocks noGrp="1"/>
-          </p:cNvSpPr>
-          <p:nvPr>
-            <p:ph idx="1"/>
-          </p:nvPr>
-        </p:nvSpPr>
-        <p:spPr/>
-        <p:txBody>
-          <a:bodyPr/>
-          <a:lstStyle/>
-          <a:p>
-            <a:endParaRPr lang="en-US"/>
+              <a:rPr lang="en-US" sz="4000" b="1" dirty="0">
+                <a:solidFill>
+                  <a:schemeClr val="accent5">
+                    <a:lumMod val="75000"/>
+                  </a:schemeClr>
+                </a:solidFill>
+                <a:latin typeface="SF Pro Display" panose="00000500000000000000" pitchFamily="2" charset="0"/>
+                <a:ea typeface="SF Pro Display" panose="00000500000000000000" pitchFamily="2" charset="0"/>
+              </a:rPr>
+              <a:t>Desktop</a:t>
+            </a:r>
+            <a:br>
+              <a:rPr lang="en-US" sz="4000" b="1" dirty="0">
+                <a:solidFill>
+                  <a:schemeClr val="accent5">
+                    <a:lumMod val="75000"/>
+                  </a:schemeClr>
+                </a:solidFill>
+                <a:latin typeface="SF Pro Display" panose="00000500000000000000" pitchFamily="2" charset="0"/>
+                <a:ea typeface="SF Pro Display" panose="00000500000000000000" pitchFamily="2" charset="0"/>
+              </a:rPr>
+            </a:br>
+            <a:r>
+              <a:rPr lang="en-US" sz="4000" b="1" dirty="0">
+                <a:solidFill>
+                  <a:schemeClr val="accent5">
+                    <a:lumMod val="75000"/>
+                  </a:schemeClr>
+                </a:solidFill>
+                <a:latin typeface="SF Pro Display" panose="00000500000000000000" pitchFamily="2" charset="0"/>
+                <a:ea typeface="SF Pro Display" panose="00000500000000000000" pitchFamily="2" charset="0"/>
+              </a:rPr>
+              <a:t> App</a:t>
+            </a:r>
           </a:p>
         </p:txBody>
       </p:sp>
     </p:spTree>
     <p:extLst>
       <p:ext uri="{BB962C8B-B14F-4D97-AF65-F5344CB8AC3E}">
-        <p14:creationId xmlns:p14="http://schemas.microsoft.com/office/powerpoint/2010/main" val="1240732419"/>
+        <p14:creationId xmlns:p14="http://schemas.microsoft.com/office/powerpoint/2010/main" val="4267794929"/>
       </p:ext>
     </p:extLst>
   </p:cSld>
@@ -3667,7 +6082,7 @@
           <p:cNvPr id="2" name="Title 1">
             <a:extLst>
               <a:ext uri="{FF2B5EF4-FFF2-40B4-BE49-F238E27FC236}">
-                <a16:creationId xmlns:a16="http://schemas.microsoft.com/office/drawing/2014/main" id="{5723FFD0-5F48-46B0-8DEB-C45F9D57A550}"/>
+                <a16:creationId xmlns:a16="http://schemas.microsoft.com/office/drawing/2014/main" id="{C09199DA-4845-415D-83C9-EC534ECF60EA}"/>
               </a:ext>
             </a:extLst>
           </p:cNvPr>
@@ -3678,53 +6093,775 @@
             <p:ph type="title"/>
           </p:nvPr>
         </p:nvSpPr>
-        <p:spPr/>
-        <p:txBody>
-          <a:bodyPr/>
+        <p:spPr>
+          <a:xfrm>
+            <a:off x="838200" y="895936"/>
+            <a:ext cx="7284720" cy="1720549"/>
+          </a:xfrm>
+        </p:spPr>
+        <p:txBody>
+          <a:bodyPr>
+            <a:noAutofit/>
+          </a:bodyPr>
           <a:lstStyle/>
           <a:p>
             <a:r>
-              <a:rPr lang="en-US" dirty="0"/>
-              <a:t>WEBPAGE</a:t>
-            </a:r>
-          </a:p>
-        </p:txBody>
-      </p:sp>
-      <p:sp>
-        <p:nvSpPr>
-          <p:cNvPr id="3" name="Content Placeholder 2">
-            <a:extLst>
-              <a:ext uri="{FF2B5EF4-FFF2-40B4-BE49-F238E27FC236}">
-                <a16:creationId xmlns:a16="http://schemas.microsoft.com/office/drawing/2014/main" id="{6A27BCA5-758E-48A5-AB49-187BD74E37DB}"/>
-              </a:ext>
-            </a:extLst>
-          </p:cNvPr>
-          <p:cNvSpPr>
-            <a:spLocks noGrp="1"/>
-          </p:cNvSpPr>
-          <p:nvPr>
-            <p:ph idx="1"/>
-          </p:nvPr>
-        </p:nvSpPr>
-        <p:spPr/>
-        <p:txBody>
-          <a:bodyPr/>
+              <a:rPr lang="en-US" sz="6000" b="1" dirty="0">
+                <a:solidFill>
+                  <a:schemeClr val="accent5">
+                    <a:lumMod val="75000"/>
+                  </a:schemeClr>
+                </a:solidFill>
+                <a:latin typeface="SF Pro Display" panose="00000500000000000000" pitchFamily="2" charset="0"/>
+                <a:ea typeface="SF Pro Display" panose="00000500000000000000" pitchFamily="2" charset="0"/>
+              </a:rPr>
+              <a:t>Desktop App Functionalities</a:t>
+            </a:r>
+          </a:p>
+        </p:txBody>
+      </p:sp>
+      <p:pic>
+        <p:nvPicPr>
+          <p:cNvPr id="15" name="Picture 14">
+            <a:extLst>
+              <a:ext uri="{FF2B5EF4-FFF2-40B4-BE49-F238E27FC236}">
+                <a16:creationId xmlns:a16="http://schemas.microsoft.com/office/drawing/2014/main" id="{0B1BD527-8400-47AC-8483-A0BD9DD7A579}"/>
+              </a:ext>
+            </a:extLst>
+          </p:cNvPr>
+          <p:cNvPicPr>
+            <a:picLocks noChangeAspect="1"/>
+          </p:cNvPicPr>
+          <p:nvPr/>
+        </p:nvPicPr>
+        <p:blipFill>
+          <a:blip r:embed="rId3">
+            <a:extLst>
+              <a:ext uri="{28A0092B-C50C-407E-A947-70E740481C1C}">
+                <a14:useLocalDpi xmlns:a14="http://schemas.microsoft.com/office/drawing/2010/main" val="0"/>
+              </a:ext>
+            </a:extLst>
+          </a:blip>
+          <a:stretch>
+            <a:fillRect/>
+          </a:stretch>
+        </p:blipFill>
+        <p:spPr>
+          <a:xfrm>
+            <a:off x="0" y="6858000"/>
+            <a:ext cx="12192000" cy="41706"/>
+          </a:xfrm>
+          <a:prstGeom prst="rect">
+            <a:avLst/>
+          </a:prstGeom>
+        </p:spPr>
+      </p:pic>
+      <p:sp>
+        <p:nvSpPr>
+          <p:cNvPr id="3" name="TextBox 2">
+            <a:extLst>
+              <a:ext uri="{FF2B5EF4-FFF2-40B4-BE49-F238E27FC236}">
+                <a16:creationId xmlns:a16="http://schemas.microsoft.com/office/drawing/2014/main" id="{68D10B44-1A04-4AA5-A67C-E527BA4328A3}"/>
+              </a:ext>
+            </a:extLst>
+          </p:cNvPr>
+          <p:cNvSpPr txBox="1"/>
+          <p:nvPr/>
+        </p:nvSpPr>
+        <p:spPr>
+          <a:xfrm>
+            <a:off x="1417320" y="2956782"/>
+            <a:ext cx="9083040" cy="3416320"/>
+          </a:xfrm>
+          <a:prstGeom prst="rect">
+            <a:avLst/>
+          </a:prstGeom>
+          <a:noFill/>
+        </p:spPr>
+        <p:txBody>
+          <a:bodyPr wrap="square" rtlCol="0">
+            <a:spAutoFit/>
+          </a:bodyPr>
           <a:lstStyle/>
           <a:p>
-            <a:endParaRPr lang="en-US"/>
-          </a:p>
-        </p:txBody>
-      </p:sp>
+            <a:pPr marL="285750" indent="-285750">
+              <a:buFont typeface="Arial" panose="020B0604020202020204" pitchFamily="34" charset="0"/>
+              <a:buChar char="•"/>
+            </a:pPr>
+            <a:r>
+              <a:rPr lang="en-US" sz="2400" dirty="0">
+                <a:latin typeface="SF Pro Display" panose="00000500000000000000" pitchFamily="2" charset="0"/>
+                <a:ea typeface="SF Pro Display" panose="00000500000000000000" pitchFamily="2" charset="0"/>
+              </a:rPr>
+              <a:t>Counts various individuals moving in and out of the building.</a:t>
+            </a:r>
+          </a:p>
+          <a:p>
+            <a:pPr marL="285750" indent="-285750">
+              <a:buFont typeface="Arial" panose="020B0604020202020204" pitchFamily="34" charset="0"/>
+              <a:buChar char="•"/>
+            </a:pPr>
+            <a:r>
+              <a:rPr lang="en-US" sz="2400" dirty="0">
+                <a:latin typeface="SF Pro Display" panose="00000500000000000000" pitchFamily="2" charset="0"/>
+                <a:ea typeface="SF Pro Display" panose="00000500000000000000" pitchFamily="2" charset="0"/>
+              </a:rPr>
+              <a:t>Saves surveillance videos for future reference.</a:t>
+            </a:r>
+          </a:p>
+          <a:p>
+            <a:pPr marL="285750" indent="-285750">
+              <a:buFont typeface="Arial" panose="020B0604020202020204" pitchFamily="34" charset="0"/>
+              <a:buChar char="•"/>
+            </a:pPr>
+            <a:r>
+              <a:rPr lang="en-US" sz="2400" dirty="0">
+                <a:latin typeface="SF Pro Display" panose="00000500000000000000" pitchFamily="2" charset="0"/>
+                <a:ea typeface="SF Pro Display" panose="00000500000000000000" pitchFamily="2" charset="0"/>
+              </a:rPr>
+              <a:t>Users can capture and save frames as pictures during surveillance.</a:t>
+            </a:r>
+          </a:p>
+          <a:p>
+            <a:pPr marL="285750" indent="-285750">
+              <a:buFont typeface="Arial" panose="020B0604020202020204" pitchFamily="34" charset="0"/>
+              <a:buChar char="•"/>
+            </a:pPr>
+            <a:r>
+              <a:rPr lang="en-US" sz="2400" dirty="0">
+                <a:latin typeface="SF Pro Display" panose="00000500000000000000" pitchFamily="2" charset="0"/>
+                <a:ea typeface="SF Pro Display" panose="00000500000000000000" pitchFamily="2" charset="0"/>
+              </a:rPr>
+              <a:t>Multiple cameras in the same view simultaneously.</a:t>
+            </a:r>
+          </a:p>
+          <a:p>
+            <a:pPr marL="285750" indent="-285750">
+              <a:buFont typeface="Arial" panose="020B0604020202020204" pitchFamily="34" charset="0"/>
+              <a:buChar char="•"/>
+            </a:pPr>
+            <a:r>
+              <a:rPr lang="en-US" sz="2400" dirty="0">
+                <a:latin typeface="SF Pro Display" panose="00000500000000000000" pitchFamily="2" charset="0"/>
+                <a:ea typeface="SF Pro Display" panose="00000500000000000000" pitchFamily="2" charset="0"/>
+              </a:rPr>
+              <a:t>Inbuilt video gallery, image gallery and a video player.</a:t>
+            </a:r>
+          </a:p>
+          <a:p>
+            <a:pPr marL="285750" indent="-285750">
+              <a:buFont typeface="Arial" panose="020B0604020202020204" pitchFamily="34" charset="0"/>
+              <a:buChar char="•"/>
+            </a:pPr>
+            <a:r>
+              <a:rPr lang="en-US" sz="2400" dirty="0">
+                <a:latin typeface="SF Pro Display" panose="00000500000000000000" pitchFamily="2" charset="0"/>
+                <a:ea typeface="SF Pro Display" panose="00000500000000000000" pitchFamily="2" charset="0"/>
+              </a:rPr>
+              <a:t>Processing of recorded videos from video files .</a:t>
+            </a:r>
+          </a:p>
+          <a:p>
+            <a:pPr marL="285750" indent="-285750">
+              <a:buFont typeface="Arial" panose="020B0604020202020204" pitchFamily="34" charset="0"/>
+              <a:buChar char="•"/>
+            </a:pPr>
+            <a:r>
+              <a:rPr lang="en-US" sz="2400" dirty="0">
+                <a:latin typeface="SF Pro Display" panose="00000500000000000000" pitchFamily="2" charset="0"/>
+                <a:ea typeface="SF Pro Display" panose="00000500000000000000" pitchFamily="2" charset="0"/>
+              </a:rPr>
+              <a:t>Sends frequent updates to the web server.</a:t>
+            </a:r>
+          </a:p>
+          <a:p>
+            <a:pPr marL="285750" indent="-285750">
+              <a:buFont typeface="Arial" panose="020B0604020202020204" pitchFamily="34" charset="0"/>
+              <a:buChar char="•"/>
+            </a:pPr>
+            <a:r>
+              <a:rPr lang="en-US" sz="2400" dirty="0">
+                <a:latin typeface="SF Pro Display" panose="00000500000000000000" pitchFamily="2" charset="0"/>
+                <a:ea typeface="SF Pro Display" panose="00000500000000000000" pitchFamily="2" charset="0"/>
+              </a:rPr>
+              <a:t>Exports saved videos and images.</a:t>
+            </a:r>
+          </a:p>
+          <a:p>
+            <a:pPr marL="285750" indent="-285750">
+              <a:buFont typeface="Arial" panose="020B0604020202020204" pitchFamily="34" charset="0"/>
+              <a:buChar char="•"/>
+            </a:pPr>
+            <a:endParaRPr lang="en-US" sz="2400" dirty="0">
+              <a:latin typeface="SF Pro Display" panose="00000500000000000000" pitchFamily="2" charset="0"/>
+              <a:ea typeface="SF Pro Display" panose="00000500000000000000" pitchFamily="2" charset="0"/>
+            </a:endParaRPr>
+          </a:p>
+        </p:txBody>
+      </p:sp>
+      <p:pic>
+        <p:nvPicPr>
+          <p:cNvPr id="16" name="Picture 15">
+            <a:extLst>
+              <a:ext uri="{FF2B5EF4-FFF2-40B4-BE49-F238E27FC236}">
+                <a16:creationId xmlns:a16="http://schemas.microsoft.com/office/drawing/2014/main" id="{B832DFF4-903F-4905-BF3F-76368855CD6D}"/>
+              </a:ext>
+            </a:extLst>
+          </p:cNvPr>
+          <p:cNvPicPr>
+            <a:picLocks noChangeAspect="1"/>
+          </p:cNvPicPr>
+          <p:nvPr/>
+        </p:nvPicPr>
+        <p:blipFill>
+          <a:blip r:embed="rId4">
+            <a:extLst>
+              <a:ext uri="{28A0092B-C50C-407E-A947-70E740481C1C}">
+                <a14:useLocalDpi xmlns:a14="http://schemas.microsoft.com/office/drawing/2010/main" val="0"/>
+              </a:ext>
+            </a:extLst>
+          </a:blip>
+          <a:srcRect/>
+          <a:stretch/>
+        </p:blipFill>
+        <p:spPr>
+          <a:xfrm>
+            <a:off x="6294120" y="1142210"/>
+            <a:ext cx="5665253" cy="4861560"/>
+          </a:xfrm>
+          <a:prstGeom prst="rect">
+            <a:avLst/>
+          </a:prstGeom>
+        </p:spPr>
+      </p:pic>
     </p:spTree>
     <p:extLst>
       <p:ext uri="{BB962C8B-B14F-4D97-AF65-F5344CB8AC3E}">
-        <p14:creationId xmlns:p14="http://schemas.microsoft.com/office/powerpoint/2010/main" val="2501742179"/>
+        <p14:creationId xmlns:p14="http://schemas.microsoft.com/office/powerpoint/2010/main" val="3829192805"/>
       </p:ext>
     </p:extLst>
   </p:cSld>
   <p:clrMapOvr>
     <a:masterClrMapping/>
   </p:clrMapOvr>
+  <p:timing>
+    <p:tnLst>
+      <p:par>
+        <p:cTn id="1" dur="indefinite" restart="never" nodeType="tmRoot">
+          <p:childTnLst>
+            <p:seq concurrent="1" nextAc="seek">
+              <p:cTn id="2" dur="indefinite" nodeType="mainSeq">
+                <p:childTnLst>
+                  <p:par>
+                    <p:cTn id="3" fill="hold">
+                      <p:stCondLst>
+                        <p:cond delay="indefinite"/>
+                      </p:stCondLst>
+                      <p:childTnLst>
+                        <p:par>
+                          <p:cTn id="4" fill="hold">
+                            <p:stCondLst>
+                              <p:cond delay="0"/>
+                            </p:stCondLst>
+                            <p:childTnLst>
+                              <p:par>
+                                <p:cTn id="5" presetID="10" presetClass="entr" presetSubtype="0" fill="hold" nodeType="clickEffect">
+                                  <p:stCondLst>
+                                    <p:cond delay="0"/>
+                                  </p:stCondLst>
+                                  <p:childTnLst>
+                                    <p:set>
+                                      <p:cBhvr>
+                                        <p:cTn id="6" dur="1" fill="hold">
+                                          <p:stCondLst>
+                                            <p:cond delay="0"/>
+                                          </p:stCondLst>
+                                        </p:cTn>
+                                        <p:tgtEl>
+                                          <p:spTgt spid="3">
+                                            <p:txEl>
+                                              <p:pRg st="0" end="0"/>
+                                            </p:txEl>
+                                          </p:spTgt>
+                                        </p:tgtEl>
+                                        <p:attrNameLst>
+                                          <p:attrName>style.visibility</p:attrName>
+                                        </p:attrNameLst>
+                                      </p:cBhvr>
+                                      <p:to>
+                                        <p:strVal val="visible"/>
+                                      </p:to>
+                                    </p:set>
+                                    <p:animEffect transition="in" filter="fade">
+                                      <p:cBhvr>
+                                        <p:cTn id="7" dur="500"/>
+                                        <p:tgtEl>
+                                          <p:spTgt spid="3">
+                                            <p:txEl>
+                                              <p:pRg st="0" end="0"/>
+                                            </p:txEl>
+                                          </p:spTgt>
+                                        </p:tgtEl>
+                                      </p:cBhvr>
+                                    </p:animEffect>
+                                  </p:childTnLst>
+                                </p:cTn>
+                              </p:par>
+                            </p:childTnLst>
+                          </p:cTn>
+                        </p:par>
+                      </p:childTnLst>
+                    </p:cTn>
+                  </p:par>
+                  <p:par>
+                    <p:cTn id="8" fill="hold">
+                      <p:stCondLst>
+                        <p:cond delay="indefinite"/>
+                      </p:stCondLst>
+                      <p:childTnLst>
+                        <p:par>
+                          <p:cTn id="9" fill="hold">
+                            <p:stCondLst>
+                              <p:cond delay="0"/>
+                            </p:stCondLst>
+                            <p:childTnLst>
+                              <p:par>
+                                <p:cTn id="10" presetID="10" presetClass="entr" presetSubtype="0" fill="hold" nodeType="clickEffect">
+                                  <p:stCondLst>
+                                    <p:cond delay="0"/>
+                                  </p:stCondLst>
+                                  <p:childTnLst>
+                                    <p:set>
+                                      <p:cBhvr>
+                                        <p:cTn id="11" dur="1" fill="hold">
+                                          <p:stCondLst>
+                                            <p:cond delay="0"/>
+                                          </p:stCondLst>
+                                        </p:cTn>
+                                        <p:tgtEl>
+                                          <p:spTgt spid="3">
+                                            <p:txEl>
+                                              <p:pRg st="1" end="1"/>
+                                            </p:txEl>
+                                          </p:spTgt>
+                                        </p:tgtEl>
+                                        <p:attrNameLst>
+                                          <p:attrName>style.visibility</p:attrName>
+                                        </p:attrNameLst>
+                                      </p:cBhvr>
+                                      <p:to>
+                                        <p:strVal val="visible"/>
+                                      </p:to>
+                                    </p:set>
+                                    <p:animEffect transition="in" filter="fade">
+                                      <p:cBhvr>
+                                        <p:cTn id="12" dur="500"/>
+                                        <p:tgtEl>
+                                          <p:spTgt spid="3">
+                                            <p:txEl>
+                                              <p:pRg st="1" end="1"/>
+                                            </p:txEl>
+                                          </p:spTgt>
+                                        </p:tgtEl>
+                                      </p:cBhvr>
+                                    </p:animEffect>
+                                  </p:childTnLst>
+                                </p:cTn>
+                              </p:par>
+                            </p:childTnLst>
+                          </p:cTn>
+                        </p:par>
+                      </p:childTnLst>
+                    </p:cTn>
+                  </p:par>
+                  <p:par>
+                    <p:cTn id="13" fill="hold">
+                      <p:stCondLst>
+                        <p:cond delay="indefinite"/>
+                      </p:stCondLst>
+                      <p:childTnLst>
+                        <p:par>
+                          <p:cTn id="14" fill="hold">
+                            <p:stCondLst>
+                              <p:cond delay="0"/>
+                            </p:stCondLst>
+                            <p:childTnLst>
+                              <p:par>
+                                <p:cTn id="15" presetID="10" presetClass="entr" presetSubtype="0" fill="hold" nodeType="clickEffect">
+                                  <p:stCondLst>
+                                    <p:cond delay="0"/>
+                                  </p:stCondLst>
+                                  <p:childTnLst>
+                                    <p:set>
+                                      <p:cBhvr>
+                                        <p:cTn id="16" dur="1" fill="hold">
+                                          <p:stCondLst>
+                                            <p:cond delay="0"/>
+                                          </p:stCondLst>
+                                        </p:cTn>
+                                        <p:tgtEl>
+                                          <p:spTgt spid="3">
+                                            <p:txEl>
+                                              <p:pRg st="2" end="2"/>
+                                            </p:txEl>
+                                          </p:spTgt>
+                                        </p:tgtEl>
+                                        <p:attrNameLst>
+                                          <p:attrName>style.visibility</p:attrName>
+                                        </p:attrNameLst>
+                                      </p:cBhvr>
+                                      <p:to>
+                                        <p:strVal val="visible"/>
+                                      </p:to>
+                                    </p:set>
+                                    <p:animEffect transition="in" filter="fade">
+                                      <p:cBhvr>
+                                        <p:cTn id="17" dur="500"/>
+                                        <p:tgtEl>
+                                          <p:spTgt spid="3">
+                                            <p:txEl>
+                                              <p:pRg st="2" end="2"/>
+                                            </p:txEl>
+                                          </p:spTgt>
+                                        </p:tgtEl>
+                                      </p:cBhvr>
+                                    </p:animEffect>
+                                  </p:childTnLst>
+                                </p:cTn>
+                              </p:par>
+                            </p:childTnLst>
+                          </p:cTn>
+                        </p:par>
+                      </p:childTnLst>
+                    </p:cTn>
+                  </p:par>
+                  <p:par>
+                    <p:cTn id="18" fill="hold">
+                      <p:stCondLst>
+                        <p:cond delay="indefinite"/>
+                      </p:stCondLst>
+                      <p:childTnLst>
+                        <p:par>
+                          <p:cTn id="19" fill="hold">
+                            <p:stCondLst>
+                              <p:cond delay="0"/>
+                            </p:stCondLst>
+                            <p:childTnLst>
+                              <p:par>
+                                <p:cTn id="20" presetID="10" presetClass="entr" presetSubtype="0" fill="hold" nodeType="clickEffect">
+                                  <p:stCondLst>
+                                    <p:cond delay="0"/>
+                                  </p:stCondLst>
+                                  <p:childTnLst>
+                                    <p:set>
+                                      <p:cBhvr>
+                                        <p:cTn id="21" dur="1" fill="hold">
+                                          <p:stCondLst>
+                                            <p:cond delay="0"/>
+                                          </p:stCondLst>
+                                        </p:cTn>
+                                        <p:tgtEl>
+                                          <p:spTgt spid="3">
+                                            <p:txEl>
+                                              <p:pRg st="3" end="3"/>
+                                            </p:txEl>
+                                          </p:spTgt>
+                                        </p:tgtEl>
+                                        <p:attrNameLst>
+                                          <p:attrName>style.visibility</p:attrName>
+                                        </p:attrNameLst>
+                                      </p:cBhvr>
+                                      <p:to>
+                                        <p:strVal val="visible"/>
+                                      </p:to>
+                                    </p:set>
+                                    <p:animEffect transition="in" filter="fade">
+                                      <p:cBhvr>
+                                        <p:cTn id="22" dur="500"/>
+                                        <p:tgtEl>
+                                          <p:spTgt spid="3">
+                                            <p:txEl>
+                                              <p:pRg st="3" end="3"/>
+                                            </p:txEl>
+                                          </p:spTgt>
+                                        </p:tgtEl>
+                                      </p:cBhvr>
+                                    </p:animEffect>
+                                  </p:childTnLst>
+                                </p:cTn>
+                              </p:par>
+                            </p:childTnLst>
+                          </p:cTn>
+                        </p:par>
+                      </p:childTnLst>
+                    </p:cTn>
+                  </p:par>
+                  <p:par>
+                    <p:cTn id="23" fill="hold">
+                      <p:stCondLst>
+                        <p:cond delay="indefinite"/>
+                      </p:stCondLst>
+                      <p:childTnLst>
+                        <p:par>
+                          <p:cTn id="24" fill="hold">
+                            <p:stCondLst>
+                              <p:cond delay="0"/>
+                            </p:stCondLst>
+                            <p:childTnLst>
+                              <p:par>
+                                <p:cTn id="25" presetID="10" presetClass="entr" presetSubtype="0" fill="hold" nodeType="clickEffect">
+                                  <p:stCondLst>
+                                    <p:cond delay="0"/>
+                                  </p:stCondLst>
+                                  <p:childTnLst>
+                                    <p:set>
+                                      <p:cBhvr>
+                                        <p:cTn id="26" dur="1" fill="hold">
+                                          <p:stCondLst>
+                                            <p:cond delay="0"/>
+                                          </p:stCondLst>
+                                        </p:cTn>
+                                        <p:tgtEl>
+                                          <p:spTgt spid="3">
+                                            <p:txEl>
+                                              <p:pRg st="4" end="4"/>
+                                            </p:txEl>
+                                          </p:spTgt>
+                                        </p:tgtEl>
+                                        <p:attrNameLst>
+                                          <p:attrName>style.visibility</p:attrName>
+                                        </p:attrNameLst>
+                                      </p:cBhvr>
+                                      <p:to>
+                                        <p:strVal val="visible"/>
+                                      </p:to>
+                                    </p:set>
+                                    <p:animEffect transition="in" filter="fade">
+                                      <p:cBhvr>
+                                        <p:cTn id="27" dur="500"/>
+                                        <p:tgtEl>
+                                          <p:spTgt spid="3">
+                                            <p:txEl>
+                                              <p:pRg st="4" end="4"/>
+                                            </p:txEl>
+                                          </p:spTgt>
+                                        </p:tgtEl>
+                                      </p:cBhvr>
+                                    </p:animEffect>
+                                  </p:childTnLst>
+                                </p:cTn>
+                              </p:par>
+                            </p:childTnLst>
+                          </p:cTn>
+                        </p:par>
+                      </p:childTnLst>
+                    </p:cTn>
+                  </p:par>
+                  <p:par>
+                    <p:cTn id="28" fill="hold">
+                      <p:stCondLst>
+                        <p:cond delay="indefinite"/>
+                      </p:stCondLst>
+                      <p:childTnLst>
+                        <p:par>
+                          <p:cTn id="29" fill="hold">
+                            <p:stCondLst>
+                              <p:cond delay="0"/>
+                            </p:stCondLst>
+                            <p:childTnLst>
+                              <p:par>
+                                <p:cTn id="30" presetID="10" presetClass="entr" presetSubtype="0" fill="hold" nodeType="clickEffect">
+                                  <p:stCondLst>
+                                    <p:cond delay="0"/>
+                                  </p:stCondLst>
+                                  <p:childTnLst>
+                                    <p:set>
+                                      <p:cBhvr>
+                                        <p:cTn id="31" dur="1" fill="hold">
+                                          <p:stCondLst>
+                                            <p:cond delay="0"/>
+                                          </p:stCondLst>
+                                        </p:cTn>
+                                        <p:tgtEl>
+                                          <p:spTgt spid="3">
+                                            <p:txEl>
+                                              <p:pRg st="5" end="5"/>
+                                            </p:txEl>
+                                          </p:spTgt>
+                                        </p:tgtEl>
+                                        <p:attrNameLst>
+                                          <p:attrName>style.visibility</p:attrName>
+                                        </p:attrNameLst>
+                                      </p:cBhvr>
+                                      <p:to>
+                                        <p:strVal val="visible"/>
+                                      </p:to>
+                                    </p:set>
+                                    <p:animEffect transition="in" filter="fade">
+                                      <p:cBhvr>
+                                        <p:cTn id="32" dur="500"/>
+                                        <p:tgtEl>
+                                          <p:spTgt spid="3">
+                                            <p:txEl>
+                                              <p:pRg st="5" end="5"/>
+                                            </p:txEl>
+                                          </p:spTgt>
+                                        </p:tgtEl>
+                                      </p:cBhvr>
+                                    </p:animEffect>
+                                  </p:childTnLst>
+                                </p:cTn>
+                              </p:par>
+                            </p:childTnLst>
+                          </p:cTn>
+                        </p:par>
+                      </p:childTnLst>
+                    </p:cTn>
+                  </p:par>
+                  <p:par>
+                    <p:cTn id="33" fill="hold">
+                      <p:stCondLst>
+                        <p:cond delay="indefinite"/>
+                      </p:stCondLst>
+                      <p:childTnLst>
+                        <p:par>
+                          <p:cTn id="34" fill="hold">
+                            <p:stCondLst>
+                              <p:cond delay="0"/>
+                            </p:stCondLst>
+                            <p:childTnLst>
+                              <p:par>
+                                <p:cTn id="35" presetID="10" presetClass="entr" presetSubtype="0" fill="hold" nodeType="clickEffect">
+                                  <p:stCondLst>
+                                    <p:cond delay="0"/>
+                                  </p:stCondLst>
+                                  <p:childTnLst>
+                                    <p:set>
+                                      <p:cBhvr>
+                                        <p:cTn id="36" dur="1" fill="hold">
+                                          <p:stCondLst>
+                                            <p:cond delay="0"/>
+                                          </p:stCondLst>
+                                        </p:cTn>
+                                        <p:tgtEl>
+                                          <p:spTgt spid="3">
+                                            <p:txEl>
+                                              <p:pRg st="6" end="6"/>
+                                            </p:txEl>
+                                          </p:spTgt>
+                                        </p:tgtEl>
+                                        <p:attrNameLst>
+                                          <p:attrName>style.visibility</p:attrName>
+                                        </p:attrNameLst>
+                                      </p:cBhvr>
+                                      <p:to>
+                                        <p:strVal val="visible"/>
+                                      </p:to>
+                                    </p:set>
+                                    <p:animEffect transition="in" filter="fade">
+                                      <p:cBhvr>
+                                        <p:cTn id="37" dur="500"/>
+                                        <p:tgtEl>
+                                          <p:spTgt spid="3">
+                                            <p:txEl>
+                                              <p:pRg st="6" end="6"/>
+                                            </p:txEl>
+                                          </p:spTgt>
+                                        </p:tgtEl>
+                                      </p:cBhvr>
+                                    </p:animEffect>
+                                  </p:childTnLst>
+                                </p:cTn>
+                              </p:par>
+                            </p:childTnLst>
+                          </p:cTn>
+                        </p:par>
+                      </p:childTnLst>
+                    </p:cTn>
+                  </p:par>
+                  <p:par>
+                    <p:cTn id="38" fill="hold">
+                      <p:stCondLst>
+                        <p:cond delay="indefinite"/>
+                      </p:stCondLst>
+                      <p:childTnLst>
+                        <p:par>
+                          <p:cTn id="39" fill="hold">
+                            <p:stCondLst>
+                              <p:cond delay="0"/>
+                            </p:stCondLst>
+                            <p:childTnLst>
+                              <p:par>
+                                <p:cTn id="40" presetID="10" presetClass="entr" presetSubtype="0" fill="hold" nodeType="clickEffect">
+                                  <p:stCondLst>
+                                    <p:cond delay="0"/>
+                                  </p:stCondLst>
+                                  <p:childTnLst>
+                                    <p:set>
+                                      <p:cBhvr>
+                                        <p:cTn id="41" dur="1" fill="hold">
+                                          <p:stCondLst>
+                                            <p:cond delay="0"/>
+                                          </p:stCondLst>
+                                        </p:cTn>
+                                        <p:tgtEl>
+                                          <p:spTgt spid="3">
+                                            <p:txEl>
+                                              <p:pRg st="7" end="7"/>
+                                            </p:txEl>
+                                          </p:spTgt>
+                                        </p:tgtEl>
+                                        <p:attrNameLst>
+                                          <p:attrName>style.visibility</p:attrName>
+                                        </p:attrNameLst>
+                                      </p:cBhvr>
+                                      <p:to>
+                                        <p:strVal val="visible"/>
+                                      </p:to>
+                                    </p:set>
+                                    <p:animEffect transition="in" filter="fade">
+                                      <p:cBhvr>
+                                        <p:cTn id="42" dur="500"/>
+                                        <p:tgtEl>
+                                          <p:spTgt spid="3">
+                                            <p:txEl>
+                                              <p:pRg st="7" end="7"/>
+                                            </p:txEl>
+                                          </p:spTgt>
+                                        </p:tgtEl>
+                                      </p:cBhvr>
+                                    </p:animEffect>
+                                  </p:childTnLst>
+                                </p:cTn>
+                              </p:par>
+                            </p:childTnLst>
+                          </p:cTn>
+                        </p:par>
+                      </p:childTnLst>
+                    </p:cTn>
+                  </p:par>
+                </p:childTnLst>
+              </p:cTn>
+              <p:prevCondLst>
+                <p:cond evt="onPrev" delay="0">
+                  <p:tgtEl>
+                    <p:sldTgt/>
+                  </p:tgtEl>
+                </p:cond>
+              </p:prevCondLst>
+              <p:nextCondLst>
+                <p:cond evt="onNext" delay="0">
+                  <p:tgtEl>
+                    <p:sldTgt/>
+                  </p:tgtEl>
+                </p:cond>
+              </p:nextCondLst>
+            </p:seq>
+          </p:childTnLst>
+        </p:cTn>
+      </p:par>
+    </p:tnLst>
+  </p:timing>
 </p:sld>
 </file>
 
@@ -3750,7 +6887,7 @@
           <p:cNvPr id="2" name="Title 1">
             <a:extLst>
               <a:ext uri="{FF2B5EF4-FFF2-40B4-BE49-F238E27FC236}">
-                <a16:creationId xmlns:a16="http://schemas.microsoft.com/office/drawing/2014/main" id="{5723FFD0-5F48-46B0-8DEB-C45F9D57A550}"/>
+                <a16:creationId xmlns:a16="http://schemas.microsoft.com/office/drawing/2014/main" id="{C09199DA-4845-415D-83C9-EC534ECF60EA}"/>
               </a:ext>
             </a:extLst>
           </p:cNvPr>
@@ -3761,50 +6898,1708 @@
             <p:ph type="title"/>
           </p:nvPr>
         </p:nvSpPr>
-        <p:spPr/>
-        <p:txBody>
-          <a:bodyPr/>
+        <p:spPr>
+          <a:xfrm>
+            <a:off x="838200" y="895936"/>
+            <a:ext cx="7284720" cy="1720549"/>
+          </a:xfrm>
+        </p:spPr>
+        <p:txBody>
+          <a:bodyPr>
+            <a:noAutofit/>
+          </a:bodyPr>
           <a:lstStyle/>
           <a:p>
-            <a:endParaRPr lang="en-US" dirty="0"/>
-          </a:p>
-        </p:txBody>
-      </p:sp>
-      <p:sp>
-        <p:nvSpPr>
-          <p:cNvPr id="3" name="Content Placeholder 2">
-            <a:extLst>
-              <a:ext uri="{FF2B5EF4-FFF2-40B4-BE49-F238E27FC236}">
-                <a16:creationId xmlns:a16="http://schemas.microsoft.com/office/drawing/2014/main" id="{6A27BCA5-758E-48A5-AB49-187BD74E37DB}"/>
-              </a:ext>
-            </a:extLst>
-          </p:cNvPr>
-          <p:cNvSpPr>
-            <a:spLocks noGrp="1"/>
-          </p:cNvSpPr>
-          <p:nvPr>
-            <p:ph idx="1"/>
-          </p:nvPr>
-        </p:nvSpPr>
-        <p:spPr/>
-        <p:txBody>
-          <a:bodyPr/>
+            <a:r>
+              <a:rPr lang="en-US" sz="6000" b="1" dirty="0">
+                <a:solidFill>
+                  <a:schemeClr val="accent5">
+                    <a:lumMod val="75000"/>
+                  </a:schemeClr>
+                </a:solidFill>
+                <a:latin typeface="SF Pro Display" panose="00000500000000000000" pitchFamily="2" charset="0"/>
+                <a:ea typeface="SF Pro Display" panose="00000500000000000000" pitchFamily="2" charset="0"/>
+              </a:rPr>
+              <a:t>Webpage and Web Server</a:t>
+            </a:r>
+          </a:p>
+        </p:txBody>
+      </p:sp>
+      <p:pic>
+        <p:nvPicPr>
+          <p:cNvPr id="15" name="Picture 14">
+            <a:extLst>
+              <a:ext uri="{FF2B5EF4-FFF2-40B4-BE49-F238E27FC236}">
+                <a16:creationId xmlns:a16="http://schemas.microsoft.com/office/drawing/2014/main" id="{0B1BD527-8400-47AC-8483-A0BD9DD7A579}"/>
+              </a:ext>
+            </a:extLst>
+          </p:cNvPr>
+          <p:cNvPicPr>
+            <a:picLocks noChangeAspect="1"/>
+          </p:cNvPicPr>
+          <p:nvPr/>
+        </p:nvPicPr>
+        <p:blipFill>
+          <a:blip r:embed="rId3">
+            <a:extLst>
+              <a:ext uri="{28A0092B-C50C-407E-A947-70E740481C1C}">
+                <a14:useLocalDpi xmlns:a14="http://schemas.microsoft.com/office/drawing/2010/main" val="0"/>
+              </a:ext>
+            </a:extLst>
+          </a:blip>
+          <a:stretch>
+            <a:fillRect/>
+          </a:stretch>
+        </p:blipFill>
+        <p:spPr>
+          <a:xfrm>
+            <a:off x="0" y="6858000"/>
+            <a:ext cx="12192000" cy="41706"/>
+          </a:xfrm>
+          <a:prstGeom prst="rect">
+            <a:avLst/>
+          </a:prstGeom>
+        </p:spPr>
+      </p:pic>
+      <p:pic>
+        <p:nvPicPr>
+          <p:cNvPr id="5" name="Graphic 4">
+            <a:extLst>
+              <a:ext uri="{FF2B5EF4-FFF2-40B4-BE49-F238E27FC236}">
+                <a16:creationId xmlns:a16="http://schemas.microsoft.com/office/drawing/2014/main" id="{FD7B207D-60FA-4516-B0D6-1DB3EE679FE5}"/>
+              </a:ext>
+            </a:extLst>
+          </p:cNvPr>
+          <p:cNvPicPr>
+            <a:picLocks noChangeAspect="1"/>
+          </p:cNvPicPr>
+          <p:nvPr/>
+        </p:nvPicPr>
+        <p:blipFill>
+          <a:blip r:embed="rId4">
+            <a:extLst>
+              <a:ext uri="{28A0092B-C50C-407E-A947-70E740481C1C}">
+                <a14:useLocalDpi xmlns:a14="http://schemas.microsoft.com/office/drawing/2010/main" val="0"/>
+              </a:ext>
+              <a:ext uri="{96DAC541-7B7A-43D3-8B79-37D633B846F1}">
+                <asvg:svgBlip xmlns:asvg="http://schemas.microsoft.com/office/drawing/2016/SVG/main" r:embed="rId5"/>
+              </a:ext>
+            </a:extLst>
+          </a:blip>
+          <a:stretch>
+            <a:fillRect/>
+          </a:stretch>
+        </p:blipFill>
+        <p:spPr>
+          <a:xfrm>
+            <a:off x="2895600" y="3315907"/>
+            <a:ext cx="1421335" cy="1421335"/>
+          </a:xfrm>
+          <a:prstGeom prst="rect">
+            <a:avLst/>
+          </a:prstGeom>
+        </p:spPr>
+      </p:pic>
+      <p:sp>
+        <p:nvSpPr>
+          <p:cNvPr id="6" name="TextBox 5">
+            <a:extLst>
+              <a:ext uri="{FF2B5EF4-FFF2-40B4-BE49-F238E27FC236}">
+                <a16:creationId xmlns:a16="http://schemas.microsoft.com/office/drawing/2014/main" id="{EACAF7B1-FEA0-4260-84D8-C7C0A28030BD}"/>
+              </a:ext>
+            </a:extLst>
+          </p:cNvPr>
+          <p:cNvSpPr txBox="1"/>
+          <p:nvPr/>
+        </p:nvSpPr>
+        <p:spPr>
+          <a:xfrm>
+            <a:off x="2514600" y="5021198"/>
+            <a:ext cx="2362200" cy="830997"/>
+          </a:xfrm>
+          <a:prstGeom prst="rect">
+            <a:avLst/>
+          </a:prstGeom>
+          <a:noFill/>
+        </p:spPr>
+        <p:txBody>
+          <a:bodyPr wrap="square" rtlCol="0">
+            <a:spAutoFit/>
+          </a:bodyPr>
           <a:lstStyle/>
           <a:p>
-            <a:endParaRPr lang="en-US"/>
+            <a:r>
+              <a:rPr lang="en-US" sz="2400" dirty="0">
+                <a:solidFill>
+                  <a:schemeClr val="accent5">
+                    <a:lumMod val="75000"/>
+                  </a:schemeClr>
+                </a:solidFill>
+                <a:latin typeface="SF Pro Display" panose="00000500000000000000" pitchFamily="2" charset="0"/>
+                <a:ea typeface="SF Pro Display" panose="00000500000000000000" pitchFamily="2" charset="0"/>
+              </a:rPr>
+              <a:t>Stores data from the desktop app</a:t>
+            </a:r>
+          </a:p>
+        </p:txBody>
+      </p:sp>
+      <p:pic>
+        <p:nvPicPr>
+          <p:cNvPr id="9" name="Graphic 8">
+            <a:extLst>
+              <a:ext uri="{FF2B5EF4-FFF2-40B4-BE49-F238E27FC236}">
+                <a16:creationId xmlns:a16="http://schemas.microsoft.com/office/drawing/2014/main" id="{C24D90FC-234B-46F5-B4C9-1A0E56BC4DA6}"/>
+              </a:ext>
+            </a:extLst>
+          </p:cNvPr>
+          <p:cNvPicPr>
+            <a:picLocks noChangeAspect="1"/>
+          </p:cNvPicPr>
+          <p:nvPr/>
+        </p:nvPicPr>
+        <p:blipFill>
+          <a:blip r:embed="rId6">
+            <a:extLst>
+              <a:ext uri="{28A0092B-C50C-407E-A947-70E740481C1C}">
+                <a14:useLocalDpi xmlns:a14="http://schemas.microsoft.com/office/drawing/2010/main" val="0"/>
+              </a:ext>
+            </a:extLst>
+          </a:blip>
+          <a:srcRect/>
+          <a:stretch/>
+        </p:blipFill>
+        <p:spPr>
+          <a:xfrm>
+            <a:off x="6997167" y="3315907"/>
+            <a:ext cx="1421335" cy="1421335"/>
+          </a:xfrm>
+          <a:prstGeom prst="rect">
+            <a:avLst/>
+          </a:prstGeom>
+        </p:spPr>
+      </p:pic>
+      <p:sp>
+        <p:nvSpPr>
+          <p:cNvPr id="10" name="TextBox 9">
+            <a:extLst>
+              <a:ext uri="{FF2B5EF4-FFF2-40B4-BE49-F238E27FC236}">
+                <a16:creationId xmlns:a16="http://schemas.microsoft.com/office/drawing/2014/main" id="{9D605308-8900-48D0-B4A1-6334FE00FE42}"/>
+              </a:ext>
+            </a:extLst>
+          </p:cNvPr>
+          <p:cNvSpPr txBox="1"/>
+          <p:nvPr/>
+        </p:nvSpPr>
+        <p:spPr>
+          <a:xfrm>
+            <a:off x="6145735" y="5021198"/>
+            <a:ext cx="3124200" cy="830997"/>
+          </a:xfrm>
+          <a:prstGeom prst="rect">
+            <a:avLst/>
+          </a:prstGeom>
+          <a:noFill/>
+        </p:spPr>
+        <p:txBody>
+          <a:bodyPr wrap="square" rtlCol="0">
+            <a:spAutoFit/>
+          </a:bodyPr>
+          <a:lstStyle/>
+          <a:p>
+            <a:pPr algn="ctr"/>
+            <a:r>
+              <a:rPr lang="en-US" sz="2400" dirty="0">
+                <a:solidFill>
+                  <a:schemeClr val="accent5">
+                    <a:lumMod val="75000"/>
+                  </a:schemeClr>
+                </a:solidFill>
+                <a:latin typeface="SF Pro Display" panose="00000500000000000000" pitchFamily="2" charset="0"/>
+                <a:ea typeface="SF Pro Display" panose="00000500000000000000" pitchFamily="2" charset="0"/>
+              </a:rPr>
+              <a:t>Displays statistics of counted individuals</a:t>
+            </a:r>
           </a:p>
         </p:txBody>
       </p:sp>
     </p:spTree>
     <p:extLst>
       <p:ext uri="{BB962C8B-B14F-4D97-AF65-F5344CB8AC3E}">
-        <p14:creationId xmlns:p14="http://schemas.microsoft.com/office/powerpoint/2010/main" val="3508777274"/>
+        <p14:creationId xmlns:p14="http://schemas.microsoft.com/office/powerpoint/2010/main" val="3065510348"/>
       </p:ext>
     </p:extLst>
   </p:cSld>
   <p:clrMapOvr>
     <a:masterClrMapping/>
   </p:clrMapOvr>
+  <p:timing>
+    <p:tnLst>
+      <p:par>
+        <p:cTn id="1" dur="indefinite" restart="never" nodeType="tmRoot">
+          <p:childTnLst>
+            <p:seq concurrent="1" nextAc="seek">
+              <p:cTn id="2" dur="indefinite" nodeType="mainSeq">
+                <p:childTnLst>
+                  <p:par>
+                    <p:cTn id="3" fill="hold">
+                      <p:stCondLst>
+                        <p:cond delay="indefinite"/>
+                      </p:stCondLst>
+                      <p:childTnLst>
+                        <p:par>
+                          <p:cTn id="4" fill="hold">
+                            <p:stCondLst>
+                              <p:cond delay="0"/>
+                            </p:stCondLst>
+                            <p:childTnLst>
+                              <p:par>
+                                <p:cTn id="5" presetID="10" presetClass="entr" presetSubtype="0" fill="hold" nodeType="clickEffect">
+                                  <p:stCondLst>
+                                    <p:cond delay="0"/>
+                                  </p:stCondLst>
+                                  <p:childTnLst>
+                                    <p:set>
+                                      <p:cBhvr>
+                                        <p:cTn id="6" dur="1" fill="hold">
+                                          <p:stCondLst>
+                                            <p:cond delay="0"/>
+                                          </p:stCondLst>
+                                        </p:cTn>
+                                        <p:tgtEl>
+                                          <p:spTgt spid="5"/>
+                                        </p:tgtEl>
+                                        <p:attrNameLst>
+                                          <p:attrName>style.visibility</p:attrName>
+                                        </p:attrNameLst>
+                                      </p:cBhvr>
+                                      <p:to>
+                                        <p:strVal val="visible"/>
+                                      </p:to>
+                                    </p:set>
+                                    <p:animEffect transition="in" filter="fade">
+                                      <p:cBhvr>
+                                        <p:cTn id="7" dur="500"/>
+                                        <p:tgtEl>
+                                          <p:spTgt spid="5"/>
+                                        </p:tgtEl>
+                                      </p:cBhvr>
+                                    </p:animEffect>
+                                  </p:childTnLst>
+                                </p:cTn>
+                              </p:par>
+                              <p:par>
+                                <p:cTn id="8" presetID="10" presetClass="entr" presetSubtype="0" fill="hold" grpId="0" nodeType="withEffect">
+                                  <p:stCondLst>
+                                    <p:cond delay="0"/>
+                                  </p:stCondLst>
+                                  <p:childTnLst>
+                                    <p:set>
+                                      <p:cBhvr>
+                                        <p:cTn id="9" dur="1" fill="hold">
+                                          <p:stCondLst>
+                                            <p:cond delay="0"/>
+                                          </p:stCondLst>
+                                        </p:cTn>
+                                        <p:tgtEl>
+                                          <p:spTgt spid="6"/>
+                                        </p:tgtEl>
+                                        <p:attrNameLst>
+                                          <p:attrName>style.visibility</p:attrName>
+                                        </p:attrNameLst>
+                                      </p:cBhvr>
+                                      <p:to>
+                                        <p:strVal val="visible"/>
+                                      </p:to>
+                                    </p:set>
+                                    <p:animEffect transition="in" filter="fade">
+                                      <p:cBhvr>
+                                        <p:cTn id="10" dur="500"/>
+                                        <p:tgtEl>
+                                          <p:spTgt spid="6"/>
+                                        </p:tgtEl>
+                                      </p:cBhvr>
+                                    </p:animEffect>
+                                  </p:childTnLst>
+                                </p:cTn>
+                              </p:par>
+                            </p:childTnLst>
+                          </p:cTn>
+                        </p:par>
+                      </p:childTnLst>
+                    </p:cTn>
+                  </p:par>
+                  <p:par>
+                    <p:cTn id="11" fill="hold">
+                      <p:stCondLst>
+                        <p:cond delay="indefinite"/>
+                      </p:stCondLst>
+                      <p:childTnLst>
+                        <p:par>
+                          <p:cTn id="12" fill="hold">
+                            <p:stCondLst>
+                              <p:cond delay="0"/>
+                            </p:stCondLst>
+                            <p:childTnLst>
+                              <p:par>
+                                <p:cTn id="13" presetID="10" presetClass="entr" presetSubtype="0" fill="hold" nodeType="clickEffect">
+                                  <p:stCondLst>
+                                    <p:cond delay="0"/>
+                                  </p:stCondLst>
+                                  <p:childTnLst>
+                                    <p:set>
+                                      <p:cBhvr>
+                                        <p:cTn id="14" dur="1" fill="hold">
+                                          <p:stCondLst>
+                                            <p:cond delay="0"/>
+                                          </p:stCondLst>
+                                        </p:cTn>
+                                        <p:tgtEl>
+                                          <p:spTgt spid="9"/>
+                                        </p:tgtEl>
+                                        <p:attrNameLst>
+                                          <p:attrName>style.visibility</p:attrName>
+                                        </p:attrNameLst>
+                                      </p:cBhvr>
+                                      <p:to>
+                                        <p:strVal val="visible"/>
+                                      </p:to>
+                                    </p:set>
+                                    <p:animEffect transition="in" filter="fade">
+                                      <p:cBhvr>
+                                        <p:cTn id="15" dur="500"/>
+                                        <p:tgtEl>
+                                          <p:spTgt spid="9"/>
+                                        </p:tgtEl>
+                                      </p:cBhvr>
+                                    </p:animEffect>
+                                  </p:childTnLst>
+                                </p:cTn>
+                              </p:par>
+                              <p:par>
+                                <p:cTn id="16" presetID="10" presetClass="entr" presetSubtype="0" fill="hold" grpId="0" nodeType="withEffect">
+                                  <p:stCondLst>
+                                    <p:cond delay="0"/>
+                                  </p:stCondLst>
+                                  <p:childTnLst>
+                                    <p:set>
+                                      <p:cBhvr>
+                                        <p:cTn id="17" dur="1" fill="hold">
+                                          <p:stCondLst>
+                                            <p:cond delay="0"/>
+                                          </p:stCondLst>
+                                        </p:cTn>
+                                        <p:tgtEl>
+                                          <p:spTgt spid="10"/>
+                                        </p:tgtEl>
+                                        <p:attrNameLst>
+                                          <p:attrName>style.visibility</p:attrName>
+                                        </p:attrNameLst>
+                                      </p:cBhvr>
+                                      <p:to>
+                                        <p:strVal val="visible"/>
+                                      </p:to>
+                                    </p:set>
+                                    <p:animEffect transition="in" filter="fade">
+                                      <p:cBhvr>
+                                        <p:cTn id="18" dur="500"/>
+                                        <p:tgtEl>
+                                          <p:spTgt spid="10"/>
+                                        </p:tgtEl>
+                                      </p:cBhvr>
+                                    </p:animEffect>
+                                  </p:childTnLst>
+                                </p:cTn>
+                              </p:par>
+                            </p:childTnLst>
+                          </p:cTn>
+                        </p:par>
+                      </p:childTnLst>
+                    </p:cTn>
+                  </p:par>
+                </p:childTnLst>
+              </p:cTn>
+              <p:prevCondLst>
+                <p:cond evt="onPrev" delay="0">
+                  <p:tgtEl>
+                    <p:sldTgt/>
+                  </p:tgtEl>
+                </p:cond>
+              </p:prevCondLst>
+              <p:nextCondLst>
+                <p:cond evt="onNext" delay="0">
+                  <p:tgtEl>
+                    <p:sldTgt/>
+                  </p:tgtEl>
+                </p:cond>
+              </p:nextCondLst>
+            </p:seq>
+          </p:childTnLst>
+        </p:cTn>
+      </p:par>
+    </p:tnLst>
+    <p:bldLst>
+      <p:bldP spid="6" grpId="0"/>
+      <p:bldP spid="10" grpId="0"/>
+    </p:bldLst>
+  </p:timing>
+</p:sld>
+</file>
+
+<file path=ppt/slides/slide7.xml><?xml version="1.0" encoding="utf-8"?>
+<p:sld xmlns:a="http://schemas.openxmlformats.org/drawingml/2006/main" xmlns:r="http://schemas.openxmlformats.org/officeDocument/2006/relationships" xmlns:p="http://schemas.openxmlformats.org/presentationml/2006/main">
+  <p:cSld>
+    <p:spTree>
+      <p:nvGrpSpPr>
+        <p:cNvPr id="1" name=""/>
+        <p:cNvGrpSpPr/>
+        <p:nvPr/>
+      </p:nvGrpSpPr>
+      <p:grpSpPr>
+        <a:xfrm>
+          <a:off x="0" y="0"/>
+          <a:ext cx="0" cy="0"/>
+          <a:chOff x="0" y="0"/>
+          <a:chExt cx="0" cy="0"/>
+        </a:xfrm>
+      </p:grpSpPr>
+      <p:pic>
+        <p:nvPicPr>
+          <p:cNvPr id="9" name="Picture 8">
+            <a:extLst>
+              <a:ext uri="{FF2B5EF4-FFF2-40B4-BE49-F238E27FC236}">
+                <a16:creationId xmlns:a16="http://schemas.microsoft.com/office/drawing/2014/main" id="{2A7323EE-8A68-49E7-86D0-0D5C39EA59B3}"/>
+              </a:ext>
+            </a:extLst>
+          </p:cNvPr>
+          <p:cNvPicPr>
+            <a:picLocks noChangeAspect="1"/>
+          </p:cNvPicPr>
+          <p:nvPr/>
+        </p:nvPicPr>
+        <p:blipFill>
+          <a:blip r:embed="rId2">
+            <a:extLst>
+              <a:ext uri="{28A0092B-C50C-407E-A947-70E740481C1C}">
+                <a14:useLocalDpi xmlns:a14="http://schemas.microsoft.com/office/drawing/2010/main" val="0"/>
+              </a:ext>
+            </a:extLst>
+          </a:blip>
+          <a:stretch>
+            <a:fillRect/>
+          </a:stretch>
+        </p:blipFill>
+        <p:spPr>
+          <a:xfrm>
+            <a:off x="0" y="285750"/>
+            <a:ext cx="12192000" cy="6286500"/>
+          </a:xfrm>
+          <a:prstGeom prst="rect">
+            <a:avLst/>
+          </a:prstGeom>
+        </p:spPr>
+      </p:pic>
+      <p:sp>
+        <p:nvSpPr>
+          <p:cNvPr id="3" name="TextBox 2">
+            <a:extLst>
+              <a:ext uri="{FF2B5EF4-FFF2-40B4-BE49-F238E27FC236}">
+                <a16:creationId xmlns:a16="http://schemas.microsoft.com/office/drawing/2014/main" id="{8487299B-BFEE-4004-8AB9-ED62A84AEF4D}"/>
+              </a:ext>
+            </a:extLst>
+          </p:cNvPr>
+          <p:cNvSpPr txBox="1"/>
+          <p:nvPr/>
+        </p:nvSpPr>
+        <p:spPr>
+          <a:xfrm>
+            <a:off x="4518660" y="5684520"/>
+            <a:ext cx="3154680" cy="646331"/>
+          </a:xfrm>
+          <a:prstGeom prst="rect">
+            <a:avLst/>
+          </a:prstGeom>
+          <a:noFill/>
+        </p:spPr>
+        <p:txBody>
+          <a:bodyPr wrap="square" rtlCol="0">
+            <a:spAutoFit/>
+          </a:bodyPr>
+          <a:lstStyle/>
+          <a:p>
+            <a:pPr algn="ctr"/>
+            <a:r>
+              <a:rPr lang="en-US" sz="3600" dirty="0">
+                <a:solidFill>
+                  <a:schemeClr val="accent5">
+                    <a:lumMod val="75000"/>
+                  </a:schemeClr>
+                </a:solidFill>
+                <a:latin typeface="SF Pro Display" panose="00000500000000000000" pitchFamily="2" charset="0"/>
+                <a:ea typeface="SF Pro Display" panose="00000500000000000000" pitchFamily="2" charset="0"/>
+              </a:rPr>
+              <a:t>Web Interface</a:t>
+            </a:r>
+          </a:p>
+        </p:txBody>
+      </p:sp>
+    </p:spTree>
+    <p:extLst>
+      <p:ext uri="{BB962C8B-B14F-4D97-AF65-F5344CB8AC3E}">
+        <p14:creationId xmlns:p14="http://schemas.microsoft.com/office/powerpoint/2010/main" val="2164962419"/>
+      </p:ext>
+    </p:extLst>
+  </p:cSld>
+  <p:clrMapOvr>
+    <a:masterClrMapping/>
+  </p:clrMapOvr>
+</p:sld>
+</file>
+
+<file path=ppt/slides/slide8.xml><?xml version="1.0" encoding="utf-8"?>
+<p:sld xmlns:a="http://schemas.openxmlformats.org/drawingml/2006/main" xmlns:r="http://schemas.openxmlformats.org/officeDocument/2006/relationships" xmlns:p="http://schemas.openxmlformats.org/presentationml/2006/main">
+  <p:cSld>
+    <p:spTree>
+      <p:nvGrpSpPr>
+        <p:cNvPr id="1" name=""/>
+        <p:cNvGrpSpPr/>
+        <p:nvPr/>
+      </p:nvGrpSpPr>
+      <p:grpSpPr>
+        <a:xfrm>
+          <a:off x="0" y="0"/>
+          <a:ext cx="0" cy="0"/>
+          <a:chOff x="0" y="0"/>
+          <a:chExt cx="0" cy="0"/>
+        </a:xfrm>
+      </p:grpSpPr>
+      <p:sp>
+        <p:nvSpPr>
+          <p:cNvPr id="2" name="Title 1">
+            <a:extLst>
+              <a:ext uri="{FF2B5EF4-FFF2-40B4-BE49-F238E27FC236}">
+                <a16:creationId xmlns:a16="http://schemas.microsoft.com/office/drawing/2014/main" id="{C09199DA-4845-415D-83C9-EC534ECF60EA}"/>
+              </a:ext>
+            </a:extLst>
+          </p:cNvPr>
+          <p:cNvSpPr>
+            <a:spLocks noGrp="1"/>
+          </p:cNvSpPr>
+          <p:nvPr>
+            <p:ph type="title"/>
+          </p:nvPr>
+        </p:nvSpPr>
+        <p:spPr>
+          <a:xfrm>
+            <a:off x="838200" y="895936"/>
+            <a:ext cx="7284720" cy="1720549"/>
+          </a:xfrm>
+        </p:spPr>
+        <p:txBody>
+          <a:bodyPr>
+            <a:noAutofit/>
+          </a:bodyPr>
+          <a:lstStyle/>
+          <a:p>
+            <a:r>
+              <a:rPr lang="en-US" sz="6000" b="1" dirty="0">
+                <a:solidFill>
+                  <a:schemeClr val="accent5">
+                    <a:lumMod val="75000"/>
+                  </a:schemeClr>
+                </a:solidFill>
+                <a:latin typeface="SF Pro Display" panose="00000500000000000000" pitchFamily="2" charset="0"/>
+                <a:ea typeface="SF Pro Display" panose="00000500000000000000" pitchFamily="2" charset="0"/>
+              </a:rPr>
+              <a:t>Business Model</a:t>
+            </a:r>
+          </a:p>
+        </p:txBody>
+      </p:sp>
+      <p:pic>
+        <p:nvPicPr>
+          <p:cNvPr id="15" name="Picture 14">
+            <a:extLst>
+              <a:ext uri="{FF2B5EF4-FFF2-40B4-BE49-F238E27FC236}">
+                <a16:creationId xmlns:a16="http://schemas.microsoft.com/office/drawing/2014/main" id="{0B1BD527-8400-47AC-8483-A0BD9DD7A579}"/>
+              </a:ext>
+            </a:extLst>
+          </p:cNvPr>
+          <p:cNvPicPr>
+            <a:picLocks noChangeAspect="1"/>
+          </p:cNvPicPr>
+          <p:nvPr/>
+        </p:nvPicPr>
+        <p:blipFill>
+          <a:blip r:embed="rId3">
+            <a:extLst>
+              <a:ext uri="{28A0092B-C50C-407E-A947-70E740481C1C}">
+                <a14:useLocalDpi xmlns:a14="http://schemas.microsoft.com/office/drawing/2010/main" val="0"/>
+              </a:ext>
+            </a:extLst>
+          </a:blip>
+          <a:stretch>
+            <a:fillRect/>
+          </a:stretch>
+        </p:blipFill>
+        <p:spPr>
+          <a:xfrm>
+            <a:off x="0" y="6858000"/>
+            <a:ext cx="12192000" cy="41706"/>
+          </a:xfrm>
+          <a:prstGeom prst="rect">
+            <a:avLst/>
+          </a:prstGeom>
+        </p:spPr>
+      </p:pic>
+      <p:pic>
+        <p:nvPicPr>
+          <p:cNvPr id="5" name="Graphic 4">
+            <a:extLst>
+              <a:ext uri="{FF2B5EF4-FFF2-40B4-BE49-F238E27FC236}">
+                <a16:creationId xmlns:a16="http://schemas.microsoft.com/office/drawing/2014/main" id="{40FA7EE4-FF5D-4C39-9615-EC1C2CEAA123}"/>
+              </a:ext>
+            </a:extLst>
+          </p:cNvPr>
+          <p:cNvPicPr>
+            <a:picLocks noChangeAspect="1"/>
+          </p:cNvPicPr>
+          <p:nvPr/>
+        </p:nvPicPr>
+        <p:blipFill>
+          <a:blip r:embed="rId4">
+            <a:extLst>
+              <a:ext uri="{28A0092B-C50C-407E-A947-70E740481C1C}">
+                <a14:useLocalDpi xmlns:a14="http://schemas.microsoft.com/office/drawing/2010/main" val="0"/>
+              </a:ext>
+              <a:ext uri="{96DAC541-7B7A-43D3-8B79-37D633B846F1}">
+                <asvg:svgBlip xmlns:asvg="http://schemas.microsoft.com/office/drawing/2016/SVG/main" r:embed="rId5"/>
+              </a:ext>
+            </a:extLst>
+          </a:blip>
+          <a:stretch>
+            <a:fillRect/>
+          </a:stretch>
+        </p:blipFill>
+        <p:spPr>
+          <a:xfrm>
+            <a:off x="5938227" y="399439"/>
+            <a:ext cx="6223293" cy="6223293"/>
+          </a:xfrm>
+          <a:prstGeom prst="rect">
+            <a:avLst/>
+          </a:prstGeom>
+        </p:spPr>
+      </p:pic>
+      <p:sp>
+        <p:nvSpPr>
+          <p:cNvPr id="3" name="TextBox 2">
+            <a:extLst>
+              <a:ext uri="{FF2B5EF4-FFF2-40B4-BE49-F238E27FC236}">
+                <a16:creationId xmlns:a16="http://schemas.microsoft.com/office/drawing/2014/main" id="{68D10B44-1A04-4AA5-A67C-E527BA4328A3}"/>
+              </a:ext>
+            </a:extLst>
+          </p:cNvPr>
+          <p:cNvSpPr txBox="1"/>
+          <p:nvPr/>
+        </p:nvSpPr>
+        <p:spPr>
+          <a:xfrm>
+            <a:off x="1386840" y="2616485"/>
+            <a:ext cx="9083040" cy="3108543"/>
+          </a:xfrm>
+          <a:prstGeom prst="rect">
+            <a:avLst/>
+          </a:prstGeom>
+          <a:noFill/>
+        </p:spPr>
+        <p:txBody>
+          <a:bodyPr wrap="square" rtlCol="0">
+            <a:spAutoFit/>
+          </a:bodyPr>
+          <a:lstStyle/>
+          <a:p>
+            <a:pPr marL="342900" indent="-342900">
+              <a:buFont typeface="Arial" panose="020B0604020202020204" pitchFamily="34" charset="0"/>
+              <a:buChar char="•"/>
+            </a:pPr>
+            <a:r>
+              <a:rPr lang="en-US" sz="2800" dirty="0">
+                <a:latin typeface="SF Pro Display" panose="00000500000000000000" pitchFamily="2" charset="0"/>
+                <a:ea typeface="SF Pro Display" panose="00000500000000000000" pitchFamily="2" charset="0"/>
+              </a:rPr>
+              <a:t>Data from the system will be used to identify periods/seasons where there is high human traffic in and out of the building or shop. </a:t>
+            </a:r>
+          </a:p>
+          <a:p>
+            <a:pPr marL="342900" indent="-342900">
+              <a:buFont typeface="Arial" panose="020B0604020202020204" pitchFamily="34" charset="0"/>
+              <a:buChar char="•"/>
+            </a:pPr>
+            <a:r>
+              <a:rPr lang="en-US" sz="2800" dirty="0">
+                <a:latin typeface="SF Pro Display" panose="00000500000000000000" pitchFamily="2" charset="0"/>
+                <a:ea typeface="SF Pro Display" panose="00000500000000000000" pitchFamily="2" charset="0"/>
+              </a:rPr>
+              <a:t>This will help management in deciding when to import more products and services to satisfy their clients.</a:t>
+            </a:r>
+          </a:p>
+          <a:p>
+            <a:pPr marL="342900" indent="-342900">
+              <a:buFont typeface="Arial" panose="020B0604020202020204" pitchFamily="34" charset="0"/>
+              <a:buChar char="•"/>
+            </a:pPr>
+            <a:r>
+              <a:rPr lang="en-US" sz="2800" dirty="0">
+                <a:latin typeface="SF Pro Display" panose="00000500000000000000" pitchFamily="2" charset="0"/>
+                <a:ea typeface="SF Pro Display" panose="00000500000000000000" pitchFamily="2" charset="0"/>
+              </a:rPr>
+              <a:t>The system helps to control overcrowding, especially in times of pandemics such as COVID-19.</a:t>
+            </a:r>
+          </a:p>
+        </p:txBody>
+      </p:sp>
+    </p:spTree>
+    <p:extLst>
+      <p:ext uri="{BB962C8B-B14F-4D97-AF65-F5344CB8AC3E}">
+        <p14:creationId xmlns:p14="http://schemas.microsoft.com/office/powerpoint/2010/main" val="4027060548"/>
+      </p:ext>
+    </p:extLst>
+  </p:cSld>
+  <p:clrMapOvr>
+    <a:masterClrMapping/>
+  </p:clrMapOvr>
+  <p:timing>
+    <p:tnLst>
+      <p:par>
+        <p:cTn id="1" dur="indefinite" restart="never" nodeType="tmRoot">
+          <p:childTnLst>
+            <p:seq concurrent="1" nextAc="seek">
+              <p:cTn id="2" dur="indefinite" nodeType="mainSeq">
+                <p:childTnLst>
+                  <p:par>
+                    <p:cTn id="3" fill="hold">
+                      <p:stCondLst>
+                        <p:cond delay="indefinite"/>
+                      </p:stCondLst>
+                      <p:childTnLst>
+                        <p:par>
+                          <p:cTn id="4" fill="hold">
+                            <p:stCondLst>
+                              <p:cond delay="0"/>
+                            </p:stCondLst>
+                            <p:childTnLst>
+                              <p:par>
+                                <p:cTn id="5" presetID="10" presetClass="entr" presetSubtype="0" fill="hold" nodeType="clickEffect">
+                                  <p:stCondLst>
+                                    <p:cond delay="0"/>
+                                  </p:stCondLst>
+                                  <p:childTnLst>
+                                    <p:set>
+                                      <p:cBhvr>
+                                        <p:cTn id="6" dur="1" fill="hold">
+                                          <p:stCondLst>
+                                            <p:cond delay="0"/>
+                                          </p:stCondLst>
+                                        </p:cTn>
+                                        <p:tgtEl>
+                                          <p:spTgt spid="3">
+                                            <p:txEl>
+                                              <p:pRg st="0" end="0"/>
+                                            </p:txEl>
+                                          </p:spTgt>
+                                        </p:tgtEl>
+                                        <p:attrNameLst>
+                                          <p:attrName>style.visibility</p:attrName>
+                                        </p:attrNameLst>
+                                      </p:cBhvr>
+                                      <p:to>
+                                        <p:strVal val="visible"/>
+                                      </p:to>
+                                    </p:set>
+                                    <p:animEffect transition="in" filter="fade">
+                                      <p:cBhvr>
+                                        <p:cTn id="7" dur="500"/>
+                                        <p:tgtEl>
+                                          <p:spTgt spid="3">
+                                            <p:txEl>
+                                              <p:pRg st="0" end="0"/>
+                                            </p:txEl>
+                                          </p:spTgt>
+                                        </p:tgtEl>
+                                      </p:cBhvr>
+                                    </p:animEffect>
+                                  </p:childTnLst>
+                                </p:cTn>
+                              </p:par>
+                            </p:childTnLst>
+                          </p:cTn>
+                        </p:par>
+                      </p:childTnLst>
+                    </p:cTn>
+                  </p:par>
+                  <p:par>
+                    <p:cTn id="8" fill="hold">
+                      <p:stCondLst>
+                        <p:cond delay="indefinite"/>
+                      </p:stCondLst>
+                      <p:childTnLst>
+                        <p:par>
+                          <p:cTn id="9" fill="hold">
+                            <p:stCondLst>
+                              <p:cond delay="0"/>
+                            </p:stCondLst>
+                            <p:childTnLst>
+                              <p:par>
+                                <p:cTn id="10" presetID="10" presetClass="entr" presetSubtype="0" fill="hold" nodeType="clickEffect">
+                                  <p:stCondLst>
+                                    <p:cond delay="0"/>
+                                  </p:stCondLst>
+                                  <p:childTnLst>
+                                    <p:set>
+                                      <p:cBhvr>
+                                        <p:cTn id="11" dur="1" fill="hold">
+                                          <p:stCondLst>
+                                            <p:cond delay="0"/>
+                                          </p:stCondLst>
+                                        </p:cTn>
+                                        <p:tgtEl>
+                                          <p:spTgt spid="3">
+                                            <p:txEl>
+                                              <p:pRg st="1" end="1"/>
+                                            </p:txEl>
+                                          </p:spTgt>
+                                        </p:tgtEl>
+                                        <p:attrNameLst>
+                                          <p:attrName>style.visibility</p:attrName>
+                                        </p:attrNameLst>
+                                      </p:cBhvr>
+                                      <p:to>
+                                        <p:strVal val="visible"/>
+                                      </p:to>
+                                    </p:set>
+                                    <p:animEffect transition="in" filter="fade">
+                                      <p:cBhvr>
+                                        <p:cTn id="12" dur="500"/>
+                                        <p:tgtEl>
+                                          <p:spTgt spid="3">
+                                            <p:txEl>
+                                              <p:pRg st="1" end="1"/>
+                                            </p:txEl>
+                                          </p:spTgt>
+                                        </p:tgtEl>
+                                      </p:cBhvr>
+                                    </p:animEffect>
+                                  </p:childTnLst>
+                                </p:cTn>
+                              </p:par>
+                            </p:childTnLst>
+                          </p:cTn>
+                        </p:par>
+                      </p:childTnLst>
+                    </p:cTn>
+                  </p:par>
+                  <p:par>
+                    <p:cTn id="13" fill="hold">
+                      <p:stCondLst>
+                        <p:cond delay="indefinite"/>
+                      </p:stCondLst>
+                      <p:childTnLst>
+                        <p:par>
+                          <p:cTn id="14" fill="hold">
+                            <p:stCondLst>
+                              <p:cond delay="0"/>
+                            </p:stCondLst>
+                            <p:childTnLst>
+                              <p:par>
+                                <p:cTn id="15" presetID="10" presetClass="entr" presetSubtype="0" fill="hold" nodeType="clickEffect">
+                                  <p:stCondLst>
+                                    <p:cond delay="0"/>
+                                  </p:stCondLst>
+                                  <p:childTnLst>
+                                    <p:set>
+                                      <p:cBhvr>
+                                        <p:cTn id="16" dur="1" fill="hold">
+                                          <p:stCondLst>
+                                            <p:cond delay="0"/>
+                                          </p:stCondLst>
+                                        </p:cTn>
+                                        <p:tgtEl>
+                                          <p:spTgt spid="3">
+                                            <p:txEl>
+                                              <p:pRg st="2" end="2"/>
+                                            </p:txEl>
+                                          </p:spTgt>
+                                        </p:tgtEl>
+                                        <p:attrNameLst>
+                                          <p:attrName>style.visibility</p:attrName>
+                                        </p:attrNameLst>
+                                      </p:cBhvr>
+                                      <p:to>
+                                        <p:strVal val="visible"/>
+                                      </p:to>
+                                    </p:set>
+                                    <p:animEffect transition="in" filter="fade">
+                                      <p:cBhvr>
+                                        <p:cTn id="17" dur="500"/>
+                                        <p:tgtEl>
+                                          <p:spTgt spid="3">
+                                            <p:txEl>
+                                              <p:pRg st="2" end="2"/>
+                                            </p:txEl>
+                                          </p:spTgt>
+                                        </p:tgtEl>
+                                      </p:cBhvr>
+                                    </p:animEffect>
+                                  </p:childTnLst>
+                                </p:cTn>
+                              </p:par>
+                            </p:childTnLst>
+                          </p:cTn>
+                        </p:par>
+                      </p:childTnLst>
+                    </p:cTn>
+                  </p:par>
+                </p:childTnLst>
+              </p:cTn>
+              <p:prevCondLst>
+                <p:cond evt="onPrev" delay="0">
+                  <p:tgtEl>
+                    <p:sldTgt/>
+                  </p:tgtEl>
+                </p:cond>
+              </p:prevCondLst>
+              <p:nextCondLst>
+                <p:cond evt="onNext" delay="0">
+                  <p:tgtEl>
+                    <p:sldTgt/>
+                  </p:tgtEl>
+                </p:cond>
+              </p:nextCondLst>
+            </p:seq>
+          </p:childTnLst>
+        </p:cTn>
+      </p:par>
+    </p:tnLst>
+  </p:timing>
+</p:sld>
+</file>
+
+<file path=ppt/slides/slide9.xml><?xml version="1.0" encoding="utf-8"?>
+<p:sld xmlns:a="http://schemas.openxmlformats.org/drawingml/2006/main" xmlns:r="http://schemas.openxmlformats.org/officeDocument/2006/relationships" xmlns:p="http://schemas.openxmlformats.org/presentationml/2006/main">
+  <p:cSld>
+    <p:spTree>
+      <p:nvGrpSpPr>
+        <p:cNvPr id="1" name=""/>
+        <p:cNvGrpSpPr/>
+        <p:nvPr/>
+      </p:nvGrpSpPr>
+      <p:grpSpPr>
+        <a:xfrm>
+          <a:off x="0" y="0"/>
+          <a:ext cx="0" cy="0"/>
+          <a:chOff x="0" y="0"/>
+          <a:chExt cx="0" cy="0"/>
+        </a:xfrm>
+      </p:grpSpPr>
+      <p:pic>
+        <p:nvPicPr>
+          <p:cNvPr id="6" name="Graphic 5">
+            <a:extLst>
+              <a:ext uri="{FF2B5EF4-FFF2-40B4-BE49-F238E27FC236}">
+                <a16:creationId xmlns:a16="http://schemas.microsoft.com/office/drawing/2014/main" id="{EA208075-5FAE-4FB1-A348-26EE5C2B03F4}"/>
+              </a:ext>
+            </a:extLst>
+          </p:cNvPr>
+          <p:cNvPicPr>
+            <a:picLocks noChangeAspect="1"/>
+          </p:cNvPicPr>
+          <p:nvPr/>
+        </p:nvPicPr>
+        <p:blipFill>
+          <a:blip r:embed="rId3">
+            <a:extLst>
+              <a:ext uri="{28A0092B-C50C-407E-A947-70E740481C1C}">
+                <a14:useLocalDpi xmlns:a14="http://schemas.microsoft.com/office/drawing/2010/main" val="0"/>
+              </a:ext>
+              <a:ext uri="{96DAC541-7B7A-43D3-8B79-37D633B846F1}">
+                <asvg:svgBlip xmlns:asvg="http://schemas.microsoft.com/office/drawing/2016/SVG/main" r:embed="rId4"/>
+              </a:ext>
+            </a:extLst>
+          </a:blip>
+          <a:stretch>
+            <a:fillRect/>
+          </a:stretch>
+        </p:blipFill>
+        <p:spPr>
+          <a:xfrm>
+            <a:off x="5482880" y="524817"/>
+            <a:ext cx="6184797" cy="6184797"/>
+          </a:xfrm>
+          <a:prstGeom prst="rect">
+            <a:avLst/>
+          </a:prstGeom>
+        </p:spPr>
+      </p:pic>
+      <p:sp>
+        <p:nvSpPr>
+          <p:cNvPr id="2" name="Title 1">
+            <a:extLst>
+              <a:ext uri="{FF2B5EF4-FFF2-40B4-BE49-F238E27FC236}">
+                <a16:creationId xmlns:a16="http://schemas.microsoft.com/office/drawing/2014/main" id="{C09199DA-4845-415D-83C9-EC534ECF60EA}"/>
+              </a:ext>
+            </a:extLst>
+          </p:cNvPr>
+          <p:cNvSpPr>
+            <a:spLocks noGrp="1"/>
+          </p:cNvSpPr>
+          <p:nvPr>
+            <p:ph type="title"/>
+          </p:nvPr>
+        </p:nvSpPr>
+        <p:spPr>
+          <a:xfrm>
+            <a:off x="834680" y="631410"/>
+            <a:ext cx="7284720" cy="1456470"/>
+          </a:xfrm>
+        </p:spPr>
+        <p:txBody>
+          <a:bodyPr>
+            <a:noAutofit/>
+          </a:bodyPr>
+          <a:lstStyle/>
+          <a:p>
+            <a:r>
+              <a:rPr lang="en-US" sz="6000" b="1" dirty="0">
+                <a:solidFill>
+                  <a:srgbClr val="0070C0"/>
+                </a:solidFill>
+                <a:latin typeface="SF Pro Display" panose="00000500000000000000" pitchFamily="2" charset="0"/>
+                <a:ea typeface="SF Pro Display" panose="00000500000000000000" pitchFamily="2" charset="0"/>
+              </a:rPr>
+              <a:t>Future Works</a:t>
+            </a:r>
+          </a:p>
+        </p:txBody>
+      </p:sp>
+      <p:pic>
+        <p:nvPicPr>
+          <p:cNvPr id="15" name="Picture 14">
+            <a:extLst>
+              <a:ext uri="{FF2B5EF4-FFF2-40B4-BE49-F238E27FC236}">
+                <a16:creationId xmlns:a16="http://schemas.microsoft.com/office/drawing/2014/main" id="{0B1BD527-8400-47AC-8483-A0BD9DD7A579}"/>
+              </a:ext>
+            </a:extLst>
+          </p:cNvPr>
+          <p:cNvPicPr>
+            <a:picLocks noChangeAspect="1"/>
+          </p:cNvPicPr>
+          <p:nvPr/>
+        </p:nvPicPr>
+        <p:blipFill>
+          <a:blip r:embed="rId5">
+            <a:extLst>
+              <a:ext uri="{28A0092B-C50C-407E-A947-70E740481C1C}">
+                <a14:useLocalDpi xmlns:a14="http://schemas.microsoft.com/office/drawing/2010/main" val="0"/>
+              </a:ext>
+            </a:extLst>
+          </a:blip>
+          <a:stretch>
+            <a:fillRect/>
+          </a:stretch>
+        </p:blipFill>
+        <p:spPr>
+          <a:xfrm>
+            <a:off x="0" y="6858000"/>
+            <a:ext cx="12192000" cy="41706"/>
+          </a:xfrm>
+          <a:prstGeom prst="rect">
+            <a:avLst/>
+          </a:prstGeom>
+        </p:spPr>
+      </p:pic>
+      <p:sp>
+        <p:nvSpPr>
+          <p:cNvPr id="16" name="TextBox 15">
+            <a:extLst>
+              <a:ext uri="{FF2B5EF4-FFF2-40B4-BE49-F238E27FC236}">
+                <a16:creationId xmlns:a16="http://schemas.microsoft.com/office/drawing/2014/main" id="{5ACDF232-D93B-4C5C-95DE-37B391318A72}"/>
+              </a:ext>
+            </a:extLst>
+          </p:cNvPr>
+          <p:cNvSpPr txBox="1"/>
+          <p:nvPr/>
+        </p:nvSpPr>
+        <p:spPr>
+          <a:xfrm>
+            <a:off x="834680" y="2187965"/>
+            <a:ext cx="4648200" cy="424732"/>
+          </a:xfrm>
+          <a:prstGeom prst="rect">
+            <a:avLst/>
+          </a:prstGeom>
+          <a:noFill/>
+        </p:spPr>
+        <p:txBody>
+          <a:bodyPr wrap="square" rtlCol="0">
+            <a:spAutoFit/>
+          </a:bodyPr>
+          <a:lstStyle/>
+          <a:p>
+            <a:pPr algn="l" rtl="0" eaLnBrk="1" latinLnBrk="0" hangingPunct="1">
+              <a:lnSpc>
+                <a:spcPct val="90000"/>
+              </a:lnSpc>
+              <a:spcBef>
+                <a:spcPts val="1000"/>
+              </a:spcBef>
+              <a:spcAft>
+                <a:spcPts val="0"/>
+              </a:spcAft>
+              <a:buClrTx/>
+              <a:buSzPts val="2800"/>
+            </a:pPr>
+            <a:r>
+              <a:rPr lang="en-US" sz="2400" b="1" kern="1200" dirty="0">
+                <a:solidFill>
+                  <a:srgbClr val="000000"/>
+                </a:solidFill>
+                <a:effectLst/>
+                <a:latin typeface="SF Pro Display" panose="00000500000000000000" pitchFamily="2" charset="0"/>
+                <a:ea typeface="SF Pro Display" panose="00000500000000000000" pitchFamily="2" charset="0"/>
+                <a:cs typeface="+mn-cs"/>
+              </a:rPr>
+              <a:t>The system will;</a:t>
+            </a:r>
+            <a:endParaRPr lang="en-US" sz="2400" b="1" dirty="0">
+              <a:effectLst/>
+            </a:endParaRPr>
+          </a:p>
+        </p:txBody>
+      </p:sp>
+      <p:sp>
+        <p:nvSpPr>
+          <p:cNvPr id="3" name="TextBox 2">
+            <a:extLst>
+              <a:ext uri="{FF2B5EF4-FFF2-40B4-BE49-F238E27FC236}">
+                <a16:creationId xmlns:a16="http://schemas.microsoft.com/office/drawing/2014/main" id="{55432EB3-9119-4868-97CF-88A925FECCBD}"/>
+              </a:ext>
+            </a:extLst>
+          </p:cNvPr>
+          <p:cNvSpPr txBox="1"/>
+          <p:nvPr/>
+        </p:nvSpPr>
+        <p:spPr>
+          <a:xfrm>
+            <a:off x="834680" y="2916863"/>
+            <a:ext cx="9723120" cy="3416320"/>
+          </a:xfrm>
+          <a:prstGeom prst="rect">
+            <a:avLst/>
+          </a:prstGeom>
+          <a:noFill/>
+        </p:spPr>
+        <p:txBody>
+          <a:bodyPr wrap="square" rtlCol="0">
+            <a:spAutoFit/>
+          </a:bodyPr>
+          <a:lstStyle/>
+          <a:p>
+            <a:pPr marL="342900" indent="-342900">
+              <a:buFont typeface="Arial" panose="020B0604020202020204" pitchFamily="34" charset="0"/>
+              <a:buChar char="•"/>
+            </a:pPr>
+            <a:r>
+              <a:rPr lang="en-US" sz="2400" dirty="0">
+                <a:latin typeface="SF Pro Display" panose="00000500000000000000" pitchFamily="2" charset="0"/>
+                <a:ea typeface="SF Pro Display" panose="00000500000000000000" pitchFamily="2" charset="0"/>
+              </a:rPr>
+              <a:t>Provide daily, weekly and monthly statistics in order to know the nature of traffic at the premises.</a:t>
+            </a:r>
+          </a:p>
+          <a:p>
+            <a:pPr marL="342900" indent="-342900">
+              <a:buFont typeface="Arial" panose="020B0604020202020204" pitchFamily="34" charset="0"/>
+              <a:buChar char="•"/>
+            </a:pPr>
+            <a:r>
+              <a:rPr lang="en-US" sz="2400" dirty="0">
+                <a:latin typeface="SF Pro Display" panose="00000500000000000000" pitchFamily="2" charset="0"/>
+                <a:ea typeface="SF Pro Display" panose="00000500000000000000" pitchFamily="2" charset="0"/>
+              </a:rPr>
+              <a:t>Export daily statistics via csv or </a:t>
+            </a:r>
+            <a:r>
+              <a:rPr lang="en-US" sz="2400" dirty="0" err="1">
+                <a:latin typeface="SF Pro Display" panose="00000500000000000000" pitchFamily="2" charset="0"/>
+                <a:ea typeface="SF Pro Display" panose="00000500000000000000" pitchFamily="2" charset="0"/>
+              </a:rPr>
+              <a:t>xls</a:t>
+            </a:r>
+            <a:r>
+              <a:rPr lang="en-US" sz="2400" dirty="0">
+                <a:latin typeface="SF Pro Display" panose="00000500000000000000" pitchFamily="2" charset="0"/>
+                <a:ea typeface="SF Pro Display" panose="00000500000000000000" pitchFamily="2" charset="0"/>
+              </a:rPr>
+              <a:t>.</a:t>
+            </a:r>
+          </a:p>
+          <a:p>
+            <a:pPr marL="342900" indent="-342900">
+              <a:buFont typeface="Arial" panose="020B0604020202020204" pitchFamily="34" charset="0"/>
+              <a:buChar char="•"/>
+            </a:pPr>
+            <a:r>
+              <a:rPr lang="en-US" sz="2400" dirty="0">
+                <a:latin typeface="SF Pro Display" panose="00000500000000000000" pitchFamily="2" charset="0"/>
+                <a:ea typeface="SF Pro Display" panose="00000500000000000000" pitchFamily="2" charset="0"/>
+              </a:rPr>
+              <a:t>Allow managers to control desktop app from remote locations via the web interface.</a:t>
+            </a:r>
+          </a:p>
+          <a:p>
+            <a:pPr marL="342900" indent="-342900">
+              <a:buFont typeface="Arial" panose="020B0604020202020204" pitchFamily="34" charset="0"/>
+              <a:buChar char="•"/>
+            </a:pPr>
+            <a:r>
+              <a:rPr lang="en-US" sz="2400" dirty="0">
+                <a:latin typeface="SF Pro Display" panose="00000500000000000000" pitchFamily="2" charset="0"/>
+                <a:ea typeface="SF Pro Display" panose="00000500000000000000" pitchFamily="2" charset="0"/>
+              </a:rPr>
+              <a:t>Automate and set application runtime to open hours only.</a:t>
+            </a:r>
+          </a:p>
+          <a:p>
+            <a:pPr marL="342900" indent="-342900">
+              <a:buFont typeface="Arial" panose="020B0604020202020204" pitchFamily="34" charset="0"/>
+              <a:buChar char="•"/>
+            </a:pPr>
+            <a:r>
+              <a:rPr lang="en-US" sz="2400" dirty="0">
+                <a:latin typeface="SF Pro Display" panose="00000500000000000000" pitchFamily="2" charset="0"/>
+                <a:ea typeface="SF Pro Display" panose="00000500000000000000" pitchFamily="2" charset="0"/>
+              </a:rPr>
+              <a:t>Rely on data from application to enforce the number of people that can be admitted in a building or shop.</a:t>
+            </a:r>
+          </a:p>
+          <a:p>
+            <a:pPr marL="342900" indent="-342900">
+              <a:buFont typeface="Arial" panose="020B0604020202020204" pitchFamily="34" charset="0"/>
+              <a:buChar char="•"/>
+            </a:pPr>
+            <a:endParaRPr lang="en-US" sz="2400" dirty="0">
+              <a:latin typeface="SF Pro Display" panose="00000500000000000000" pitchFamily="2" charset="0"/>
+              <a:ea typeface="SF Pro Display" panose="00000500000000000000" pitchFamily="2" charset="0"/>
+            </a:endParaRPr>
+          </a:p>
+        </p:txBody>
+      </p:sp>
+    </p:spTree>
+    <p:extLst>
+      <p:ext uri="{BB962C8B-B14F-4D97-AF65-F5344CB8AC3E}">
+        <p14:creationId xmlns:p14="http://schemas.microsoft.com/office/powerpoint/2010/main" val="45953304"/>
+      </p:ext>
+    </p:extLst>
+  </p:cSld>
+  <p:clrMapOvr>
+    <a:masterClrMapping/>
+  </p:clrMapOvr>
+  <p:timing>
+    <p:tnLst>
+      <p:par>
+        <p:cTn id="1" dur="indefinite" restart="never" nodeType="tmRoot">
+          <p:childTnLst>
+            <p:seq concurrent="1" nextAc="seek">
+              <p:cTn id="2" dur="indefinite" nodeType="mainSeq">
+                <p:childTnLst>
+                  <p:par>
+                    <p:cTn id="3" fill="hold">
+                      <p:stCondLst>
+                        <p:cond delay="indefinite"/>
+                      </p:stCondLst>
+                      <p:childTnLst>
+                        <p:par>
+                          <p:cTn id="4" fill="hold">
+                            <p:stCondLst>
+                              <p:cond delay="0"/>
+                            </p:stCondLst>
+                            <p:childTnLst>
+                              <p:par>
+                                <p:cTn id="5" presetID="10" presetClass="entr" presetSubtype="0" fill="hold" nodeType="clickEffect">
+                                  <p:stCondLst>
+                                    <p:cond delay="0"/>
+                                  </p:stCondLst>
+                                  <p:childTnLst>
+                                    <p:set>
+                                      <p:cBhvr>
+                                        <p:cTn id="6" dur="1" fill="hold">
+                                          <p:stCondLst>
+                                            <p:cond delay="0"/>
+                                          </p:stCondLst>
+                                        </p:cTn>
+                                        <p:tgtEl>
+                                          <p:spTgt spid="16">
+                                            <p:txEl>
+                                              <p:pRg st="0" end="0"/>
+                                            </p:txEl>
+                                          </p:spTgt>
+                                        </p:tgtEl>
+                                        <p:attrNameLst>
+                                          <p:attrName>style.visibility</p:attrName>
+                                        </p:attrNameLst>
+                                      </p:cBhvr>
+                                      <p:to>
+                                        <p:strVal val="visible"/>
+                                      </p:to>
+                                    </p:set>
+                                    <p:animEffect transition="in" filter="fade">
+                                      <p:cBhvr>
+                                        <p:cTn id="7" dur="500"/>
+                                        <p:tgtEl>
+                                          <p:spTgt spid="16">
+                                            <p:txEl>
+                                              <p:pRg st="0" end="0"/>
+                                            </p:txEl>
+                                          </p:spTgt>
+                                        </p:tgtEl>
+                                      </p:cBhvr>
+                                    </p:animEffect>
+                                  </p:childTnLst>
+                                </p:cTn>
+                              </p:par>
+                            </p:childTnLst>
+                          </p:cTn>
+                        </p:par>
+                      </p:childTnLst>
+                    </p:cTn>
+                  </p:par>
+                  <p:par>
+                    <p:cTn id="8" fill="hold">
+                      <p:stCondLst>
+                        <p:cond delay="indefinite"/>
+                      </p:stCondLst>
+                      <p:childTnLst>
+                        <p:par>
+                          <p:cTn id="9" fill="hold">
+                            <p:stCondLst>
+                              <p:cond delay="0"/>
+                            </p:stCondLst>
+                            <p:childTnLst>
+                              <p:par>
+                                <p:cTn id="10" presetID="10" presetClass="entr" presetSubtype="0" fill="hold" nodeType="clickEffect">
+                                  <p:stCondLst>
+                                    <p:cond delay="0"/>
+                                  </p:stCondLst>
+                                  <p:childTnLst>
+                                    <p:set>
+                                      <p:cBhvr>
+                                        <p:cTn id="11" dur="1" fill="hold">
+                                          <p:stCondLst>
+                                            <p:cond delay="0"/>
+                                          </p:stCondLst>
+                                        </p:cTn>
+                                        <p:tgtEl>
+                                          <p:spTgt spid="3">
+                                            <p:txEl>
+                                              <p:pRg st="0" end="0"/>
+                                            </p:txEl>
+                                          </p:spTgt>
+                                        </p:tgtEl>
+                                        <p:attrNameLst>
+                                          <p:attrName>style.visibility</p:attrName>
+                                        </p:attrNameLst>
+                                      </p:cBhvr>
+                                      <p:to>
+                                        <p:strVal val="visible"/>
+                                      </p:to>
+                                    </p:set>
+                                    <p:animEffect transition="in" filter="fade">
+                                      <p:cBhvr>
+                                        <p:cTn id="12" dur="500"/>
+                                        <p:tgtEl>
+                                          <p:spTgt spid="3">
+                                            <p:txEl>
+                                              <p:pRg st="0" end="0"/>
+                                            </p:txEl>
+                                          </p:spTgt>
+                                        </p:tgtEl>
+                                      </p:cBhvr>
+                                    </p:animEffect>
+                                  </p:childTnLst>
+                                </p:cTn>
+                              </p:par>
+                            </p:childTnLst>
+                          </p:cTn>
+                        </p:par>
+                      </p:childTnLst>
+                    </p:cTn>
+                  </p:par>
+                  <p:par>
+                    <p:cTn id="13" fill="hold">
+                      <p:stCondLst>
+                        <p:cond delay="indefinite"/>
+                      </p:stCondLst>
+                      <p:childTnLst>
+                        <p:par>
+                          <p:cTn id="14" fill="hold">
+                            <p:stCondLst>
+                              <p:cond delay="0"/>
+                            </p:stCondLst>
+                            <p:childTnLst>
+                              <p:par>
+                                <p:cTn id="15" presetID="10" presetClass="entr" presetSubtype="0" fill="hold" nodeType="clickEffect">
+                                  <p:stCondLst>
+                                    <p:cond delay="0"/>
+                                  </p:stCondLst>
+                                  <p:childTnLst>
+                                    <p:set>
+                                      <p:cBhvr>
+                                        <p:cTn id="16" dur="1" fill="hold">
+                                          <p:stCondLst>
+                                            <p:cond delay="0"/>
+                                          </p:stCondLst>
+                                        </p:cTn>
+                                        <p:tgtEl>
+                                          <p:spTgt spid="3">
+                                            <p:txEl>
+                                              <p:pRg st="1" end="1"/>
+                                            </p:txEl>
+                                          </p:spTgt>
+                                        </p:tgtEl>
+                                        <p:attrNameLst>
+                                          <p:attrName>style.visibility</p:attrName>
+                                        </p:attrNameLst>
+                                      </p:cBhvr>
+                                      <p:to>
+                                        <p:strVal val="visible"/>
+                                      </p:to>
+                                    </p:set>
+                                    <p:animEffect transition="in" filter="fade">
+                                      <p:cBhvr>
+                                        <p:cTn id="17" dur="500"/>
+                                        <p:tgtEl>
+                                          <p:spTgt spid="3">
+                                            <p:txEl>
+                                              <p:pRg st="1" end="1"/>
+                                            </p:txEl>
+                                          </p:spTgt>
+                                        </p:tgtEl>
+                                      </p:cBhvr>
+                                    </p:animEffect>
+                                  </p:childTnLst>
+                                </p:cTn>
+                              </p:par>
+                            </p:childTnLst>
+                          </p:cTn>
+                        </p:par>
+                      </p:childTnLst>
+                    </p:cTn>
+                  </p:par>
+                  <p:par>
+                    <p:cTn id="18" fill="hold">
+                      <p:stCondLst>
+                        <p:cond delay="indefinite"/>
+                      </p:stCondLst>
+                      <p:childTnLst>
+                        <p:par>
+                          <p:cTn id="19" fill="hold">
+                            <p:stCondLst>
+                              <p:cond delay="0"/>
+                            </p:stCondLst>
+                            <p:childTnLst>
+                              <p:par>
+                                <p:cTn id="20" presetID="10" presetClass="entr" presetSubtype="0" fill="hold" nodeType="clickEffect">
+                                  <p:stCondLst>
+                                    <p:cond delay="0"/>
+                                  </p:stCondLst>
+                                  <p:childTnLst>
+                                    <p:set>
+                                      <p:cBhvr>
+                                        <p:cTn id="21" dur="1" fill="hold">
+                                          <p:stCondLst>
+                                            <p:cond delay="0"/>
+                                          </p:stCondLst>
+                                        </p:cTn>
+                                        <p:tgtEl>
+                                          <p:spTgt spid="3">
+                                            <p:txEl>
+                                              <p:pRg st="2" end="2"/>
+                                            </p:txEl>
+                                          </p:spTgt>
+                                        </p:tgtEl>
+                                        <p:attrNameLst>
+                                          <p:attrName>style.visibility</p:attrName>
+                                        </p:attrNameLst>
+                                      </p:cBhvr>
+                                      <p:to>
+                                        <p:strVal val="visible"/>
+                                      </p:to>
+                                    </p:set>
+                                    <p:animEffect transition="in" filter="fade">
+                                      <p:cBhvr>
+                                        <p:cTn id="22" dur="500"/>
+                                        <p:tgtEl>
+                                          <p:spTgt spid="3">
+                                            <p:txEl>
+                                              <p:pRg st="2" end="2"/>
+                                            </p:txEl>
+                                          </p:spTgt>
+                                        </p:tgtEl>
+                                      </p:cBhvr>
+                                    </p:animEffect>
+                                  </p:childTnLst>
+                                </p:cTn>
+                              </p:par>
+                            </p:childTnLst>
+                          </p:cTn>
+                        </p:par>
+                      </p:childTnLst>
+                    </p:cTn>
+                  </p:par>
+                  <p:par>
+                    <p:cTn id="23" fill="hold">
+                      <p:stCondLst>
+                        <p:cond delay="indefinite"/>
+                      </p:stCondLst>
+                      <p:childTnLst>
+                        <p:par>
+                          <p:cTn id="24" fill="hold">
+                            <p:stCondLst>
+                              <p:cond delay="0"/>
+                            </p:stCondLst>
+                            <p:childTnLst>
+                              <p:par>
+                                <p:cTn id="25" presetID="10" presetClass="entr" presetSubtype="0" fill="hold" nodeType="clickEffect">
+                                  <p:stCondLst>
+                                    <p:cond delay="0"/>
+                                  </p:stCondLst>
+                                  <p:childTnLst>
+                                    <p:set>
+                                      <p:cBhvr>
+                                        <p:cTn id="26" dur="1" fill="hold">
+                                          <p:stCondLst>
+                                            <p:cond delay="0"/>
+                                          </p:stCondLst>
+                                        </p:cTn>
+                                        <p:tgtEl>
+                                          <p:spTgt spid="3">
+                                            <p:txEl>
+                                              <p:pRg st="3" end="3"/>
+                                            </p:txEl>
+                                          </p:spTgt>
+                                        </p:tgtEl>
+                                        <p:attrNameLst>
+                                          <p:attrName>style.visibility</p:attrName>
+                                        </p:attrNameLst>
+                                      </p:cBhvr>
+                                      <p:to>
+                                        <p:strVal val="visible"/>
+                                      </p:to>
+                                    </p:set>
+                                    <p:animEffect transition="in" filter="fade">
+                                      <p:cBhvr>
+                                        <p:cTn id="27" dur="500"/>
+                                        <p:tgtEl>
+                                          <p:spTgt spid="3">
+                                            <p:txEl>
+                                              <p:pRg st="3" end="3"/>
+                                            </p:txEl>
+                                          </p:spTgt>
+                                        </p:tgtEl>
+                                      </p:cBhvr>
+                                    </p:animEffect>
+                                  </p:childTnLst>
+                                </p:cTn>
+                              </p:par>
+                            </p:childTnLst>
+                          </p:cTn>
+                        </p:par>
+                      </p:childTnLst>
+                    </p:cTn>
+                  </p:par>
+                  <p:par>
+                    <p:cTn id="28" fill="hold">
+                      <p:stCondLst>
+                        <p:cond delay="indefinite"/>
+                      </p:stCondLst>
+                      <p:childTnLst>
+                        <p:par>
+                          <p:cTn id="29" fill="hold">
+                            <p:stCondLst>
+                              <p:cond delay="0"/>
+                            </p:stCondLst>
+                            <p:childTnLst>
+                              <p:par>
+                                <p:cTn id="30" presetID="10" presetClass="entr" presetSubtype="0" fill="hold" nodeType="clickEffect">
+                                  <p:stCondLst>
+                                    <p:cond delay="0"/>
+                                  </p:stCondLst>
+                                  <p:childTnLst>
+                                    <p:set>
+                                      <p:cBhvr>
+                                        <p:cTn id="31" dur="1" fill="hold">
+                                          <p:stCondLst>
+                                            <p:cond delay="0"/>
+                                          </p:stCondLst>
+                                        </p:cTn>
+                                        <p:tgtEl>
+                                          <p:spTgt spid="3">
+                                            <p:txEl>
+                                              <p:pRg st="4" end="4"/>
+                                            </p:txEl>
+                                          </p:spTgt>
+                                        </p:tgtEl>
+                                        <p:attrNameLst>
+                                          <p:attrName>style.visibility</p:attrName>
+                                        </p:attrNameLst>
+                                      </p:cBhvr>
+                                      <p:to>
+                                        <p:strVal val="visible"/>
+                                      </p:to>
+                                    </p:set>
+                                    <p:animEffect transition="in" filter="fade">
+                                      <p:cBhvr>
+                                        <p:cTn id="32" dur="500"/>
+                                        <p:tgtEl>
+                                          <p:spTgt spid="3">
+                                            <p:txEl>
+                                              <p:pRg st="4" end="4"/>
+                                            </p:txEl>
+                                          </p:spTgt>
+                                        </p:tgtEl>
+                                      </p:cBhvr>
+                                    </p:animEffect>
+                                  </p:childTnLst>
+                                </p:cTn>
+                              </p:par>
+                            </p:childTnLst>
+                          </p:cTn>
+                        </p:par>
+                      </p:childTnLst>
+                    </p:cTn>
+                  </p:par>
+                </p:childTnLst>
+              </p:cTn>
+              <p:prevCondLst>
+                <p:cond evt="onPrev" delay="0">
+                  <p:tgtEl>
+                    <p:sldTgt/>
+                  </p:tgtEl>
+                </p:cond>
+              </p:prevCondLst>
+              <p:nextCondLst>
+                <p:cond evt="onNext" delay="0">
+                  <p:tgtEl>
+                    <p:sldTgt/>
+                  </p:tgtEl>
+                </p:cond>
+              </p:nextCondLst>
+            </p:seq>
+          </p:childTnLst>
+        </p:cTn>
+      </p:par>
+    </p:tnLst>
+  </p:timing>
 </p:sld>
 </file>
 
@@ -4101,4 +8896,299 @@
     </a:ext>
   </a:extLst>
 </a:theme>
+</file>
+
+<file path=ppt/theme/theme2.xml><?xml version="1.0" encoding="utf-8"?>
+<a:theme xmlns:a="http://schemas.openxmlformats.org/drawingml/2006/main" name="Office Theme">
+  <a:themeElements>
+    <a:clrScheme name="Office">
+      <a:dk1>
+        <a:sysClr val="windowText" lastClr="000000"/>
+      </a:dk1>
+      <a:lt1>
+        <a:sysClr val="window" lastClr="FFFFFF"/>
+      </a:lt1>
+      <a:dk2>
+        <a:srgbClr val="44546A"/>
+      </a:dk2>
+      <a:lt2>
+        <a:srgbClr val="E7E6E6"/>
+      </a:lt2>
+      <a:accent1>
+        <a:srgbClr val="4472C4"/>
+      </a:accent1>
+      <a:accent2>
+        <a:srgbClr val="ED7D31"/>
+      </a:accent2>
+      <a:accent3>
+        <a:srgbClr val="A5A5A5"/>
+      </a:accent3>
+      <a:accent4>
+        <a:srgbClr val="FFC000"/>
+      </a:accent4>
+      <a:accent5>
+        <a:srgbClr val="5B9BD5"/>
+      </a:accent5>
+      <a:accent6>
+        <a:srgbClr val="70AD47"/>
+      </a:accent6>
+      <a:hlink>
+        <a:srgbClr val="0563C1"/>
+      </a:hlink>
+      <a:folHlink>
+        <a:srgbClr val="954F72"/>
+      </a:folHlink>
+    </a:clrScheme>
+    <a:fontScheme name="Office">
+      <a:majorFont>
+        <a:latin typeface="Calibri Light" panose="020F0302020204030204"/>
+        <a:ea typeface=""/>
+        <a:cs typeface=""/>
+        <a:font script="Jpan" typeface="游ゴシック Light"/>
+        <a:font script="Hang" typeface="맑은 고딕"/>
+        <a:font script="Hans" typeface="等线 Light"/>
+        <a:font script="Hant" typeface="新細明體"/>
+        <a:font script="Arab" typeface="Times New Roman"/>
+        <a:font script="Hebr" typeface="Times New Roman"/>
+        <a:font script="Thai" typeface="Angsana New"/>
+        <a:font script="Ethi" typeface="Nyala"/>
+        <a:font script="Beng" typeface="Vrinda"/>
+        <a:font script="Gujr" typeface="Shruti"/>
+        <a:font script="Khmr" typeface="MoolBoran"/>
+        <a:font script="Knda" typeface="Tunga"/>
+        <a:font script="Guru" typeface="Raavi"/>
+        <a:font script="Cans" typeface="Euphemia"/>
+        <a:font script="Cher" typeface="Plantagenet Cherokee"/>
+        <a:font script="Yiii" typeface="Microsoft Yi Baiti"/>
+        <a:font script="Tibt" typeface="Microsoft Himalaya"/>
+        <a:font script="Thaa" typeface="MV Boli"/>
+        <a:font script="Deva" typeface="Mangal"/>
+        <a:font script="Telu" typeface="Gautami"/>
+        <a:font script="Taml" typeface="Latha"/>
+        <a:font script="Syrc" typeface="Estrangelo Edessa"/>
+        <a:font script="Orya" typeface="Kalinga"/>
+        <a:font script="Mlym" typeface="Kartika"/>
+        <a:font script="Laoo" typeface="DokChampa"/>
+        <a:font script="Sinh" typeface="Iskoola Pota"/>
+        <a:font script="Mong" typeface="Mongolian Baiti"/>
+        <a:font script="Viet" typeface="Times New Roman"/>
+        <a:font script="Uigh" typeface="Microsoft Uighur"/>
+        <a:font script="Geor" typeface="Sylfaen"/>
+        <a:font script="Armn" typeface="Arial"/>
+        <a:font script="Bugi" typeface="Leelawadee UI"/>
+        <a:font script="Bopo" typeface="Microsoft JhengHei"/>
+        <a:font script="Java" typeface="Javanese Text"/>
+        <a:font script="Lisu" typeface="Segoe UI"/>
+        <a:font script="Mymr" typeface="Myanmar Text"/>
+        <a:font script="Nkoo" typeface="Ebrima"/>
+        <a:font script="Olck" typeface="Nirmala UI"/>
+        <a:font script="Osma" typeface="Ebrima"/>
+        <a:font script="Phag" typeface="Phagspa"/>
+        <a:font script="Syrn" typeface="Estrangelo Edessa"/>
+        <a:font script="Syrj" typeface="Estrangelo Edessa"/>
+        <a:font script="Syre" typeface="Estrangelo Edessa"/>
+        <a:font script="Sora" typeface="Nirmala UI"/>
+        <a:font script="Tale" typeface="Microsoft Tai Le"/>
+        <a:font script="Talu" typeface="Microsoft New Tai Lue"/>
+        <a:font script="Tfng" typeface="Ebrima"/>
+      </a:majorFont>
+      <a:minorFont>
+        <a:latin typeface="Calibri" panose="020F0502020204030204"/>
+        <a:ea typeface=""/>
+        <a:cs typeface=""/>
+        <a:font script="Jpan" typeface="游ゴシック"/>
+        <a:font script="Hang" typeface="맑은 고딕"/>
+        <a:font script="Hans" typeface="等线"/>
+        <a:font script="Hant" typeface="新細明體"/>
+        <a:font script="Arab" typeface="Arial"/>
+        <a:font script="Hebr" typeface="Arial"/>
+        <a:font script="Thai" typeface="Cordia New"/>
+        <a:font script="Ethi" typeface="Nyala"/>
+        <a:font script="Beng" typeface="Vrinda"/>
+        <a:font script="Gujr" typeface="Shruti"/>
+        <a:font script="Khmr" typeface="DaunPenh"/>
+        <a:font script="Knda" typeface="Tunga"/>
+        <a:font script="Guru" typeface="Raavi"/>
+        <a:font script="Cans" typeface="Euphemia"/>
+        <a:font script="Cher" typeface="Plantagenet Cherokee"/>
+        <a:font script="Yiii" typeface="Microsoft Yi Baiti"/>
+        <a:font script="Tibt" typeface="Microsoft Himalaya"/>
+        <a:font script="Thaa" typeface="MV Boli"/>
+        <a:font script="Deva" typeface="Mangal"/>
+        <a:font script="Telu" typeface="Gautami"/>
+        <a:font script="Taml" typeface="Latha"/>
+        <a:font script="Syrc" typeface="Estrangelo Edessa"/>
+        <a:font script="Orya" typeface="Kalinga"/>
+        <a:font script="Mlym" typeface="Kartika"/>
+        <a:font script="Laoo" typeface="DokChampa"/>
+        <a:font script="Sinh" typeface="Iskoola Pota"/>
+        <a:font script="Mong" typeface="Mongolian Baiti"/>
+        <a:font script="Viet" typeface="Arial"/>
+        <a:font script="Uigh" typeface="Microsoft Uighur"/>
+        <a:font script="Geor" typeface="Sylfaen"/>
+        <a:font script="Armn" typeface="Arial"/>
+        <a:font script="Bugi" typeface="Leelawadee UI"/>
+        <a:font script="Bopo" typeface="Microsoft JhengHei"/>
+        <a:font script="Java" typeface="Javanese Text"/>
+        <a:font script="Lisu" typeface="Segoe UI"/>
+        <a:font script="Mymr" typeface="Myanmar Text"/>
+        <a:font script="Nkoo" typeface="Ebrima"/>
+        <a:font script="Olck" typeface="Nirmala UI"/>
+        <a:font script="Osma" typeface="Ebrima"/>
+        <a:font script="Phag" typeface="Phagspa"/>
+        <a:font script="Syrn" typeface="Estrangelo Edessa"/>
+        <a:font script="Syrj" typeface="Estrangelo Edessa"/>
+        <a:font script="Syre" typeface="Estrangelo Edessa"/>
+        <a:font script="Sora" typeface="Nirmala UI"/>
+        <a:font script="Tale" typeface="Microsoft Tai Le"/>
+        <a:font script="Talu" typeface="Microsoft New Tai Lue"/>
+        <a:font script="Tfng" typeface="Ebrima"/>
+      </a:minorFont>
+    </a:fontScheme>
+    <a:fmtScheme name="Office">
+      <a:fillStyleLst>
+        <a:solidFill>
+          <a:schemeClr val="phClr"/>
+        </a:solidFill>
+        <a:gradFill rotWithShape="1">
+          <a:gsLst>
+            <a:gs pos="0">
+              <a:schemeClr val="phClr">
+                <a:lumMod val="110000"/>
+                <a:satMod val="105000"/>
+                <a:tint val="67000"/>
+              </a:schemeClr>
+            </a:gs>
+            <a:gs pos="50000">
+              <a:schemeClr val="phClr">
+                <a:lumMod val="105000"/>
+                <a:satMod val="103000"/>
+                <a:tint val="73000"/>
+              </a:schemeClr>
+            </a:gs>
+            <a:gs pos="100000">
+              <a:schemeClr val="phClr">
+                <a:lumMod val="105000"/>
+                <a:satMod val="109000"/>
+                <a:tint val="81000"/>
+              </a:schemeClr>
+            </a:gs>
+          </a:gsLst>
+          <a:lin ang="5400000" scaled="0"/>
+        </a:gradFill>
+        <a:gradFill rotWithShape="1">
+          <a:gsLst>
+            <a:gs pos="0">
+              <a:schemeClr val="phClr">
+                <a:satMod val="103000"/>
+                <a:lumMod val="102000"/>
+                <a:tint val="94000"/>
+              </a:schemeClr>
+            </a:gs>
+            <a:gs pos="50000">
+              <a:schemeClr val="phClr">
+                <a:satMod val="110000"/>
+                <a:lumMod val="100000"/>
+                <a:shade val="100000"/>
+              </a:schemeClr>
+            </a:gs>
+            <a:gs pos="100000">
+              <a:schemeClr val="phClr">
+                <a:lumMod val="99000"/>
+                <a:satMod val="120000"/>
+                <a:shade val="78000"/>
+              </a:schemeClr>
+            </a:gs>
+          </a:gsLst>
+          <a:lin ang="5400000" scaled="0"/>
+        </a:gradFill>
+      </a:fillStyleLst>
+      <a:lnStyleLst>
+        <a:ln w="6350" cap="flat" cmpd="sng" algn="ctr">
+          <a:solidFill>
+            <a:schemeClr val="phClr"/>
+          </a:solidFill>
+          <a:prstDash val="solid"/>
+          <a:miter lim="800000"/>
+        </a:ln>
+        <a:ln w="12700" cap="flat" cmpd="sng" algn="ctr">
+          <a:solidFill>
+            <a:schemeClr val="phClr"/>
+          </a:solidFill>
+          <a:prstDash val="solid"/>
+          <a:miter lim="800000"/>
+        </a:ln>
+        <a:ln w="19050" cap="flat" cmpd="sng" algn="ctr">
+          <a:solidFill>
+            <a:schemeClr val="phClr"/>
+          </a:solidFill>
+          <a:prstDash val="solid"/>
+          <a:miter lim="800000"/>
+        </a:ln>
+      </a:lnStyleLst>
+      <a:effectStyleLst>
+        <a:effectStyle>
+          <a:effectLst/>
+        </a:effectStyle>
+        <a:effectStyle>
+          <a:effectLst/>
+        </a:effectStyle>
+        <a:effectStyle>
+          <a:effectLst>
+            <a:outerShdw blurRad="57150" dist="19050" dir="5400000" algn="ctr" rotWithShape="0">
+              <a:srgbClr val="000000">
+                <a:alpha val="63000"/>
+              </a:srgbClr>
+            </a:outerShdw>
+          </a:effectLst>
+        </a:effectStyle>
+      </a:effectStyleLst>
+      <a:bgFillStyleLst>
+        <a:solidFill>
+          <a:schemeClr val="phClr"/>
+        </a:solidFill>
+        <a:solidFill>
+          <a:schemeClr val="phClr">
+            <a:tint val="95000"/>
+            <a:satMod val="170000"/>
+          </a:schemeClr>
+        </a:solidFill>
+        <a:gradFill rotWithShape="1">
+          <a:gsLst>
+            <a:gs pos="0">
+              <a:schemeClr val="phClr">
+                <a:tint val="93000"/>
+                <a:satMod val="150000"/>
+                <a:shade val="98000"/>
+                <a:lumMod val="102000"/>
+              </a:schemeClr>
+            </a:gs>
+            <a:gs pos="50000">
+              <a:schemeClr val="phClr">
+                <a:tint val="98000"/>
+                <a:satMod val="130000"/>
+                <a:shade val="90000"/>
+                <a:lumMod val="103000"/>
+              </a:schemeClr>
+            </a:gs>
+            <a:gs pos="100000">
+              <a:schemeClr val="phClr">
+                <a:shade val="63000"/>
+                <a:satMod val="120000"/>
+              </a:schemeClr>
+            </a:gs>
+          </a:gsLst>
+          <a:lin ang="5400000" scaled="0"/>
+        </a:gradFill>
+      </a:bgFillStyleLst>
+    </a:fmtScheme>
+  </a:themeElements>
+  <a:objectDefaults/>
+  <a:extraClrSchemeLst/>
+  <a:extLst>
+    <a:ext uri="{05A4C25C-085E-4340-85A3-A5531E510DB2}">
+      <thm15:themeFamily xmlns:thm15="http://schemas.microsoft.com/office/thememl/2012/main" name="Office Theme" id="{62F939B6-93AF-4DB8-9C6B-D6C7DFDC589F}" vid="{4A3C46E8-61CC-4603-A589-7422A47A8E4A}"/>
+    </a:ext>
+  </a:extLst>
+</a:theme>
 </file>